--- a/Presentation/06-AuthN and AuthZ patterns.pptx
+++ b/Presentation/06-AuthN and AuthZ patterns.pptx
@@ -6,10 +6,10 @@
     <p:sldMasterId id="2147484229" r:id="rId5"/>
   </p:sldMasterIdLst>
   <p:notesMasterIdLst>
-    <p:notesMasterId r:id="rId30"/>
+    <p:notesMasterId r:id="rId34"/>
   </p:notesMasterIdLst>
   <p:handoutMasterIdLst>
-    <p:handoutMasterId r:id="rId31"/>
+    <p:handoutMasterId r:id="rId35"/>
   </p:handoutMasterIdLst>
   <p:sldIdLst>
     <p:sldId id="1309" r:id="rId6"/>
@@ -21,21 +21,25 @@
     <p:sldId id="1350" r:id="rId12"/>
     <p:sldId id="1351" r:id="rId13"/>
     <p:sldId id="1362" r:id="rId14"/>
-    <p:sldId id="1352" r:id="rId15"/>
-    <p:sldId id="1359" r:id="rId16"/>
-    <p:sldId id="1353" r:id="rId17"/>
-    <p:sldId id="1360" r:id="rId18"/>
-    <p:sldId id="1357" r:id="rId19"/>
-    <p:sldId id="1358" r:id="rId20"/>
-    <p:sldId id="1361" r:id="rId21"/>
-    <p:sldId id="1363" r:id="rId22"/>
-    <p:sldId id="1364" r:id="rId23"/>
-    <p:sldId id="1365" r:id="rId24"/>
-    <p:sldId id="1344" r:id="rId25"/>
-    <p:sldId id="1345" r:id="rId26"/>
-    <p:sldId id="1356" r:id="rId27"/>
-    <p:sldId id="1323" r:id="rId28"/>
-    <p:sldId id="1341" r:id="rId29"/>
+    <p:sldId id="1367" r:id="rId15"/>
+    <p:sldId id="1368" r:id="rId16"/>
+    <p:sldId id="1352" r:id="rId17"/>
+    <p:sldId id="1359" r:id="rId18"/>
+    <p:sldId id="1353" r:id="rId19"/>
+    <p:sldId id="1360" r:id="rId20"/>
+    <p:sldId id="1357" r:id="rId21"/>
+    <p:sldId id="1366" r:id="rId22"/>
+    <p:sldId id="1369" r:id="rId23"/>
+    <p:sldId id="1370" r:id="rId24"/>
+    <p:sldId id="1371" r:id="rId25"/>
+    <p:sldId id="1363" r:id="rId26"/>
+    <p:sldId id="1364" r:id="rId27"/>
+    <p:sldId id="1365" r:id="rId28"/>
+    <p:sldId id="1344" r:id="rId29"/>
+    <p:sldId id="1345" r:id="rId30"/>
+    <p:sldId id="1356" r:id="rId31"/>
+    <p:sldId id="1323" r:id="rId32"/>
+    <p:sldId id="1341" r:id="rId33"/>
   </p:sldIdLst>
   <p:sldSz cx="12436475" cy="6994525"/>
   <p:notesSz cx="6858000" cy="9144000"/>
@@ -152,13 +156,17 @@
             <p14:sldId id="1350"/>
             <p14:sldId id="1351"/>
             <p14:sldId id="1362"/>
+            <p14:sldId id="1367"/>
+            <p14:sldId id="1368"/>
             <p14:sldId id="1352"/>
             <p14:sldId id="1359"/>
             <p14:sldId id="1353"/>
             <p14:sldId id="1360"/>
             <p14:sldId id="1357"/>
-            <p14:sldId id="1358"/>
-            <p14:sldId id="1361"/>
+            <p14:sldId id="1366"/>
+            <p14:sldId id="1369"/>
+            <p14:sldId id="1370"/>
+            <p14:sldId id="1371"/>
             <p14:sldId id="1363"/>
             <p14:sldId id="1364"/>
             <p14:sldId id="1365"/>
@@ -307,7 +315,7 @@
               <a:rPr lang="en-US" smtClean="0">
                 <a:latin typeface="Segoe UI" pitchFamily="34" charset="0"/>
               </a:rPr>
-              <a:t>6/1/2017 12:35 PM</a:t>
+              <a:t>6/3/2017 11:18 PM</a:t>
             </a:fld>
             <a:endParaRPr lang="en-US" dirty="0">
               <a:latin typeface="Segoe UI" pitchFamily="34" charset="0"/>
@@ -585,7 +593,7 @@
           <a:p>
             <a:fld id="{5A9E72A3-73C3-4EC0-976B-555052BC0BC2}" type="datetime8">
               <a:rPr lang="en-US" smtClean="0"/>
-              <a:t>6/1/2017 12:35 PM</a:t>
+              <a:t>6/3/2017 11:17 PM</a:t>
             </a:fld>
             <a:endParaRPr lang="en-US" dirty="0"/>
           </a:p>
@@ -914,7 +922,7 @@
           <a:p>
             <a:fld id="{506EF3E9-8989-41CF-8301-C50DFCD1A107}" type="datetime8">
               <a:rPr lang="en-US" smtClean="0"/>
-              <a:t>6/1/2017 12:35 PM</a:t>
+              <a:t>6/3/2017 11:17 PM</a:t>
             </a:fld>
             <a:endParaRPr lang="en-US" dirty="0"/>
           </a:p>
@@ -1074,27 +1082,18 @@
           <a:bodyPr/>
           <a:lstStyle/>
           <a:p>
-            <a:fld id="{3911EC68-3E3B-4EB6-9510-FC6F41262B94}" type="slidenum">
-              <a:rPr lang="en-US" smtClean="0">
-                <a:solidFill>
-                  <a:prstClr val="black"/>
-                </a:solidFill>
-              </a:rPr>
-              <a:pPr/>
-              <a:t>21</a:t>
+            <a:fld id="{DBE3EBE4-6D16-4918-AF98-56CBD6ECB33E}" type="slidenum">
+              <a:rPr lang="en-US" smtClean="0"/>
+              <a:t>18</a:t>
             </a:fld>
-            <a:endParaRPr lang="en-US">
-              <a:solidFill>
-                <a:prstClr val="black"/>
-              </a:solidFill>
-            </a:endParaRPr>
+            <a:endParaRPr lang="en-US"/>
           </a:p>
         </p:txBody>
       </p:sp>
     </p:spTree>
     <p:extLst>
       <p:ext uri="{BB962C8B-B14F-4D97-AF65-F5344CB8AC3E}">
-        <p14:creationId xmlns:p14="http://schemas.microsoft.com/office/powerpoint/2010/main" val="3380458314"/>
+        <p14:creationId xmlns:p14="http://schemas.microsoft.com/office/powerpoint/2010/main" val="291602377"/>
       </p:ext>
     </p:extLst>
   </p:cSld>
@@ -1174,7 +1173,193 @@
                 </a:solidFill>
               </a:rPr>
               <a:pPr/>
-              <a:t>22</a:t>
+              <a:t>24</a:t>
+            </a:fld>
+            <a:endParaRPr lang="en-US">
+              <a:solidFill>
+                <a:prstClr val="black"/>
+              </a:solidFill>
+            </a:endParaRPr>
+          </a:p>
+        </p:txBody>
+      </p:sp>
+    </p:spTree>
+    <p:extLst>
+      <p:ext uri="{BB962C8B-B14F-4D97-AF65-F5344CB8AC3E}">
+        <p14:creationId xmlns:p14="http://schemas.microsoft.com/office/powerpoint/2010/main" val="3958501039"/>
+      </p:ext>
+    </p:extLst>
+  </p:cSld>
+  <p:clrMapOvr>
+    <a:masterClrMapping/>
+  </p:clrMapOvr>
+</p:notes>
+</file>
+
+<file path=ppt/notesSlides/notesSlide12.xml><?xml version="1.0" encoding="utf-8"?>
+<p:notes xmlns:a="http://schemas.openxmlformats.org/drawingml/2006/main" xmlns:r="http://schemas.openxmlformats.org/officeDocument/2006/relationships" xmlns:p="http://schemas.openxmlformats.org/presentationml/2006/main">
+  <p:cSld>
+    <p:spTree>
+      <p:nvGrpSpPr>
+        <p:cNvPr id="1" name=""/>
+        <p:cNvGrpSpPr/>
+        <p:nvPr/>
+      </p:nvGrpSpPr>
+      <p:grpSpPr>
+        <a:xfrm>
+          <a:off x="0" y="0"/>
+          <a:ext cx="0" cy="0"/>
+          <a:chOff x="0" y="0"/>
+          <a:chExt cx="0" cy="0"/>
+        </a:xfrm>
+      </p:grpSpPr>
+      <p:sp>
+        <p:nvSpPr>
+          <p:cNvPr id="2" name="Slide Image Placeholder 1"/>
+          <p:cNvSpPr>
+            <a:spLocks noGrp="1" noRot="1" noChangeAspect="1"/>
+          </p:cNvSpPr>
+          <p:nvPr>
+            <p:ph type="sldImg"/>
+          </p:nvPr>
+        </p:nvSpPr>
+        <p:spPr/>
+      </p:sp>
+      <p:sp>
+        <p:nvSpPr>
+          <p:cNvPr id="3" name="Notes Placeholder 2"/>
+          <p:cNvSpPr>
+            <a:spLocks noGrp="1"/>
+          </p:cNvSpPr>
+          <p:nvPr>
+            <p:ph type="body" idx="1"/>
+          </p:nvPr>
+        </p:nvSpPr>
+        <p:spPr/>
+        <p:txBody>
+          <a:bodyPr/>
+          <a:lstStyle/>
+          <a:p>
+            <a:endParaRPr lang="en-US" dirty="0"/>
+          </a:p>
+        </p:txBody>
+      </p:sp>
+      <p:sp>
+        <p:nvSpPr>
+          <p:cNvPr id="4" name="Slide Number Placeholder 3"/>
+          <p:cNvSpPr>
+            <a:spLocks noGrp="1"/>
+          </p:cNvSpPr>
+          <p:nvPr>
+            <p:ph type="sldNum" sz="quarter" idx="10"/>
+          </p:nvPr>
+        </p:nvSpPr>
+        <p:spPr/>
+        <p:txBody>
+          <a:bodyPr/>
+          <a:lstStyle/>
+          <a:p>
+            <a:fld id="{3911EC68-3E3B-4EB6-9510-FC6F41262B94}" type="slidenum">
+              <a:rPr lang="en-US" smtClean="0">
+                <a:solidFill>
+                  <a:prstClr val="black"/>
+                </a:solidFill>
+              </a:rPr>
+              <a:pPr/>
+              <a:t>25</a:t>
+            </a:fld>
+            <a:endParaRPr lang="en-US">
+              <a:solidFill>
+                <a:prstClr val="black"/>
+              </a:solidFill>
+            </a:endParaRPr>
+          </a:p>
+        </p:txBody>
+      </p:sp>
+    </p:spTree>
+    <p:extLst>
+      <p:ext uri="{BB962C8B-B14F-4D97-AF65-F5344CB8AC3E}">
+        <p14:creationId xmlns:p14="http://schemas.microsoft.com/office/powerpoint/2010/main" val="3380458314"/>
+      </p:ext>
+    </p:extLst>
+  </p:cSld>
+  <p:clrMapOvr>
+    <a:masterClrMapping/>
+  </p:clrMapOvr>
+</p:notes>
+</file>
+
+<file path=ppt/notesSlides/notesSlide13.xml><?xml version="1.0" encoding="utf-8"?>
+<p:notes xmlns:a="http://schemas.openxmlformats.org/drawingml/2006/main" xmlns:r="http://schemas.openxmlformats.org/officeDocument/2006/relationships" xmlns:p="http://schemas.openxmlformats.org/presentationml/2006/main">
+  <p:cSld>
+    <p:spTree>
+      <p:nvGrpSpPr>
+        <p:cNvPr id="1" name=""/>
+        <p:cNvGrpSpPr/>
+        <p:nvPr/>
+      </p:nvGrpSpPr>
+      <p:grpSpPr>
+        <a:xfrm>
+          <a:off x="0" y="0"/>
+          <a:ext cx="0" cy="0"/>
+          <a:chOff x="0" y="0"/>
+          <a:chExt cx="0" cy="0"/>
+        </a:xfrm>
+      </p:grpSpPr>
+      <p:sp>
+        <p:nvSpPr>
+          <p:cNvPr id="2" name="Slide Image Placeholder 1"/>
+          <p:cNvSpPr>
+            <a:spLocks noGrp="1" noRot="1" noChangeAspect="1"/>
+          </p:cNvSpPr>
+          <p:nvPr>
+            <p:ph type="sldImg"/>
+          </p:nvPr>
+        </p:nvSpPr>
+        <p:spPr/>
+      </p:sp>
+      <p:sp>
+        <p:nvSpPr>
+          <p:cNvPr id="3" name="Notes Placeholder 2"/>
+          <p:cNvSpPr>
+            <a:spLocks noGrp="1"/>
+          </p:cNvSpPr>
+          <p:nvPr>
+            <p:ph type="body" idx="1"/>
+          </p:nvPr>
+        </p:nvSpPr>
+        <p:spPr/>
+        <p:txBody>
+          <a:bodyPr/>
+          <a:lstStyle/>
+          <a:p>
+            <a:endParaRPr lang="en-US" dirty="0"/>
+          </a:p>
+        </p:txBody>
+      </p:sp>
+      <p:sp>
+        <p:nvSpPr>
+          <p:cNvPr id="4" name="Slide Number Placeholder 3"/>
+          <p:cNvSpPr>
+            <a:spLocks noGrp="1"/>
+          </p:cNvSpPr>
+          <p:nvPr>
+            <p:ph type="sldNum" sz="quarter" idx="10"/>
+          </p:nvPr>
+        </p:nvSpPr>
+        <p:spPr/>
+        <p:txBody>
+          <a:bodyPr/>
+          <a:lstStyle/>
+          <a:p>
+            <a:fld id="{3911EC68-3E3B-4EB6-9510-FC6F41262B94}" type="slidenum">
+              <a:rPr lang="en-US" smtClean="0">
+                <a:solidFill>
+                  <a:prstClr val="black"/>
+                </a:solidFill>
+              </a:rPr>
+              <a:pPr/>
+              <a:t>26</a:t>
             </a:fld>
             <a:endParaRPr lang="en-US">
               <a:solidFill>
@@ -1197,7 +1382,7 @@
 </p:notes>
 </file>
 
-<file path=ppt/notesSlides/notesSlide12.xml><?xml version="1.0" encoding="utf-8"?>
+<file path=ppt/notesSlides/notesSlide14.xml><?xml version="1.0" encoding="utf-8"?>
 <p:notes xmlns:a="http://schemas.openxmlformats.org/drawingml/2006/main" xmlns:r="http://schemas.openxmlformats.org/officeDocument/2006/relationships" xmlns:p="http://schemas.openxmlformats.org/presentationml/2006/main">
   <p:cSld>
     <p:spTree>
@@ -1281,7 +1466,7 @@
           <a:p>
             <a:fld id="{59D4D20F-D2F3-4A37-A728-453B5251BCF9}" type="datetime8">
               <a:rPr lang="en-US" smtClean="0"/>
-              <a:t>6/1/2017 12:35 PM</a:t>
+              <a:t>6/3/2017 11:17 PM</a:t>
             </a:fld>
             <a:endParaRPr lang="en-US" dirty="0"/>
           </a:p>
@@ -1305,7 +1490,7 @@
             <a:fld id="{B4008EB6-D09E-4580-8CD6-DDB14511944F}" type="slidenum">
               <a:rPr lang="en-US" smtClean="0"/>
               <a:pPr/>
-              <a:t>23</a:t>
+              <a:t>27</a:t>
             </a:fld>
             <a:endParaRPr lang="en-US" dirty="0"/>
           </a:p>
@@ -1378,7 +1563,7 @@
 </p:notes>
 </file>
 
-<file path=ppt/notesSlides/notesSlide13.xml><?xml version="1.0" encoding="utf-8"?>
+<file path=ppt/notesSlides/notesSlide15.xml><?xml version="1.0" encoding="utf-8"?>
 <p:notes xmlns:a="http://schemas.openxmlformats.org/drawingml/2006/main" xmlns:r="http://schemas.openxmlformats.org/officeDocument/2006/relationships" xmlns:p="http://schemas.openxmlformats.org/presentationml/2006/main">
   <p:cSld>
     <p:spTree>
@@ -1485,7 +1670,7 @@
                   <a:prstClr val="black"/>
                 </a:solidFill>
               </a:rPr>
-              <a:t>6/1/2017 12:35 PM</a:t>
+              <a:t>6/3/2017 11:17 PM</a:t>
             </a:fld>
             <a:endParaRPr lang="en-US" dirty="0">
               <a:solidFill>
@@ -1517,7 +1702,7 @@
                 </a:solidFill>
               </a:rPr>
               <a:pPr/>
-              <a:t>24</a:t>
+              <a:t>28</a:t>
             </a:fld>
             <a:endParaRPr lang="en-US" dirty="0">
               <a:solidFill>
@@ -2070,7 +2255,7 @@
     </p:spTree>
     <p:extLst>
       <p:ext uri="{BB962C8B-B14F-4D97-AF65-F5344CB8AC3E}">
-        <p14:creationId xmlns:p14="http://schemas.microsoft.com/office/powerpoint/2010/main" val="287034526"/>
+        <p14:creationId xmlns:p14="http://schemas.microsoft.com/office/powerpoint/2010/main" val="3908786119"/>
       </p:ext>
     </p:extLst>
   </p:cSld>
@@ -2124,26 +2309,18 @@
           <a:bodyPr/>
           <a:lstStyle/>
           <a:p>
-            <a:r>
-              <a:rPr lang="en-US" dirty="0"/>
-              <a:t>Different patterns for federation</a:t>
-            </a:r>
-            <a:r>
-              <a:rPr lang="en-US" baseline="0" dirty="0"/>
-              <a:t> – Introduces the concept of a shadow account option or an application ID</a:t>
-            </a:r>
             <a:endParaRPr lang="en-US" dirty="0"/>
           </a:p>
         </p:txBody>
       </p:sp>
       <p:sp>
         <p:nvSpPr>
-          <p:cNvPr id="4" name="Slide Number Placeholder 3"/>
+          <p:cNvPr id="4" name="Header Placeholder 3"/>
           <p:cNvSpPr>
             <a:spLocks noGrp="1"/>
           </p:cNvSpPr>
           <p:nvPr>
-            <p:ph type="sldNum" sz="quarter" idx="10"/>
+            <p:ph type="hdr" sz="quarter" idx="10"/>
           </p:nvPr>
         </p:nvSpPr>
         <p:spPr/>
@@ -2151,18 +2328,115 @@
           <a:bodyPr/>
           <a:lstStyle/>
           <a:p>
-            <a:fld id="{DBE3EBE4-6D16-4918-AF98-56CBD6ECB33E}" type="slidenum">
+            <a:endParaRPr lang="en-US" dirty="0"/>
+          </a:p>
+        </p:txBody>
+      </p:sp>
+      <p:sp>
+        <p:nvSpPr>
+          <p:cNvPr id="5" name="Footer Placeholder 4"/>
+          <p:cNvSpPr>
+            <a:spLocks noGrp="1"/>
+          </p:cNvSpPr>
+          <p:nvPr>
+            <p:ph type="ftr" sz="quarter" idx="11"/>
+          </p:nvPr>
+        </p:nvSpPr>
+        <p:spPr/>
+        <p:txBody>
+          <a:bodyPr/>
+          <a:lstStyle/>
+          <a:p>
+            <a:pPr marL="398463" defTabSz="914099" eaLnBrk="0" hangingPunct="0"/>
+            <a:r>
+              <a:rPr lang="en-US" sz="400">
+                <a:gradFill>
+                  <a:gsLst>
+                    <a:gs pos="0">
+                      <a:schemeClr val="tx1"/>
+                    </a:gs>
+                    <a:gs pos="100000">
+                      <a:schemeClr val="tx1"/>
+                    </a:gs>
+                  </a:gsLst>
+                  <a:lin ang="5400000" scaled="0"/>
+                </a:gradFill>
+                <a:latin typeface="Segoe UI" pitchFamily="34" charset="0"/>
+                <a:ea typeface="Segoe UI" pitchFamily="34" charset="0"/>
+                <a:cs typeface="Segoe UI" pitchFamily="34" charset="0"/>
+              </a:rPr>
+              <a:t>© Microsoft Corporation. All rights reserved. </a:t>
+            </a:r>
+            <a:endParaRPr lang="en-US" sz="400" dirty="0">
+              <a:gradFill>
+                <a:gsLst>
+                  <a:gs pos="0">
+                    <a:schemeClr val="tx1"/>
+                  </a:gs>
+                  <a:gs pos="100000">
+                    <a:schemeClr val="tx1"/>
+                  </a:gs>
+                </a:gsLst>
+                <a:lin ang="5400000" scaled="0"/>
+              </a:gradFill>
+              <a:latin typeface="Segoe UI" pitchFamily="34" charset="0"/>
+              <a:ea typeface="Segoe UI" pitchFamily="34" charset="0"/>
+              <a:cs typeface="Segoe UI" pitchFamily="34" charset="0"/>
+            </a:endParaRPr>
+          </a:p>
+        </p:txBody>
+      </p:sp>
+      <p:sp>
+        <p:nvSpPr>
+          <p:cNvPr id="6" name="Date Placeholder 5"/>
+          <p:cNvSpPr>
+            <a:spLocks noGrp="1"/>
+          </p:cNvSpPr>
+          <p:nvPr>
+            <p:ph type="dt" idx="12"/>
+          </p:nvPr>
+        </p:nvSpPr>
+        <p:spPr/>
+        <p:txBody>
+          <a:bodyPr/>
+          <a:lstStyle/>
+          <a:p>
+            <a:fld id="{5A9E72A3-73C3-4EC0-976B-555052BC0BC2}" type="datetime8">
               <a:rPr lang="en-US" smtClean="0"/>
-              <a:t>12</a:t>
+              <a:t>6/4/2017 12:37 AM</a:t>
             </a:fld>
-            <a:endParaRPr lang="en-US"/>
+            <a:endParaRPr lang="en-US" dirty="0"/>
+          </a:p>
+        </p:txBody>
+      </p:sp>
+      <p:sp>
+        <p:nvSpPr>
+          <p:cNvPr id="7" name="Slide Number Placeholder 6"/>
+          <p:cNvSpPr>
+            <a:spLocks noGrp="1"/>
+          </p:cNvSpPr>
+          <p:nvPr>
+            <p:ph type="sldNum" sz="quarter" idx="13"/>
+          </p:nvPr>
+        </p:nvSpPr>
+        <p:spPr/>
+        <p:txBody>
+          <a:bodyPr/>
+          <a:lstStyle/>
+          <a:p>
+            <a:fld id="{B4008EB6-D09E-4580-8CD6-DDB14511944F}" type="slidenum">
+              <a:rPr lang="en-US" smtClean="0"/>
+              <a:pPr/>
+              <a:t>11</a:t>
+            </a:fld>
+            <a:endParaRPr lang="en-US" dirty="0"/>
           </a:p>
         </p:txBody>
       </p:sp>
     </p:spTree>
     <p:extLst>
       <p:ext uri="{BB962C8B-B14F-4D97-AF65-F5344CB8AC3E}">
-        <p14:creationId xmlns:p14="http://schemas.microsoft.com/office/powerpoint/2010/main" val="1322062635"/>
+        <p14:creationId xmlns:p14="http://schemas.microsoft.com/office/powerpoint/2010/main" val="2047169057"/>
       </p:ext>
     </p:extLst>
   </p:cSld>
@@ -2237,7 +2511,7 @@
           <a:p>
             <a:fld id="{DBE3EBE4-6D16-4918-AF98-56CBD6ECB33E}" type="slidenum">
               <a:rPr lang="en-US" smtClean="0"/>
-              <a:t>15</a:t>
+              <a:t>12</a:t>
             </a:fld>
             <a:endParaRPr lang="en-US"/>
           </a:p>
@@ -2246,7 +2520,7 @@
     </p:spTree>
     <p:extLst>
       <p:ext uri="{BB962C8B-B14F-4D97-AF65-F5344CB8AC3E}">
-        <p14:creationId xmlns:p14="http://schemas.microsoft.com/office/powerpoint/2010/main" val="1135101527"/>
+        <p14:creationId xmlns:p14="http://schemas.microsoft.com/office/powerpoint/2010/main" val="287034526"/>
       </p:ext>
     </p:extLst>
   </p:cSld>
@@ -2300,6 +2574,14 @@
           <a:bodyPr/>
           <a:lstStyle/>
           <a:p>
+            <a:r>
+              <a:rPr lang="en-US" dirty="0"/>
+              <a:t>Different patterns for federation</a:t>
+            </a:r>
+            <a:r>
+              <a:rPr lang="en-US" baseline="0" dirty="0"/>
+              <a:t> – Introduces the concept of a shadow account option or an application ID</a:t>
+            </a:r>
             <a:endParaRPr lang="en-US" dirty="0"/>
           </a:p>
         </p:txBody>
@@ -2319,27 +2601,18 @@
           <a:bodyPr/>
           <a:lstStyle/>
           <a:p>
-            <a:fld id="{3911EC68-3E3B-4EB6-9510-FC6F41262B94}" type="slidenum">
-              <a:rPr lang="en-US" smtClean="0">
-                <a:solidFill>
-                  <a:prstClr val="black"/>
-                </a:solidFill>
-              </a:rPr>
-              <a:pPr/>
-              <a:t>20</a:t>
+            <a:fld id="{DBE3EBE4-6D16-4918-AF98-56CBD6ECB33E}" type="slidenum">
+              <a:rPr lang="en-US" smtClean="0"/>
+              <a:t>14</a:t>
             </a:fld>
-            <a:endParaRPr lang="en-US">
-              <a:solidFill>
-                <a:prstClr val="black"/>
-              </a:solidFill>
-            </a:endParaRPr>
+            <a:endParaRPr lang="en-US"/>
           </a:p>
         </p:txBody>
       </p:sp>
     </p:spTree>
     <p:extLst>
       <p:ext uri="{BB962C8B-B14F-4D97-AF65-F5344CB8AC3E}">
-        <p14:creationId xmlns:p14="http://schemas.microsoft.com/office/powerpoint/2010/main" val="3958501039"/>
+        <p14:creationId xmlns:p14="http://schemas.microsoft.com/office/powerpoint/2010/main" val="1322062635"/>
       </p:ext>
     </p:extLst>
   </p:cSld>
@@ -15500,7 +15773,7 @@
               </a:pPr>
               <a:r>
                 <a:rPr lang="en-US" dirty="0"/>
-                <a:t>NONE</a:t>
+                <a:t>User Id + Password</a:t>
               </a:r>
             </a:p>
           </p:txBody>
@@ -15636,7 +15909,1749 @@
               </a:pPr>
               <a:r>
                 <a:rPr lang="en-US" dirty="0"/>
-                <a:t>NONE</a:t>
+                <a:t>User Id + Password</a:t>
+              </a:r>
+            </a:p>
+          </p:txBody>
+        </p:sp>
+        <p:sp>
+          <p:nvSpPr>
+            <p:cNvPr id="52" name="validation"/>
+            <p:cNvSpPr/>
+            <p:nvPr/>
+          </p:nvSpPr>
+          <p:spPr bwMode="auto">
+            <a:xfrm>
+              <a:off x="4342100" y="4350572"/>
+              <a:ext cx="1828800" cy="1690293"/>
+            </a:xfrm>
+            <a:prstGeom prst="rect">
+              <a:avLst/>
+            </a:prstGeom>
+            <a:noFill/>
+            <a:ln>
+              <a:headEnd type="none" w="med" len="med"/>
+              <a:tailEnd type="none" w="med" len="med"/>
+            </a:ln>
+          </p:spPr>
+          <p:style>
+            <a:lnRef idx="1">
+              <a:schemeClr val="accent5"/>
+            </a:lnRef>
+            <a:fillRef idx="2">
+              <a:schemeClr val="accent5"/>
+            </a:fillRef>
+            <a:effectRef idx="1">
+              <a:schemeClr val="accent5"/>
+            </a:effectRef>
+            <a:fontRef idx="minor">
+              <a:schemeClr val="dk1"/>
+            </a:fontRef>
+          </p:style>
+          <p:txBody>
+            <a:bodyPr vert="horz" wrap="square" lIns="0" tIns="47565" rIns="0" bIns="47565" numCol="1" rtlCol="0" anchor="b" anchorCtr="0" compatLnSpc="1">
+              <a:prstTxWarp prst="textNoShape">
+                <a:avLst/>
+              </a:prstTxWarp>
+            </a:bodyPr>
+            <a:lstStyle/>
+            <a:p>
+              <a:pPr algn="ctr" defTabSz="950953" fontAlgn="base">
+                <a:spcBef>
+                  <a:spcPct val="0"/>
+                </a:spcBef>
+                <a:spcAft>
+                  <a:spcPct val="0"/>
+                </a:spcAft>
+              </a:pPr>
+              <a:r>
+                <a:rPr lang="en-US" sz="1836" dirty="0">
+                  <a:solidFill>
+                    <a:schemeClr val="tx2"/>
+                  </a:solidFill>
+                </a:rPr>
+                <a:t>Validation</a:t>
+              </a:r>
+            </a:p>
+          </p:txBody>
+        </p:sp>
+      </p:grpSp>
+      <p:grpSp>
+        <p:nvGrpSpPr>
+          <p:cNvPr id="11" name="assume"/>
+          <p:cNvGrpSpPr/>
+          <p:nvPr/>
+        </p:nvGrpSpPr>
+        <p:grpSpPr>
+          <a:xfrm>
+            <a:off x="8186403" y="2582862"/>
+            <a:ext cx="1865207" cy="3578261"/>
+            <a:chOff x="8025750" y="4350572"/>
+            <a:chExt cx="1828800" cy="1690293"/>
+          </a:xfrm>
+        </p:grpSpPr>
+        <p:sp>
+          <p:nvSpPr>
+            <p:cNvPr id="48" name="present"/>
+            <p:cNvSpPr/>
+            <p:nvPr/>
+          </p:nvSpPr>
+          <p:spPr bwMode="auto">
+            <a:xfrm>
+              <a:off x="8109080" y="4653474"/>
+              <a:ext cx="1666589" cy="794039"/>
+            </a:xfrm>
+            <a:prstGeom prst="rect">
+              <a:avLst/>
+            </a:prstGeom>
+            <a:ln>
+              <a:headEnd type="none" w="med" len="med"/>
+              <a:tailEnd type="none" w="med" len="med"/>
+            </a:ln>
+          </p:spPr>
+          <p:style>
+            <a:lnRef idx="2">
+              <a:schemeClr val="accent3">
+                <a:shade val="50000"/>
+              </a:schemeClr>
+            </a:lnRef>
+            <a:fillRef idx="1">
+              <a:schemeClr val="accent3"/>
+            </a:fillRef>
+            <a:effectRef idx="0">
+              <a:schemeClr val="accent3"/>
+            </a:effectRef>
+            <a:fontRef idx="minor">
+              <a:schemeClr val="lt1"/>
+            </a:fontRef>
+          </p:style>
+          <p:txBody>
+            <a:bodyPr vert="horz" wrap="square" lIns="0" tIns="47565" rIns="0" bIns="47565" numCol="1" rtlCol="0" anchor="ctr" anchorCtr="0" compatLnSpc="1">
+              <a:prstTxWarp prst="textNoShape">
+                <a:avLst/>
+              </a:prstTxWarp>
+            </a:bodyPr>
+            <a:lstStyle/>
+            <a:p>
+              <a:pPr algn="ctr" defTabSz="950953" fontAlgn="base">
+                <a:spcBef>
+                  <a:spcPct val="0"/>
+                </a:spcBef>
+                <a:spcAft>
+                  <a:spcPct val="0"/>
+                </a:spcAft>
+              </a:pPr>
+              <a:r>
+                <a:rPr lang="en-US" dirty="0"/>
+                <a:t>ALL CALLS ARE VALID</a:t>
+              </a:r>
+            </a:p>
+          </p:txBody>
+        </p:sp>
+        <p:sp>
+          <p:nvSpPr>
+            <p:cNvPr id="53" name="assume"/>
+            <p:cNvSpPr/>
+            <p:nvPr/>
+          </p:nvSpPr>
+          <p:spPr bwMode="auto">
+            <a:xfrm>
+              <a:off x="8025750" y="4350572"/>
+              <a:ext cx="1828800" cy="1690293"/>
+            </a:xfrm>
+            <a:prstGeom prst="rect">
+              <a:avLst/>
+            </a:prstGeom>
+            <a:noFill/>
+            <a:ln>
+              <a:headEnd type="none" w="med" len="med"/>
+              <a:tailEnd type="none" w="med" len="med"/>
+            </a:ln>
+          </p:spPr>
+          <p:style>
+            <a:lnRef idx="2">
+              <a:schemeClr val="accent3">
+                <a:shade val="50000"/>
+              </a:schemeClr>
+            </a:lnRef>
+            <a:fillRef idx="1">
+              <a:schemeClr val="accent3"/>
+            </a:fillRef>
+            <a:effectRef idx="0">
+              <a:schemeClr val="accent3"/>
+            </a:effectRef>
+            <a:fontRef idx="minor">
+              <a:schemeClr val="lt1"/>
+            </a:fontRef>
+          </p:style>
+          <p:txBody>
+            <a:bodyPr vert="horz" wrap="square" lIns="0" tIns="47565" rIns="0" bIns="47565" numCol="1" rtlCol="0" anchor="b" anchorCtr="0" compatLnSpc="1">
+              <a:prstTxWarp prst="textNoShape">
+                <a:avLst/>
+              </a:prstTxWarp>
+            </a:bodyPr>
+            <a:lstStyle/>
+            <a:p>
+              <a:pPr algn="ctr" defTabSz="950953" fontAlgn="base">
+                <a:spcBef>
+                  <a:spcPct val="0"/>
+                </a:spcBef>
+                <a:spcAft>
+                  <a:spcPct val="0"/>
+                </a:spcAft>
+              </a:pPr>
+              <a:r>
+                <a:rPr lang="en-US" dirty="0">
+                  <a:solidFill>
+                    <a:schemeClr val="tx2"/>
+                  </a:solidFill>
+                </a:rPr>
+                <a:t>Assumptions</a:t>
+              </a:r>
+            </a:p>
+          </p:txBody>
+        </p:sp>
+      </p:grpSp>
+      <p:grpSp>
+        <p:nvGrpSpPr>
+          <p:cNvPr id="12" name="access"/>
+          <p:cNvGrpSpPr/>
+          <p:nvPr/>
+        </p:nvGrpSpPr>
+        <p:grpSpPr>
+          <a:xfrm>
+            <a:off x="10118346" y="2582862"/>
+            <a:ext cx="1865207" cy="3578261"/>
+            <a:chOff x="9919984" y="4350572"/>
+            <a:chExt cx="1828800" cy="1690293"/>
+          </a:xfrm>
+        </p:grpSpPr>
+        <p:sp>
+          <p:nvSpPr>
+            <p:cNvPr id="49" name="present"/>
+            <p:cNvSpPr/>
+            <p:nvPr/>
+          </p:nvSpPr>
+          <p:spPr bwMode="auto">
+            <a:xfrm>
+              <a:off x="10003112" y="4653474"/>
+              <a:ext cx="1662545" cy="794039"/>
+            </a:xfrm>
+            <a:prstGeom prst="rect">
+              <a:avLst/>
+            </a:prstGeom>
+            <a:ln>
+              <a:headEnd type="none" w="med" len="med"/>
+              <a:tailEnd type="none" w="med" len="med"/>
+            </a:ln>
+          </p:spPr>
+          <p:style>
+            <a:lnRef idx="2">
+              <a:schemeClr val="accent4">
+                <a:shade val="50000"/>
+              </a:schemeClr>
+            </a:lnRef>
+            <a:fillRef idx="1">
+              <a:schemeClr val="accent4"/>
+            </a:fillRef>
+            <a:effectRef idx="0">
+              <a:schemeClr val="accent4"/>
+            </a:effectRef>
+            <a:fontRef idx="minor">
+              <a:schemeClr val="lt1"/>
+            </a:fontRef>
+          </p:style>
+          <p:txBody>
+            <a:bodyPr vert="horz" wrap="square" lIns="0" tIns="47565" rIns="0" bIns="47565" numCol="1" rtlCol="0" anchor="ctr" anchorCtr="0" compatLnSpc="1">
+              <a:prstTxWarp prst="textNoShape">
+                <a:avLst/>
+              </a:prstTxWarp>
+            </a:bodyPr>
+            <a:lstStyle/>
+            <a:p>
+              <a:pPr algn="ctr" defTabSz="950953" fontAlgn="base">
+                <a:spcBef>
+                  <a:spcPct val="0"/>
+                </a:spcBef>
+                <a:spcAft>
+                  <a:spcPct val="0"/>
+                </a:spcAft>
+              </a:pPr>
+              <a:r>
+                <a:rPr lang="en-US" dirty="0"/>
+                <a:t>Get data </a:t>
+              </a:r>
+            </a:p>
+            <a:p>
+              <a:pPr algn="ctr" defTabSz="950953" fontAlgn="base">
+                <a:spcBef>
+                  <a:spcPct val="0"/>
+                </a:spcBef>
+                <a:spcAft>
+                  <a:spcPct val="0"/>
+                </a:spcAft>
+              </a:pPr>
+              <a:r>
+                <a:rPr lang="en-US" dirty="0"/>
+                <a:t>as user</a:t>
+              </a:r>
+            </a:p>
+          </p:txBody>
+        </p:sp>
+        <p:sp>
+          <p:nvSpPr>
+            <p:cNvPr id="54" name="access"/>
+            <p:cNvSpPr/>
+            <p:nvPr/>
+          </p:nvSpPr>
+          <p:spPr bwMode="auto">
+            <a:xfrm>
+              <a:off x="9919984" y="4350572"/>
+              <a:ext cx="1828800" cy="1690293"/>
+            </a:xfrm>
+            <a:prstGeom prst="rect">
+              <a:avLst/>
+            </a:prstGeom>
+            <a:noFill/>
+            <a:ln>
+              <a:headEnd type="none" w="med" len="med"/>
+              <a:tailEnd type="none" w="med" len="med"/>
+            </a:ln>
+          </p:spPr>
+          <p:style>
+            <a:lnRef idx="2">
+              <a:schemeClr val="accent4">
+                <a:shade val="50000"/>
+              </a:schemeClr>
+            </a:lnRef>
+            <a:fillRef idx="1">
+              <a:schemeClr val="accent4"/>
+            </a:fillRef>
+            <a:effectRef idx="0">
+              <a:schemeClr val="accent4"/>
+            </a:effectRef>
+            <a:fontRef idx="minor">
+              <a:schemeClr val="lt1"/>
+            </a:fontRef>
+          </p:style>
+          <p:txBody>
+            <a:bodyPr vert="horz" wrap="square" lIns="0" tIns="47565" rIns="0" bIns="47565" numCol="1" rtlCol="0" anchor="b" anchorCtr="0" compatLnSpc="1">
+              <a:prstTxWarp prst="textNoShape">
+                <a:avLst/>
+              </a:prstTxWarp>
+            </a:bodyPr>
+            <a:lstStyle/>
+            <a:p>
+              <a:pPr algn="ctr" defTabSz="950953" fontAlgn="base">
+                <a:spcBef>
+                  <a:spcPct val="0"/>
+                </a:spcBef>
+                <a:spcAft>
+                  <a:spcPct val="0"/>
+                </a:spcAft>
+              </a:pPr>
+              <a:r>
+                <a:rPr lang="en-US" dirty="0">
+                  <a:solidFill>
+                    <a:schemeClr val="tx2"/>
+                  </a:solidFill>
+                </a:rPr>
+                <a:t>Access control</a:t>
+              </a:r>
+            </a:p>
+          </p:txBody>
+        </p:sp>
+      </p:grpSp>
+      <p:sp>
+        <p:nvSpPr>
+          <p:cNvPr id="4" name="Title 3"/>
+          <p:cNvSpPr>
+            <a:spLocks noGrp="1"/>
+          </p:cNvSpPr>
+          <p:nvPr>
+            <p:ph type="title"/>
+          </p:nvPr>
+        </p:nvSpPr>
+        <p:spPr/>
+        <p:txBody>
+          <a:bodyPr>
+            <a:normAutofit/>
+          </a:bodyPr>
+          <a:lstStyle/>
+          <a:p>
+            <a:r>
+              <a:rPr lang="en-US" dirty="0"/>
+              <a:t>Specific Sign In-Local Account</a:t>
+            </a:r>
+          </a:p>
+        </p:txBody>
+      </p:sp>
+      <p:sp>
+        <p:nvSpPr>
+          <p:cNvPr id="38" name="authninfo"/>
+          <p:cNvSpPr/>
+          <p:nvPr/>
+        </p:nvSpPr>
+        <p:spPr bwMode="auto">
+          <a:xfrm>
+            <a:off x="6368941" y="2524227"/>
+            <a:ext cx="1732682" cy="4180866"/>
+          </a:xfrm>
+          <a:prstGeom prst="homePlate">
+            <a:avLst/>
+          </a:prstGeom>
+          <a:ln>
+            <a:headEnd type="none" w="med" len="med"/>
+            <a:tailEnd type="none" w="med" len="med"/>
+          </a:ln>
+        </p:spPr>
+        <p:style>
+          <a:lnRef idx="0">
+            <a:schemeClr val="accent6"/>
+          </a:lnRef>
+          <a:fillRef idx="3">
+            <a:schemeClr val="accent6"/>
+          </a:fillRef>
+          <a:effectRef idx="3">
+            <a:schemeClr val="accent6"/>
+          </a:effectRef>
+          <a:fontRef idx="minor">
+            <a:schemeClr val="lt1"/>
+          </a:fontRef>
+        </p:style>
+        <p:txBody>
+          <a:bodyPr vert="horz" wrap="square" lIns="93260" tIns="47565" rIns="93260" bIns="47565" numCol="1" rtlCol="0" anchor="ctr" anchorCtr="0" compatLnSpc="1">
+            <a:prstTxWarp prst="textNoShape">
+              <a:avLst/>
+            </a:prstTxWarp>
+          </a:bodyPr>
+          <a:lstStyle/>
+          <a:p>
+            <a:pPr algn="ctr" defTabSz="950953" fontAlgn="base">
+              <a:spcBef>
+                <a:spcPct val="0"/>
+              </a:spcBef>
+              <a:spcAft>
+                <a:spcPct val="0"/>
+              </a:spcAft>
+            </a:pPr>
+            <a:r>
+              <a:rPr lang="en-US" sz="2040" dirty="0"/>
+              <a:t>Auth context passed via HTTP post, </a:t>
+            </a:r>
+            <a:r>
+              <a:rPr lang="en-US" sz="2040" dirty="0" err="1"/>
+              <a:t>url</a:t>
+            </a:r>
+            <a:r>
+              <a:rPr lang="en-US" sz="2040" dirty="0"/>
+              <a:t>, cookies</a:t>
+            </a:r>
+          </a:p>
+        </p:txBody>
+      </p:sp>
+      <p:sp>
+        <p:nvSpPr>
+          <p:cNvPr id="39" name="present"/>
+          <p:cNvSpPr/>
+          <p:nvPr/>
+        </p:nvSpPr>
+        <p:spPr bwMode="auto">
+          <a:xfrm>
+            <a:off x="354830" y="5694820"/>
+            <a:ext cx="1865206" cy="466302"/>
+          </a:xfrm>
+          <a:prstGeom prst="rect">
+            <a:avLst/>
+          </a:prstGeom>
+          <a:ln>
+            <a:headEnd type="none" w="med" len="med"/>
+            <a:tailEnd type="none" w="med" len="med"/>
+          </a:ln>
+        </p:spPr>
+        <p:style>
+          <a:lnRef idx="2">
+            <a:schemeClr val="accent1">
+              <a:shade val="50000"/>
+            </a:schemeClr>
+          </a:lnRef>
+          <a:fillRef idx="1">
+            <a:schemeClr val="accent1"/>
+          </a:fillRef>
+          <a:effectRef idx="0">
+            <a:schemeClr val="accent1"/>
+          </a:effectRef>
+          <a:fontRef idx="minor">
+            <a:schemeClr val="lt1"/>
+          </a:fontRef>
+        </p:style>
+        <p:txBody>
+          <a:bodyPr vert="horz" wrap="square" lIns="0" tIns="47565" rIns="0" bIns="47565" numCol="1" rtlCol="0" anchor="ctr" anchorCtr="0" compatLnSpc="1">
+            <a:prstTxWarp prst="textNoShape">
+              <a:avLst/>
+            </a:prstTxWarp>
+          </a:bodyPr>
+          <a:lstStyle/>
+          <a:p>
+            <a:pPr algn="ctr" defTabSz="950953" fontAlgn="base">
+              <a:spcBef>
+                <a:spcPct val="0"/>
+              </a:spcBef>
+              <a:spcAft>
+                <a:spcPct val="0"/>
+              </a:spcAft>
+            </a:pPr>
+            <a:r>
+              <a:rPr lang="en-US" sz="1836" dirty="0"/>
+              <a:t>Presentation</a:t>
+            </a:r>
+          </a:p>
+        </p:txBody>
+      </p:sp>
+      <p:sp>
+        <p:nvSpPr>
+          <p:cNvPr id="40" name="creds"/>
+          <p:cNvSpPr/>
+          <p:nvPr/>
+        </p:nvSpPr>
+        <p:spPr bwMode="auto">
+          <a:xfrm>
+            <a:off x="2392125" y="5694821"/>
+            <a:ext cx="1865206" cy="466302"/>
+          </a:xfrm>
+          <a:prstGeom prst="rect">
+            <a:avLst/>
+          </a:prstGeom>
+          <a:ln>
+            <a:headEnd type="none" w="med" len="med"/>
+            <a:tailEnd type="none" w="med" len="med"/>
+          </a:ln>
+        </p:spPr>
+        <p:style>
+          <a:lnRef idx="2">
+            <a:schemeClr val="dk1">
+              <a:shade val="50000"/>
+            </a:schemeClr>
+          </a:lnRef>
+          <a:fillRef idx="1">
+            <a:schemeClr val="dk1"/>
+          </a:fillRef>
+          <a:effectRef idx="0">
+            <a:schemeClr val="dk1"/>
+          </a:effectRef>
+          <a:fontRef idx="minor">
+            <a:schemeClr val="lt1"/>
+          </a:fontRef>
+        </p:style>
+        <p:txBody>
+          <a:bodyPr vert="horz" wrap="square" lIns="0" tIns="47565" rIns="0" bIns="47565" numCol="1" rtlCol="0" anchor="ctr" anchorCtr="0" compatLnSpc="1">
+            <a:prstTxWarp prst="textNoShape">
+              <a:avLst/>
+            </a:prstTxWarp>
+          </a:bodyPr>
+          <a:lstStyle/>
+          <a:p>
+            <a:pPr algn="ctr" defTabSz="950953" fontAlgn="base">
+              <a:spcBef>
+                <a:spcPct val="0"/>
+              </a:spcBef>
+              <a:spcAft>
+                <a:spcPct val="0"/>
+              </a:spcAft>
+            </a:pPr>
+            <a:r>
+              <a:rPr lang="en-US" sz="1836" dirty="0"/>
+              <a:t>Credentials</a:t>
+            </a:r>
+          </a:p>
+        </p:txBody>
+      </p:sp>
+      <p:sp>
+        <p:nvSpPr>
+          <p:cNvPr id="41" name="validation"/>
+          <p:cNvSpPr/>
+          <p:nvPr/>
+        </p:nvSpPr>
+        <p:spPr bwMode="auto">
+          <a:xfrm>
+            <a:off x="4429422" y="5694821"/>
+            <a:ext cx="1865206" cy="466302"/>
+          </a:xfrm>
+          <a:prstGeom prst="rect">
+            <a:avLst/>
+          </a:prstGeom>
+          <a:ln>
+            <a:headEnd type="none" w="med" len="med"/>
+            <a:tailEnd type="none" w="med" len="med"/>
+          </a:ln>
+        </p:spPr>
+        <p:style>
+          <a:lnRef idx="2">
+            <a:schemeClr val="accent5">
+              <a:shade val="50000"/>
+            </a:schemeClr>
+          </a:lnRef>
+          <a:fillRef idx="1">
+            <a:schemeClr val="accent5"/>
+          </a:fillRef>
+          <a:effectRef idx="0">
+            <a:schemeClr val="accent5"/>
+          </a:effectRef>
+          <a:fontRef idx="minor">
+            <a:schemeClr val="lt1"/>
+          </a:fontRef>
+        </p:style>
+        <p:txBody>
+          <a:bodyPr vert="horz" wrap="square" lIns="0" tIns="47565" rIns="0" bIns="47565" numCol="1" rtlCol="0" anchor="ctr" anchorCtr="0" compatLnSpc="1">
+            <a:prstTxWarp prst="textNoShape">
+              <a:avLst/>
+            </a:prstTxWarp>
+          </a:bodyPr>
+          <a:lstStyle/>
+          <a:p>
+            <a:pPr algn="ctr" defTabSz="950953" fontAlgn="base">
+              <a:spcBef>
+                <a:spcPct val="0"/>
+              </a:spcBef>
+              <a:spcAft>
+                <a:spcPct val="0"/>
+              </a:spcAft>
+            </a:pPr>
+            <a:r>
+              <a:rPr lang="en-US" sz="1836" dirty="0"/>
+              <a:t>Validation</a:t>
+            </a:r>
+          </a:p>
+        </p:txBody>
+      </p:sp>
+      <p:sp>
+        <p:nvSpPr>
+          <p:cNvPr id="43" name="assume"/>
+          <p:cNvSpPr/>
+          <p:nvPr/>
+        </p:nvSpPr>
+        <p:spPr bwMode="auto">
+          <a:xfrm>
+            <a:off x="8190941" y="5694821"/>
+            <a:ext cx="1865206" cy="466302"/>
+          </a:xfrm>
+          <a:prstGeom prst="rect">
+            <a:avLst/>
+          </a:prstGeom>
+          <a:ln>
+            <a:headEnd type="none" w="med" len="med"/>
+            <a:tailEnd type="none" w="med" len="med"/>
+          </a:ln>
+        </p:spPr>
+        <p:style>
+          <a:lnRef idx="2">
+            <a:schemeClr val="accent3">
+              <a:shade val="50000"/>
+            </a:schemeClr>
+          </a:lnRef>
+          <a:fillRef idx="1">
+            <a:schemeClr val="accent3"/>
+          </a:fillRef>
+          <a:effectRef idx="0">
+            <a:schemeClr val="accent3"/>
+          </a:effectRef>
+          <a:fontRef idx="minor">
+            <a:schemeClr val="lt1"/>
+          </a:fontRef>
+        </p:style>
+        <p:txBody>
+          <a:bodyPr vert="horz" wrap="square" lIns="0" tIns="47565" rIns="0" bIns="47565" numCol="1" rtlCol="0" anchor="ctr" anchorCtr="0" compatLnSpc="1">
+            <a:prstTxWarp prst="textNoShape">
+              <a:avLst/>
+            </a:prstTxWarp>
+          </a:bodyPr>
+          <a:lstStyle/>
+          <a:p>
+            <a:pPr algn="ctr" defTabSz="950953" fontAlgn="base">
+              <a:spcBef>
+                <a:spcPct val="0"/>
+              </a:spcBef>
+              <a:spcAft>
+                <a:spcPct val="0"/>
+              </a:spcAft>
+            </a:pPr>
+            <a:r>
+              <a:rPr lang="en-US" sz="1836" dirty="0"/>
+              <a:t>Assumptions</a:t>
+            </a:r>
+          </a:p>
+        </p:txBody>
+      </p:sp>
+      <p:sp>
+        <p:nvSpPr>
+          <p:cNvPr id="55" name="access"/>
+          <p:cNvSpPr/>
+          <p:nvPr/>
+        </p:nvSpPr>
+        <p:spPr bwMode="auto">
+          <a:xfrm>
+            <a:off x="10130459" y="5694821"/>
+            <a:ext cx="1865206" cy="466302"/>
+          </a:xfrm>
+          <a:prstGeom prst="rect">
+            <a:avLst/>
+          </a:prstGeom>
+          <a:ln>
+            <a:headEnd type="none" w="med" len="med"/>
+            <a:tailEnd type="none" w="med" len="med"/>
+          </a:ln>
+        </p:spPr>
+        <p:style>
+          <a:lnRef idx="2">
+            <a:schemeClr val="accent4">
+              <a:shade val="50000"/>
+            </a:schemeClr>
+          </a:lnRef>
+          <a:fillRef idx="1">
+            <a:schemeClr val="accent4"/>
+          </a:fillRef>
+          <a:effectRef idx="0">
+            <a:schemeClr val="accent4"/>
+          </a:effectRef>
+          <a:fontRef idx="minor">
+            <a:schemeClr val="lt1"/>
+          </a:fontRef>
+        </p:style>
+        <p:txBody>
+          <a:bodyPr vert="horz" wrap="square" lIns="0" tIns="47565" rIns="0" bIns="47565" numCol="1" rtlCol="0" anchor="ctr" anchorCtr="0" compatLnSpc="1">
+            <a:prstTxWarp prst="textNoShape">
+              <a:avLst/>
+            </a:prstTxWarp>
+          </a:bodyPr>
+          <a:lstStyle/>
+          <a:p>
+            <a:pPr algn="ctr" defTabSz="950953" fontAlgn="base">
+              <a:spcBef>
+                <a:spcPct val="0"/>
+              </a:spcBef>
+              <a:spcAft>
+                <a:spcPct val="0"/>
+              </a:spcAft>
+            </a:pPr>
+            <a:r>
+              <a:rPr lang="en-US" sz="1836" dirty="0"/>
+              <a:t>Access Control</a:t>
+            </a:r>
+          </a:p>
+        </p:txBody>
+      </p:sp>
+      <p:sp>
+        <p:nvSpPr>
+          <p:cNvPr id="56" name="Right Brace 55"/>
+          <p:cNvSpPr/>
+          <p:nvPr/>
+        </p:nvSpPr>
+        <p:spPr bwMode="auto">
+          <a:xfrm rot="16200000">
+            <a:off x="9776833" y="311246"/>
+            <a:ext cx="668194" cy="3797151"/>
+          </a:xfrm>
+          <a:prstGeom prst="rightBrace">
+            <a:avLst/>
+          </a:prstGeom>
+          <a:noFill/>
+          <a:ln w="38100">
+            <a:headEnd type="none" w="med" len="med"/>
+            <a:tailEnd type="none" w="med" len="med"/>
+          </a:ln>
+        </p:spPr>
+        <p:style>
+          <a:lnRef idx="2">
+            <a:schemeClr val="dk1"/>
+          </a:lnRef>
+          <a:fillRef idx="1">
+            <a:schemeClr val="lt1"/>
+          </a:fillRef>
+          <a:effectRef idx="0">
+            <a:schemeClr val="dk1"/>
+          </a:effectRef>
+          <a:fontRef idx="minor">
+            <a:schemeClr val="dk1"/>
+          </a:fontRef>
+        </p:style>
+        <p:txBody>
+          <a:bodyPr vert="horz" wrap="square" lIns="0" tIns="47565" rIns="0" bIns="47565" numCol="1" rtlCol="0" anchor="ctr" anchorCtr="0" compatLnSpc="1">
+            <a:prstTxWarp prst="textNoShape">
+              <a:avLst/>
+            </a:prstTxWarp>
+          </a:bodyPr>
+          <a:lstStyle/>
+          <a:p>
+            <a:pPr algn="ctr" defTabSz="950953" fontAlgn="base">
+              <a:spcBef>
+                <a:spcPct val="0"/>
+              </a:spcBef>
+              <a:spcAft>
+                <a:spcPct val="0"/>
+              </a:spcAft>
+            </a:pPr>
+            <a:endParaRPr lang="en-US" sz="2040" dirty="0">
+              <a:gradFill>
+                <a:gsLst>
+                  <a:gs pos="16814">
+                    <a:srgbClr val="FFFFFF"/>
+                  </a:gs>
+                  <a:gs pos="46000">
+                    <a:srgbClr val="FFFFFF"/>
+                  </a:gs>
+                </a:gsLst>
+                <a:lin ang="5400000" scaled="0"/>
+              </a:gradFill>
+            </a:endParaRPr>
+          </a:p>
+        </p:txBody>
+      </p:sp>
+      <p:sp>
+        <p:nvSpPr>
+          <p:cNvPr id="57" name="Rectangle 56"/>
+          <p:cNvSpPr/>
+          <p:nvPr/>
+        </p:nvSpPr>
+        <p:spPr>
+          <a:xfrm>
+            <a:off x="8724077" y="1516062"/>
+            <a:ext cx="2730755" cy="343492"/>
+          </a:xfrm>
+          <a:prstGeom prst="rect">
+            <a:avLst/>
+          </a:prstGeom>
+          <a:ln w="38100"/>
+        </p:spPr>
+        <p:style>
+          <a:lnRef idx="1">
+            <a:schemeClr val="dk1"/>
+          </a:lnRef>
+          <a:fillRef idx="2">
+            <a:schemeClr val="dk1"/>
+          </a:fillRef>
+          <a:effectRef idx="1">
+            <a:schemeClr val="dk1"/>
+          </a:effectRef>
+          <a:fontRef idx="minor">
+            <a:schemeClr val="dk1"/>
+          </a:fontRef>
+        </p:style>
+        <p:txBody>
+          <a:bodyPr wrap="square">
+            <a:spAutoFit/>
+          </a:bodyPr>
+          <a:lstStyle/>
+          <a:p>
+            <a:pPr algn="ctr" defTabSz="950953" fontAlgn="base">
+              <a:spcBef>
+                <a:spcPct val="0"/>
+              </a:spcBef>
+              <a:spcAft>
+                <a:spcPct val="0"/>
+              </a:spcAft>
+            </a:pPr>
+            <a:r>
+              <a:rPr lang="en-US" sz="1632" dirty="0"/>
+              <a:t>Application identity </a:t>
+            </a:r>
+          </a:p>
+        </p:txBody>
+      </p:sp>
+      <p:sp>
+        <p:nvSpPr>
+          <p:cNvPr id="58" name="Right Brace 57"/>
+          <p:cNvSpPr/>
+          <p:nvPr/>
+        </p:nvSpPr>
+        <p:spPr bwMode="auto">
+          <a:xfrm rot="16200000">
+            <a:off x="2991277" y="-736771"/>
+            <a:ext cx="668194" cy="5938512"/>
+          </a:xfrm>
+          <a:prstGeom prst="rightBrace">
+            <a:avLst/>
+          </a:prstGeom>
+          <a:noFill/>
+          <a:ln w="38100">
+            <a:headEnd type="none" w="med" len="med"/>
+            <a:tailEnd type="none" w="med" len="med"/>
+          </a:ln>
+        </p:spPr>
+        <p:style>
+          <a:lnRef idx="2">
+            <a:schemeClr val="dk1"/>
+          </a:lnRef>
+          <a:fillRef idx="1">
+            <a:schemeClr val="lt1"/>
+          </a:fillRef>
+          <a:effectRef idx="0">
+            <a:schemeClr val="dk1"/>
+          </a:effectRef>
+          <a:fontRef idx="minor">
+            <a:schemeClr val="dk1"/>
+          </a:fontRef>
+        </p:style>
+        <p:txBody>
+          <a:bodyPr vert="horz" wrap="square" lIns="0" tIns="47565" rIns="0" bIns="47565" numCol="1" rtlCol="0" anchor="ctr" anchorCtr="0" compatLnSpc="1">
+            <a:prstTxWarp prst="textNoShape">
+              <a:avLst/>
+            </a:prstTxWarp>
+          </a:bodyPr>
+          <a:lstStyle/>
+          <a:p>
+            <a:pPr algn="ctr" defTabSz="950953" fontAlgn="base">
+              <a:spcBef>
+                <a:spcPct val="0"/>
+              </a:spcBef>
+              <a:spcAft>
+                <a:spcPct val="0"/>
+              </a:spcAft>
+            </a:pPr>
+            <a:endParaRPr lang="en-US" sz="2040" dirty="0">
+              <a:gradFill>
+                <a:gsLst>
+                  <a:gs pos="16814">
+                    <a:srgbClr val="FFFFFF"/>
+                  </a:gs>
+                  <a:gs pos="46000">
+                    <a:srgbClr val="FFFFFF"/>
+                  </a:gs>
+                </a:gsLst>
+                <a:lin ang="5400000" scaled="0"/>
+              </a:gradFill>
+            </a:endParaRPr>
+          </a:p>
+        </p:txBody>
+      </p:sp>
+      <p:sp>
+        <p:nvSpPr>
+          <p:cNvPr id="59" name="Rectangle 58"/>
+          <p:cNvSpPr/>
+          <p:nvPr/>
+        </p:nvSpPr>
+        <p:spPr>
+          <a:xfrm>
+            <a:off x="1959350" y="1516062"/>
+            <a:ext cx="2730755" cy="343492"/>
+          </a:xfrm>
+          <a:prstGeom prst="rect">
+            <a:avLst/>
+          </a:prstGeom>
+          <a:ln w="38100"/>
+        </p:spPr>
+        <p:style>
+          <a:lnRef idx="1">
+            <a:schemeClr val="dk1"/>
+          </a:lnRef>
+          <a:fillRef idx="2">
+            <a:schemeClr val="dk1"/>
+          </a:fillRef>
+          <a:effectRef idx="1">
+            <a:schemeClr val="dk1"/>
+          </a:effectRef>
+          <a:fontRef idx="minor">
+            <a:schemeClr val="dk1"/>
+          </a:fontRef>
+        </p:style>
+        <p:txBody>
+          <a:bodyPr wrap="square">
+            <a:spAutoFit/>
+          </a:bodyPr>
+          <a:lstStyle/>
+          <a:p>
+            <a:pPr algn="ctr" defTabSz="950953" fontAlgn="base">
+              <a:spcBef>
+                <a:spcPct val="0"/>
+              </a:spcBef>
+              <a:spcAft>
+                <a:spcPct val="0"/>
+              </a:spcAft>
+            </a:pPr>
+            <a:r>
+              <a:rPr lang="en-US" sz="1632" dirty="0"/>
+              <a:t>Actual user identity</a:t>
+            </a:r>
+          </a:p>
+        </p:txBody>
+      </p:sp>
+    </p:spTree>
+    <p:extLst>
+      <p:ext uri="{BB962C8B-B14F-4D97-AF65-F5344CB8AC3E}">
+        <p14:creationId xmlns:p14="http://schemas.microsoft.com/office/powerpoint/2010/main" val="4211347580"/>
+      </p:ext>
+    </p:extLst>
+  </p:cSld>
+  <p:clrMapOvr>
+    <a:masterClrMapping/>
+  </p:clrMapOvr>
+  <p:transition>
+    <p:fade/>
+  </p:transition>
+  <p:timing>
+    <p:tnLst>
+      <p:par>
+        <p:cTn id="1" dur="indefinite" restart="never" nodeType="tmRoot">
+          <p:childTnLst>
+            <p:seq concurrent="1" nextAc="seek">
+              <p:cTn id="2" dur="indefinite" nodeType="mainSeq">
+                <p:childTnLst>
+                  <p:par>
+                    <p:cTn id="3" fill="hold">
+                      <p:stCondLst>
+                        <p:cond delay="indefinite"/>
+                      </p:stCondLst>
+                      <p:childTnLst>
+                        <p:par>
+                          <p:cTn id="4" fill="hold">
+                            <p:stCondLst>
+                              <p:cond delay="0"/>
+                            </p:stCondLst>
+                            <p:childTnLst>
+                              <p:par>
+                                <p:cTn id="5" presetID="1" presetClass="entr" presetSubtype="0" fill="hold" nodeType="clickEffect">
+                                  <p:stCondLst>
+                                    <p:cond delay="0"/>
+                                  </p:stCondLst>
+                                  <p:childTnLst>
+                                    <p:set>
+                                      <p:cBhvr>
+                                        <p:cTn id="6" dur="1" fill="hold">
+                                          <p:stCondLst>
+                                            <p:cond delay="0"/>
+                                          </p:stCondLst>
+                                        </p:cTn>
+                                        <p:tgtEl>
+                                          <p:spTgt spid="8"/>
+                                        </p:tgtEl>
+                                        <p:attrNameLst>
+                                          <p:attrName>style.visibility</p:attrName>
+                                        </p:attrNameLst>
+                                      </p:cBhvr>
+                                      <p:to>
+                                        <p:strVal val="visible"/>
+                                      </p:to>
+                                    </p:set>
+                                  </p:childTnLst>
+                                </p:cTn>
+                              </p:par>
+                            </p:childTnLst>
+                          </p:cTn>
+                        </p:par>
+                      </p:childTnLst>
+                    </p:cTn>
+                  </p:par>
+                  <p:par>
+                    <p:cTn id="7" fill="hold">
+                      <p:stCondLst>
+                        <p:cond delay="indefinite"/>
+                      </p:stCondLst>
+                      <p:childTnLst>
+                        <p:par>
+                          <p:cTn id="8" fill="hold">
+                            <p:stCondLst>
+                              <p:cond delay="0"/>
+                            </p:stCondLst>
+                            <p:childTnLst>
+                              <p:par>
+                                <p:cTn id="9" presetID="1" presetClass="entr" presetSubtype="0" fill="hold" nodeType="clickEffect">
+                                  <p:stCondLst>
+                                    <p:cond delay="0"/>
+                                  </p:stCondLst>
+                                  <p:childTnLst>
+                                    <p:set>
+                                      <p:cBhvr>
+                                        <p:cTn id="10" dur="1" fill="hold">
+                                          <p:stCondLst>
+                                            <p:cond delay="0"/>
+                                          </p:stCondLst>
+                                        </p:cTn>
+                                        <p:tgtEl>
+                                          <p:spTgt spid="9"/>
+                                        </p:tgtEl>
+                                        <p:attrNameLst>
+                                          <p:attrName>style.visibility</p:attrName>
+                                        </p:attrNameLst>
+                                      </p:cBhvr>
+                                      <p:to>
+                                        <p:strVal val="visible"/>
+                                      </p:to>
+                                    </p:set>
+                                  </p:childTnLst>
+                                </p:cTn>
+                              </p:par>
+                              <p:par>
+                                <p:cTn id="11" presetID="1" presetClass="entr" presetSubtype="0" fill="hold" nodeType="withEffect">
+                                  <p:stCondLst>
+                                    <p:cond delay="0"/>
+                                  </p:stCondLst>
+                                  <p:childTnLst>
+                                    <p:set>
+                                      <p:cBhvr>
+                                        <p:cTn id="12" dur="1" fill="hold">
+                                          <p:stCondLst>
+                                            <p:cond delay="0"/>
+                                          </p:stCondLst>
+                                        </p:cTn>
+                                        <p:tgtEl>
+                                          <p:spTgt spid="10"/>
+                                        </p:tgtEl>
+                                        <p:attrNameLst>
+                                          <p:attrName>style.visibility</p:attrName>
+                                        </p:attrNameLst>
+                                      </p:cBhvr>
+                                      <p:to>
+                                        <p:strVal val="visible"/>
+                                      </p:to>
+                                    </p:set>
+                                  </p:childTnLst>
+                                </p:cTn>
+                              </p:par>
+                            </p:childTnLst>
+                          </p:cTn>
+                        </p:par>
+                        <p:par>
+                          <p:cTn id="13" fill="hold">
+                            <p:stCondLst>
+                              <p:cond delay="0"/>
+                            </p:stCondLst>
+                            <p:childTnLst>
+                              <p:par>
+                                <p:cTn id="14" presetID="1" presetClass="entr" presetSubtype="0" fill="hold" nodeType="afterEffect">
+                                  <p:stCondLst>
+                                    <p:cond delay="0"/>
+                                  </p:stCondLst>
+                                  <p:childTnLst>
+                                    <p:set>
+                                      <p:cBhvr>
+                                        <p:cTn id="15" dur="1" fill="hold">
+                                          <p:stCondLst>
+                                            <p:cond delay="0"/>
+                                          </p:stCondLst>
+                                        </p:cTn>
+                                        <p:tgtEl>
+                                          <p:spTgt spid="11"/>
+                                        </p:tgtEl>
+                                        <p:attrNameLst>
+                                          <p:attrName>style.visibility</p:attrName>
+                                        </p:attrNameLst>
+                                      </p:cBhvr>
+                                      <p:to>
+                                        <p:strVal val="visible"/>
+                                      </p:to>
+                                    </p:set>
+                                  </p:childTnLst>
+                                </p:cTn>
+                              </p:par>
+                              <p:par>
+                                <p:cTn id="16" presetID="1" presetClass="entr" presetSubtype="0" fill="hold" nodeType="withEffect">
+                                  <p:stCondLst>
+                                    <p:cond delay="0"/>
+                                  </p:stCondLst>
+                                  <p:childTnLst>
+                                    <p:set>
+                                      <p:cBhvr>
+                                        <p:cTn id="17" dur="1" fill="hold">
+                                          <p:stCondLst>
+                                            <p:cond delay="0"/>
+                                          </p:stCondLst>
+                                        </p:cTn>
+                                        <p:tgtEl>
+                                          <p:spTgt spid="12"/>
+                                        </p:tgtEl>
+                                        <p:attrNameLst>
+                                          <p:attrName>style.visibility</p:attrName>
+                                        </p:attrNameLst>
+                                      </p:cBhvr>
+                                      <p:to>
+                                        <p:strVal val="visible"/>
+                                      </p:to>
+                                    </p:set>
+                                  </p:childTnLst>
+                                </p:cTn>
+                              </p:par>
+                            </p:childTnLst>
+                          </p:cTn>
+                        </p:par>
+                      </p:childTnLst>
+                    </p:cTn>
+                  </p:par>
+                </p:childTnLst>
+              </p:cTn>
+              <p:prevCondLst>
+                <p:cond evt="onPrev" delay="0">
+                  <p:tgtEl>
+                    <p:sldTgt/>
+                  </p:tgtEl>
+                </p:cond>
+              </p:prevCondLst>
+              <p:nextCondLst>
+                <p:cond evt="onNext" delay="0">
+                  <p:tgtEl>
+                    <p:sldTgt/>
+                  </p:tgtEl>
+                </p:cond>
+              </p:nextCondLst>
+            </p:seq>
+          </p:childTnLst>
+        </p:cTn>
+      </p:par>
+    </p:tnLst>
+  </p:timing>
+</p:sld>
+</file>
+
+<file path=ppt/slides/slide11.xml><?xml version="1.0" encoding="utf-8"?>
+<p:sld xmlns:a="http://schemas.openxmlformats.org/drawingml/2006/main" xmlns:r="http://schemas.openxmlformats.org/officeDocument/2006/relationships" xmlns:p="http://schemas.openxmlformats.org/presentationml/2006/main">
+  <p:cSld>
+    <p:spTree>
+      <p:nvGrpSpPr>
+        <p:cNvPr id="1" name=""/>
+        <p:cNvGrpSpPr/>
+        <p:nvPr/>
+      </p:nvGrpSpPr>
+      <p:grpSpPr>
+        <a:xfrm>
+          <a:off x="0" y="0"/>
+          <a:ext cx="0" cy="0"/>
+          <a:chOff x="0" y="0"/>
+          <a:chExt cx="0" cy="0"/>
+        </a:xfrm>
+      </p:grpSpPr>
+      <p:sp>
+        <p:nvSpPr>
+          <p:cNvPr id="3" name="Title 2"/>
+          <p:cNvSpPr>
+            <a:spLocks noGrp="1"/>
+          </p:cNvSpPr>
+          <p:nvPr>
+            <p:ph type="title"/>
+          </p:nvPr>
+        </p:nvSpPr>
+        <p:spPr/>
+        <p:txBody>
+          <a:bodyPr/>
+          <a:lstStyle/>
+          <a:p>
+            <a:r>
+              <a:rPr lang="en-US" dirty="0"/>
+              <a:t>Demo: Local Sign In and Personal Data Access</a:t>
+            </a:r>
+          </a:p>
+        </p:txBody>
+      </p:sp>
+      <p:sp>
+        <p:nvSpPr>
+          <p:cNvPr id="4" name="Text Placeholder 3"/>
+          <p:cNvSpPr>
+            <a:spLocks noGrp="1"/>
+          </p:cNvSpPr>
+          <p:nvPr>
+            <p:ph type="body" sz="quarter" idx="12"/>
+          </p:nvPr>
+        </p:nvSpPr>
+        <p:spPr/>
+        <p:txBody>
+          <a:bodyPr/>
+          <a:lstStyle/>
+          <a:p>
+            <a:endParaRPr lang="en-US"/>
+          </a:p>
+        </p:txBody>
+      </p:sp>
+    </p:spTree>
+    <p:extLst>
+      <p:ext uri="{BB962C8B-B14F-4D97-AF65-F5344CB8AC3E}">
+        <p14:creationId xmlns:p14="http://schemas.microsoft.com/office/powerpoint/2010/main" val="1933299022"/>
+      </p:ext>
+    </p:extLst>
+  </p:cSld>
+  <p:clrMapOvr>
+    <a:masterClrMapping/>
+  </p:clrMapOvr>
+  <mc:AlternateContent xmlns:mc="http://schemas.openxmlformats.org/markup-compatibility/2006" xmlns:p14="http://schemas.microsoft.com/office/powerpoint/2010/main">
+    <mc:Choice Requires="p14">
+      <p:transition spd="slow" p14:dur="3400">
+        <p14:reveal/>
+      </p:transition>
+    </mc:Choice>
+    <mc:Fallback xmlns="">
+      <p:transition spd="slow">
+        <p:fade/>
+      </p:transition>
+    </mc:Fallback>
+  </mc:AlternateContent>
+</p:sld>
+</file>
+
+<file path=ppt/slides/slide12.xml><?xml version="1.0" encoding="utf-8"?>
+<p:sld xmlns:a="http://schemas.openxmlformats.org/drawingml/2006/main" xmlns:r="http://schemas.openxmlformats.org/officeDocument/2006/relationships" xmlns:p="http://schemas.openxmlformats.org/presentationml/2006/main">
+  <p:cSld>
+    <p:spTree>
+      <p:nvGrpSpPr>
+        <p:cNvPr id="1" name=""/>
+        <p:cNvGrpSpPr/>
+        <p:nvPr/>
+      </p:nvGrpSpPr>
+      <p:grpSpPr>
+        <a:xfrm>
+          <a:off x="0" y="0"/>
+          <a:ext cx="0" cy="0"/>
+          <a:chOff x="0" y="0"/>
+          <a:chExt cx="0" cy="0"/>
+        </a:xfrm>
+      </p:grpSpPr>
+      <p:sp>
+        <p:nvSpPr>
+          <p:cNvPr id="42" name="authz"/>
+          <p:cNvSpPr/>
+          <p:nvPr/>
+        </p:nvSpPr>
+        <p:spPr bwMode="auto">
+          <a:xfrm>
+            <a:off x="8186404" y="6238790"/>
+            <a:ext cx="3806102" cy="466302"/>
+          </a:xfrm>
+          <a:prstGeom prst="rect">
+            <a:avLst/>
+          </a:prstGeom>
+          <a:ln>
+            <a:headEnd type="none" w="med" len="med"/>
+            <a:tailEnd type="none" w="med" len="med"/>
+          </a:ln>
+        </p:spPr>
+        <p:style>
+          <a:lnRef idx="0">
+            <a:schemeClr val="dk1"/>
+          </a:lnRef>
+          <a:fillRef idx="3">
+            <a:schemeClr val="dk1"/>
+          </a:fillRef>
+          <a:effectRef idx="3">
+            <a:schemeClr val="dk1"/>
+          </a:effectRef>
+          <a:fontRef idx="minor">
+            <a:schemeClr val="lt1"/>
+          </a:fontRef>
+        </p:style>
+        <p:txBody>
+          <a:bodyPr vert="horz" wrap="square" lIns="0" tIns="47565" rIns="0" bIns="47565" numCol="1" rtlCol="0" anchor="ctr" anchorCtr="0" compatLnSpc="1">
+            <a:prstTxWarp prst="textNoShape">
+              <a:avLst/>
+            </a:prstTxWarp>
+          </a:bodyPr>
+          <a:lstStyle/>
+          <a:p>
+            <a:pPr algn="ctr" defTabSz="950953" fontAlgn="base">
+              <a:spcBef>
+                <a:spcPct val="0"/>
+              </a:spcBef>
+              <a:spcAft>
+                <a:spcPct val="0"/>
+              </a:spcAft>
+            </a:pPr>
+            <a:r>
+              <a:rPr lang="en-US" sz="1836" dirty="0"/>
+              <a:t>Authorization</a:t>
+            </a:r>
+          </a:p>
+        </p:txBody>
+      </p:sp>
+      <p:sp>
+        <p:nvSpPr>
+          <p:cNvPr id="44" name="authn"/>
+          <p:cNvSpPr/>
+          <p:nvPr/>
+        </p:nvSpPr>
+        <p:spPr bwMode="auto">
+          <a:xfrm>
+            <a:off x="354830" y="6238790"/>
+            <a:ext cx="5939799" cy="466302"/>
+          </a:xfrm>
+          <a:prstGeom prst="rect">
+            <a:avLst/>
+          </a:prstGeom>
+          <a:ln>
+            <a:headEnd type="none" w="med" len="med"/>
+            <a:tailEnd type="none" w="med" len="med"/>
+          </a:ln>
+        </p:spPr>
+        <p:style>
+          <a:lnRef idx="0">
+            <a:schemeClr val="dk1"/>
+          </a:lnRef>
+          <a:fillRef idx="3">
+            <a:schemeClr val="dk1"/>
+          </a:fillRef>
+          <a:effectRef idx="3">
+            <a:schemeClr val="dk1"/>
+          </a:effectRef>
+          <a:fontRef idx="minor">
+            <a:schemeClr val="lt1"/>
+          </a:fontRef>
+        </p:style>
+        <p:txBody>
+          <a:bodyPr vert="horz" wrap="square" lIns="0" tIns="47565" rIns="0" bIns="47565" numCol="1" rtlCol="0" anchor="ctr" anchorCtr="0" compatLnSpc="1">
+            <a:prstTxWarp prst="textNoShape">
+              <a:avLst/>
+            </a:prstTxWarp>
+          </a:bodyPr>
+          <a:lstStyle/>
+          <a:p>
+            <a:pPr algn="ctr" defTabSz="950953" fontAlgn="base">
+              <a:spcBef>
+                <a:spcPct val="0"/>
+              </a:spcBef>
+              <a:spcAft>
+                <a:spcPct val="0"/>
+              </a:spcAft>
+            </a:pPr>
+            <a:r>
+              <a:rPr lang="en-US" sz="1836" dirty="0"/>
+              <a:t>Authentication</a:t>
+            </a:r>
+          </a:p>
+        </p:txBody>
+      </p:sp>
+      <p:grpSp>
+        <p:nvGrpSpPr>
+          <p:cNvPr id="8" name="present"/>
+          <p:cNvGrpSpPr/>
+          <p:nvPr/>
+        </p:nvGrpSpPr>
+        <p:grpSpPr>
+          <a:xfrm>
+            <a:off x="354829" y="2582862"/>
+            <a:ext cx="1865207" cy="3578261"/>
+            <a:chOff x="347039" y="4350572"/>
+            <a:chExt cx="1828800" cy="1690293"/>
+          </a:xfrm>
+        </p:grpSpPr>
+        <p:sp>
+          <p:nvSpPr>
+            <p:cNvPr id="45" name="present"/>
+            <p:cNvSpPr/>
+            <p:nvPr/>
+          </p:nvSpPr>
+          <p:spPr bwMode="auto">
+            <a:xfrm>
+              <a:off x="430167" y="4653474"/>
+              <a:ext cx="1662545" cy="794039"/>
+            </a:xfrm>
+            <a:prstGeom prst="rect">
+              <a:avLst/>
+            </a:prstGeom>
+            <a:ln>
+              <a:headEnd type="none" w="med" len="med"/>
+              <a:tailEnd type="none" w="med" len="med"/>
+            </a:ln>
+          </p:spPr>
+          <p:style>
+            <a:lnRef idx="2">
+              <a:schemeClr val="accent1">
+                <a:shade val="50000"/>
+              </a:schemeClr>
+            </a:lnRef>
+            <a:fillRef idx="1">
+              <a:schemeClr val="accent1"/>
+            </a:fillRef>
+            <a:effectRef idx="0">
+              <a:schemeClr val="accent1"/>
+            </a:effectRef>
+            <a:fontRef idx="minor">
+              <a:schemeClr val="lt1"/>
+            </a:fontRef>
+          </p:style>
+          <p:txBody>
+            <a:bodyPr vert="horz" wrap="square" lIns="0" tIns="47565" rIns="0" bIns="47565" numCol="1" rtlCol="0" anchor="ctr" anchorCtr="0" compatLnSpc="1">
+              <a:prstTxWarp prst="textNoShape">
+                <a:avLst/>
+              </a:prstTxWarp>
+            </a:bodyPr>
+            <a:lstStyle/>
+            <a:p>
+              <a:pPr algn="ctr" defTabSz="950953" fontAlgn="base">
+                <a:spcBef>
+                  <a:spcPct val="0"/>
+                </a:spcBef>
+                <a:spcAft>
+                  <a:spcPct val="0"/>
+                </a:spcAft>
+              </a:pPr>
+              <a:r>
+                <a:rPr lang="en-US" dirty="0"/>
+                <a:t>Browser</a:t>
+              </a:r>
+            </a:p>
+          </p:txBody>
+        </p:sp>
+        <p:sp>
+          <p:nvSpPr>
+            <p:cNvPr id="50" name="present"/>
+            <p:cNvSpPr/>
+            <p:nvPr/>
+          </p:nvSpPr>
+          <p:spPr bwMode="auto">
+            <a:xfrm>
+              <a:off x="347039" y="4350572"/>
+              <a:ext cx="1828800" cy="1690293"/>
+            </a:xfrm>
+            <a:prstGeom prst="rect">
+              <a:avLst/>
+            </a:prstGeom>
+            <a:noFill/>
+            <a:ln>
+              <a:headEnd type="none" w="med" len="med"/>
+              <a:tailEnd type="none" w="med" len="med"/>
+            </a:ln>
+          </p:spPr>
+          <p:style>
+            <a:lnRef idx="2">
+              <a:schemeClr val="accent6">
+                <a:shade val="50000"/>
+              </a:schemeClr>
+            </a:lnRef>
+            <a:fillRef idx="1">
+              <a:schemeClr val="accent6"/>
+            </a:fillRef>
+            <a:effectRef idx="0">
+              <a:schemeClr val="accent6"/>
+            </a:effectRef>
+            <a:fontRef idx="minor">
+              <a:schemeClr val="lt1"/>
+            </a:fontRef>
+          </p:style>
+          <p:txBody>
+            <a:bodyPr vert="horz" wrap="square" lIns="0" tIns="47565" rIns="0" bIns="47565" numCol="1" rtlCol="0" anchor="b" anchorCtr="0" compatLnSpc="1">
+              <a:prstTxWarp prst="textNoShape">
+                <a:avLst/>
+              </a:prstTxWarp>
+            </a:bodyPr>
+            <a:lstStyle/>
+            <a:p>
+              <a:pPr algn="ctr" defTabSz="950953" fontAlgn="base">
+                <a:spcBef>
+                  <a:spcPct val="0"/>
+                </a:spcBef>
+                <a:spcAft>
+                  <a:spcPct val="0"/>
+                </a:spcAft>
+              </a:pPr>
+              <a:r>
+                <a:rPr lang="en-US" dirty="0">
+                  <a:solidFill>
+                    <a:schemeClr val="tx2"/>
+                  </a:solidFill>
+                </a:rPr>
+                <a:t>Presentation</a:t>
+              </a:r>
+            </a:p>
+          </p:txBody>
+        </p:sp>
+      </p:grpSp>
+      <p:grpSp>
+        <p:nvGrpSpPr>
+          <p:cNvPr id="9" name="creds"/>
+          <p:cNvGrpSpPr/>
+          <p:nvPr/>
+        </p:nvGrpSpPr>
+        <p:grpSpPr>
+          <a:xfrm>
+            <a:off x="2392125" y="2582862"/>
+            <a:ext cx="1865207" cy="3578261"/>
+            <a:chOff x="2344569" y="4350572"/>
+            <a:chExt cx="1828800" cy="1690293"/>
+          </a:xfrm>
+        </p:grpSpPr>
+        <p:sp>
+          <p:nvSpPr>
+            <p:cNvPr id="46" name="present"/>
+            <p:cNvSpPr/>
+            <p:nvPr/>
+          </p:nvSpPr>
+          <p:spPr bwMode="auto">
+            <a:xfrm>
+              <a:off x="2438368" y="4653474"/>
+              <a:ext cx="1662545" cy="794039"/>
+            </a:xfrm>
+            <a:prstGeom prst="rect">
+              <a:avLst/>
+            </a:prstGeom>
+            <a:ln>
+              <a:headEnd type="none" w="med" len="med"/>
+              <a:tailEnd type="none" w="med" len="med"/>
+            </a:ln>
+          </p:spPr>
+          <p:style>
+            <a:lnRef idx="2">
+              <a:schemeClr val="dk1">
+                <a:shade val="50000"/>
+              </a:schemeClr>
+            </a:lnRef>
+            <a:fillRef idx="1">
+              <a:schemeClr val="dk1"/>
+            </a:fillRef>
+            <a:effectRef idx="0">
+              <a:schemeClr val="dk1"/>
+            </a:effectRef>
+            <a:fontRef idx="minor">
+              <a:schemeClr val="lt1"/>
+            </a:fontRef>
+          </p:style>
+          <p:txBody>
+            <a:bodyPr vert="horz" wrap="square" lIns="0" tIns="47565" rIns="0" bIns="47565" numCol="1" rtlCol="0" anchor="ctr" anchorCtr="0" compatLnSpc="1">
+              <a:prstTxWarp prst="textNoShape">
+                <a:avLst/>
+              </a:prstTxWarp>
+            </a:bodyPr>
+            <a:lstStyle/>
+            <a:p>
+              <a:pPr algn="ctr" defTabSz="950953" fontAlgn="base">
+                <a:spcBef>
+                  <a:spcPct val="0"/>
+                </a:spcBef>
+                <a:spcAft>
+                  <a:spcPct val="0"/>
+                </a:spcAft>
+              </a:pPr>
+              <a:r>
+                <a:rPr lang="en-US" dirty="0"/>
+                <a:t>N/A</a:t>
+              </a:r>
+            </a:p>
+          </p:txBody>
+        </p:sp>
+        <p:sp>
+          <p:nvSpPr>
+            <p:cNvPr id="51" name="creds"/>
+            <p:cNvSpPr/>
+            <p:nvPr/>
+          </p:nvSpPr>
+          <p:spPr bwMode="auto">
+            <a:xfrm>
+              <a:off x="2344569" y="4350572"/>
+              <a:ext cx="1828800" cy="1690293"/>
+            </a:xfrm>
+            <a:prstGeom prst="rect">
+              <a:avLst/>
+            </a:prstGeom>
+            <a:noFill/>
+            <a:ln>
+              <a:headEnd type="none" w="med" len="med"/>
+              <a:tailEnd type="none" w="med" len="med"/>
+            </a:ln>
+          </p:spPr>
+          <p:style>
+            <a:lnRef idx="2">
+              <a:schemeClr val="dk1">
+                <a:shade val="50000"/>
+              </a:schemeClr>
+            </a:lnRef>
+            <a:fillRef idx="1">
+              <a:schemeClr val="dk1"/>
+            </a:fillRef>
+            <a:effectRef idx="0">
+              <a:schemeClr val="dk1"/>
+            </a:effectRef>
+            <a:fontRef idx="minor">
+              <a:schemeClr val="lt1"/>
+            </a:fontRef>
+          </p:style>
+          <p:txBody>
+            <a:bodyPr vert="horz" wrap="square" lIns="0" tIns="47565" rIns="0" bIns="47565" numCol="1" rtlCol="0" anchor="b" anchorCtr="0" compatLnSpc="1">
+              <a:prstTxWarp prst="textNoShape">
+                <a:avLst/>
+              </a:prstTxWarp>
+            </a:bodyPr>
+            <a:lstStyle/>
+            <a:p>
+              <a:pPr algn="ctr" defTabSz="950953" fontAlgn="base">
+                <a:spcBef>
+                  <a:spcPct val="0"/>
+                </a:spcBef>
+                <a:spcAft>
+                  <a:spcPct val="0"/>
+                </a:spcAft>
+              </a:pPr>
+              <a:r>
+                <a:rPr lang="en-US" dirty="0">
+                  <a:solidFill>
+                    <a:schemeClr val="tx2"/>
+                  </a:solidFill>
+                </a:rPr>
+                <a:t>Credentials</a:t>
+              </a:r>
+            </a:p>
+          </p:txBody>
+        </p:sp>
+      </p:grpSp>
+      <p:grpSp>
+        <p:nvGrpSpPr>
+          <p:cNvPr id="10" name="validate"/>
+          <p:cNvGrpSpPr/>
+          <p:nvPr/>
+        </p:nvGrpSpPr>
+        <p:grpSpPr>
+          <a:xfrm>
+            <a:off x="4429421" y="2582862"/>
+            <a:ext cx="1865207" cy="3578261"/>
+            <a:chOff x="4342100" y="4350572"/>
+            <a:chExt cx="1828800" cy="1690293"/>
+          </a:xfrm>
+        </p:grpSpPr>
+        <p:sp>
+          <p:nvSpPr>
+            <p:cNvPr id="47" name="present"/>
+            <p:cNvSpPr/>
+            <p:nvPr/>
+          </p:nvSpPr>
+          <p:spPr bwMode="auto">
+            <a:xfrm>
+              <a:off x="4425228" y="4653474"/>
+              <a:ext cx="1662545" cy="794039"/>
+            </a:xfrm>
+            <a:prstGeom prst="rect">
+              <a:avLst/>
+            </a:prstGeom>
+            <a:ln>
+              <a:headEnd type="none" w="med" len="med"/>
+              <a:tailEnd type="none" w="med" len="med"/>
+            </a:ln>
+          </p:spPr>
+          <p:style>
+            <a:lnRef idx="2">
+              <a:schemeClr val="accent5">
+                <a:shade val="50000"/>
+              </a:schemeClr>
+            </a:lnRef>
+            <a:fillRef idx="1">
+              <a:schemeClr val="accent5"/>
+            </a:fillRef>
+            <a:effectRef idx="0">
+              <a:schemeClr val="accent5"/>
+            </a:effectRef>
+            <a:fontRef idx="minor">
+              <a:schemeClr val="lt1"/>
+            </a:fontRef>
+          </p:style>
+          <p:txBody>
+            <a:bodyPr vert="horz" wrap="square" lIns="0" tIns="47565" rIns="0" bIns="47565" numCol="1" rtlCol="0" anchor="ctr" anchorCtr="0" compatLnSpc="1">
+              <a:prstTxWarp prst="textNoShape">
+                <a:avLst/>
+              </a:prstTxWarp>
+            </a:bodyPr>
+            <a:lstStyle/>
+            <a:p>
+              <a:pPr algn="ctr" defTabSz="950953" fontAlgn="base">
+                <a:spcBef>
+                  <a:spcPct val="0"/>
+                </a:spcBef>
+                <a:spcAft>
+                  <a:spcPct val="0"/>
+                </a:spcAft>
+              </a:pPr>
+              <a:r>
+                <a:rPr lang="en-US" dirty="0"/>
+                <a:t>N/A</a:t>
               </a:r>
             </a:p>
           </p:txBody>
@@ -16843,7 +18858,7 @@
 </p:sld>
 </file>
 
-<file path=ppt/slides/slide11.xml><?xml version="1.0" encoding="utf-8"?>
+<file path=ppt/slides/slide13.xml><?xml version="1.0" encoding="utf-8"?>
 <p:sld xmlns:a="http://schemas.openxmlformats.org/drawingml/2006/main" xmlns:r="http://schemas.openxmlformats.org/officeDocument/2006/relationships" xmlns:p="http://schemas.openxmlformats.org/presentationml/2006/main">
   <p:cSld>
     <p:spTree>
@@ -16872,12 +18887,14 @@
         </p:nvSpPr>
         <p:spPr/>
         <p:txBody>
-          <a:bodyPr/>
+          <a:bodyPr>
+            <a:normAutofit fontScale="90000"/>
+          </a:bodyPr>
           <a:lstStyle/>
           <a:p>
             <a:r>
               <a:rPr lang="en-US" dirty="0"/>
-              <a:t>Demo: Single Tenant Anonymous</a:t>
+              <a:t>Demo: Single Tenant Anonymous + Trusted Subsystem</a:t>
             </a:r>
           </a:p>
         </p:txBody>
@@ -16926,7 +18943,7 @@
 </p:sld>
 </file>
 
-<file path=ppt/slides/slide12.xml><?xml version="1.0" encoding="utf-8"?>
+<file path=ppt/slides/slide14.xml><?xml version="1.0" encoding="utf-8"?>
 <p:sld xmlns:a="http://schemas.openxmlformats.org/drawingml/2006/main" xmlns:r="http://schemas.openxmlformats.org/officeDocument/2006/relationships" xmlns:p="http://schemas.openxmlformats.org/presentationml/2006/main">
   <p:cSld>
     <p:spTree>
@@ -18508,7 +20525,7 @@
 </p:sld>
 </file>
 
-<file path=ppt/slides/slide13.xml><?xml version="1.0" encoding="utf-8"?>
+<file path=ppt/slides/slide15.xml><?xml version="1.0" encoding="utf-8"?>
 <p:sld xmlns:a="http://schemas.openxmlformats.org/drawingml/2006/main" xmlns:r="http://schemas.openxmlformats.org/officeDocument/2006/relationships" xmlns:p="http://schemas.openxmlformats.org/presentationml/2006/main">
   <p:cSld>
     <p:spTree>
@@ -18542,7 +20559,7 @@
           <a:p>
             <a:r>
               <a:rPr lang="en-US" dirty="0"/>
-              <a:t>Demo: Shadow/Linked account</a:t>
+              <a:t>Demo: Shadow/Linked Account</a:t>
             </a:r>
           </a:p>
         </p:txBody>
@@ -18591,7 +20608,7 @@
 </p:sld>
 </file>
 
-<file path=ppt/slides/slide14.xml><?xml version="1.0" encoding="utf-8"?>
+<file path=ppt/slides/slide16.xml><?xml version="1.0" encoding="utf-8"?>
 <p:sld xmlns:a="http://schemas.openxmlformats.org/drawingml/2006/main" xmlns:r="http://schemas.openxmlformats.org/officeDocument/2006/relationships" xmlns:p="http://schemas.openxmlformats.org/presentationml/2006/main">
   <p:cSld>
     <p:spTree>
@@ -20162,7 +22179,7 @@
 </p:sld>
 </file>
 
-<file path=ppt/slides/slide15.xml><?xml version="1.0" encoding="utf-8"?>
+<file path=ppt/slides/slide17.xml><?xml version="1.0" encoding="utf-8"?>
 <p:sld xmlns:a="http://schemas.openxmlformats.org/drawingml/2006/main" xmlns:r="http://schemas.openxmlformats.org/officeDocument/2006/relationships" xmlns:p="http://schemas.openxmlformats.org/presentationml/2006/main">
   <p:cSld>
     <p:spTree>
@@ -20181,304 +22198,7 @@
       </p:grpSpPr>
       <p:sp>
         <p:nvSpPr>
-          <p:cNvPr id="16" name="present"/>
-          <p:cNvSpPr/>
-          <p:nvPr/>
-        </p:nvSpPr>
-        <p:spPr bwMode="auto">
-          <a:xfrm>
-            <a:off x="354829" y="3694078"/>
-            <a:ext cx="1865207" cy="2467045"/>
-          </a:xfrm>
-          <a:prstGeom prst="rect">
-            <a:avLst/>
-          </a:prstGeom>
-          <a:noFill/>
-          <a:ln>
-            <a:headEnd type="none" w="med" len="med"/>
-            <a:tailEnd type="none" w="med" len="med"/>
-          </a:ln>
-        </p:spPr>
-        <p:style>
-          <a:lnRef idx="2">
-            <a:schemeClr val="accent6">
-              <a:shade val="50000"/>
-            </a:schemeClr>
-          </a:lnRef>
-          <a:fillRef idx="1">
-            <a:schemeClr val="accent6"/>
-          </a:fillRef>
-          <a:effectRef idx="0">
-            <a:schemeClr val="accent6"/>
-          </a:effectRef>
-          <a:fontRef idx="minor">
-            <a:schemeClr val="lt1"/>
-          </a:fontRef>
-        </p:style>
-        <p:txBody>
-          <a:bodyPr vert="horz" wrap="square" lIns="0" tIns="47565" rIns="0" bIns="47565" numCol="1" rtlCol="0" anchor="b" anchorCtr="0" compatLnSpc="1">
-            <a:prstTxWarp prst="textNoShape">
-              <a:avLst/>
-            </a:prstTxWarp>
-          </a:bodyPr>
-          <a:lstStyle/>
-          <a:p>
-            <a:pPr algn="ctr" defTabSz="950953" fontAlgn="base">
-              <a:spcBef>
-                <a:spcPct val="0"/>
-              </a:spcBef>
-              <a:spcAft>
-                <a:spcPct val="0"/>
-              </a:spcAft>
-            </a:pPr>
-            <a:r>
-              <a:rPr lang="en-US" sz="1836" dirty="0"/>
-              <a:t>Presentation</a:t>
-            </a:r>
-          </a:p>
-        </p:txBody>
-      </p:sp>
-      <p:sp>
-        <p:nvSpPr>
-          <p:cNvPr id="17" name="creds"/>
-          <p:cNvSpPr/>
-          <p:nvPr/>
-        </p:nvSpPr>
-        <p:spPr bwMode="auto">
-          <a:xfrm>
-            <a:off x="2392125" y="3694078"/>
-            <a:ext cx="1865207" cy="2467045"/>
-          </a:xfrm>
-          <a:prstGeom prst="rect">
-            <a:avLst/>
-          </a:prstGeom>
-          <a:noFill/>
-          <a:ln>
-            <a:headEnd type="none" w="med" len="med"/>
-            <a:tailEnd type="none" w="med" len="med"/>
-          </a:ln>
-        </p:spPr>
-        <p:style>
-          <a:lnRef idx="2">
-            <a:schemeClr val="dk1">
-              <a:shade val="50000"/>
-            </a:schemeClr>
-          </a:lnRef>
-          <a:fillRef idx="1">
-            <a:schemeClr val="dk1"/>
-          </a:fillRef>
-          <a:effectRef idx="0">
-            <a:schemeClr val="dk1"/>
-          </a:effectRef>
-          <a:fontRef idx="minor">
-            <a:schemeClr val="lt1"/>
-          </a:fontRef>
-        </p:style>
-        <p:txBody>
-          <a:bodyPr vert="horz" wrap="square" lIns="0" tIns="47565" rIns="0" bIns="47565" numCol="1" rtlCol="0" anchor="b" anchorCtr="0" compatLnSpc="1">
-            <a:prstTxWarp prst="textNoShape">
-              <a:avLst/>
-            </a:prstTxWarp>
-          </a:bodyPr>
-          <a:lstStyle/>
-          <a:p>
-            <a:pPr algn="ctr" defTabSz="950953" fontAlgn="base">
-              <a:spcBef>
-                <a:spcPct val="0"/>
-              </a:spcBef>
-              <a:spcAft>
-                <a:spcPct val="0"/>
-              </a:spcAft>
-            </a:pPr>
-            <a:r>
-              <a:rPr lang="en-US" sz="1836" dirty="0"/>
-              <a:t>Credentials</a:t>
-            </a:r>
-          </a:p>
-        </p:txBody>
-      </p:sp>
-      <p:sp>
-        <p:nvSpPr>
-          <p:cNvPr id="18" name="validation"/>
-          <p:cNvSpPr/>
-          <p:nvPr/>
-        </p:nvSpPr>
-        <p:spPr bwMode="auto">
-          <a:xfrm>
-            <a:off x="4429421" y="3694078"/>
-            <a:ext cx="1865207" cy="2467045"/>
-          </a:xfrm>
-          <a:prstGeom prst="rect">
-            <a:avLst/>
-          </a:prstGeom>
-          <a:noFill/>
-          <a:ln>
-            <a:headEnd type="none" w="med" len="med"/>
-            <a:tailEnd type="none" w="med" len="med"/>
-          </a:ln>
-        </p:spPr>
-        <p:style>
-          <a:lnRef idx="1">
-            <a:schemeClr val="accent5"/>
-          </a:lnRef>
-          <a:fillRef idx="2">
-            <a:schemeClr val="accent5"/>
-          </a:fillRef>
-          <a:effectRef idx="1">
-            <a:schemeClr val="accent5"/>
-          </a:effectRef>
-          <a:fontRef idx="minor">
-            <a:schemeClr val="dk1"/>
-          </a:fontRef>
-        </p:style>
-        <p:txBody>
-          <a:bodyPr vert="horz" wrap="square" lIns="0" tIns="47565" rIns="0" bIns="47565" numCol="1" rtlCol="0" anchor="b" anchorCtr="0" compatLnSpc="1">
-            <a:prstTxWarp prst="textNoShape">
-              <a:avLst/>
-            </a:prstTxWarp>
-          </a:bodyPr>
-          <a:lstStyle/>
-          <a:p>
-            <a:pPr algn="ctr" defTabSz="950953" fontAlgn="base">
-              <a:spcBef>
-                <a:spcPct val="0"/>
-              </a:spcBef>
-              <a:spcAft>
-                <a:spcPct val="0"/>
-              </a:spcAft>
-            </a:pPr>
-            <a:r>
-              <a:rPr lang="en-US" sz="1836" dirty="0">
-                <a:solidFill>
-                  <a:schemeClr val="tx1"/>
-                </a:solidFill>
-              </a:rPr>
-              <a:t>Validation</a:t>
-            </a:r>
-          </a:p>
-        </p:txBody>
-      </p:sp>
-      <p:sp>
-        <p:nvSpPr>
-          <p:cNvPr id="19" name="assume"/>
-          <p:cNvSpPr/>
-          <p:nvPr/>
-        </p:nvSpPr>
-        <p:spPr bwMode="auto">
-          <a:xfrm>
-            <a:off x="8186403" y="3694078"/>
-            <a:ext cx="1865207" cy="2467045"/>
-          </a:xfrm>
-          <a:prstGeom prst="rect">
-            <a:avLst/>
-          </a:prstGeom>
-          <a:noFill/>
-          <a:ln>
-            <a:headEnd type="none" w="med" len="med"/>
-            <a:tailEnd type="none" w="med" len="med"/>
-          </a:ln>
-        </p:spPr>
-        <p:style>
-          <a:lnRef idx="2">
-            <a:schemeClr val="accent3">
-              <a:shade val="50000"/>
-            </a:schemeClr>
-          </a:lnRef>
-          <a:fillRef idx="1">
-            <a:schemeClr val="accent3"/>
-          </a:fillRef>
-          <a:effectRef idx="0">
-            <a:schemeClr val="accent3"/>
-          </a:effectRef>
-          <a:fontRef idx="minor">
-            <a:schemeClr val="lt1"/>
-          </a:fontRef>
-        </p:style>
-        <p:txBody>
-          <a:bodyPr vert="horz" wrap="square" lIns="0" tIns="47565" rIns="0" bIns="47565" numCol="1" rtlCol="0" anchor="b" anchorCtr="0" compatLnSpc="1">
-            <a:prstTxWarp prst="textNoShape">
-              <a:avLst/>
-            </a:prstTxWarp>
-          </a:bodyPr>
-          <a:lstStyle/>
-          <a:p>
-            <a:pPr algn="ctr" defTabSz="950953" fontAlgn="base">
-              <a:spcBef>
-                <a:spcPct val="0"/>
-              </a:spcBef>
-              <a:spcAft>
-                <a:spcPct val="0"/>
-              </a:spcAft>
-            </a:pPr>
-            <a:r>
-              <a:rPr lang="en-US" sz="1836" dirty="0"/>
-              <a:t>Assumptions</a:t>
-            </a:r>
-          </a:p>
-        </p:txBody>
-      </p:sp>
-      <p:sp>
-        <p:nvSpPr>
-          <p:cNvPr id="21" name="access"/>
-          <p:cNvSpPr/>
-          <p:nvPr/>
-        </p:nvSpPr>
-        <p:spPr bwMode="auto">
-          <a:xfrm>
-            <a:off x="10118346" y="3694078"/>
-            <a:ext cx="1865207" cy="2467045"/>
-          </a:xfrm>
-          <a:prstGeom prst="rect">
-            <a:avLst/>
-          </a:prstGeom>
-          <a:noFill/>
-          <a:ln>
-            <a:headEnd type="none" w="med" len="med"/>
-            <a:tailEnd type="none" w="med" len="med"/>
-          </a:ln>
-        </p:spPr>
-        <p:style>
-          <a:lnRef idx="2">
-            <a:schemeClr val="accent4">
-              <a:shade val="50000"/>
-            </a:schemeClr>
-          </a:lnRef>
-          <a:fillRef idx="1">
-            <a:schemeClr val="accent4"/>
-          </a:fillRef>
-          <a:effectRef idx="0">
-            <a:schemeClr val="accent4"/>
-          </a:effectRef>
-          <a:fontRef idx="minor">
-            <a:schemeClr val="lt1"/>
-          </a:fontRef>
-        </p:style>
-        <p:txBody>
-          <a:bodyPr vert="horz" wrap="square" lIns="0" tIns="47565" rIns="0" bIns="47565" numCol="1" rtlCol="0" anchor="b" anchorCtr="0" compatLnSpc="1">
-            <a:prstTxWarp prst="textNoShape">
-              <a:avLst/>
-            </a:prstTxWarp>
-          </a:bodyPr>
-          <a:lstStyle/>
-          <a:p>
-            <a:pPr algn="ctr" defTabSz="950953" fontAlgn="base">
-              <a:spcBef>
-                <a:spcPct val="0"/>
-              </a:spcBef>
-              <a:spcAft>
-                <a:spcPct val="0"/>
-              </a:spcAft>
-            </a:pPr>
-            <a:r>
-              <a:rPr lang="en-US" sz="1836" dirty="0"/>
-              <a:t>Access</a:t>
-            </a:r>
-          </a:p>
-        </p:txBody>
-      </p:sp>
-      <p:sp>
-        <p:nvSpPr>
-          <p:cNvPr id="5" name="Title 4"/>
+          <p:cNvPr id="3" name="Title 2"/>
           <p:cNvSpPr>
             <a:spLocks noGrp="1"/>
           </p:cNvSpPr>
@@ -20493,14 +22213,75 @@
           <a:p>
             <a:r>
               <a:rPr lang="en-US" dirty="0"/>
-              <a:t>Example: Federation + Shadow Account</a:t>
+              <a:t>Demo: Get data from O365 APIs</a:t>
             </a:r>
           </a:p>
         </p:txBody>
       </p:sp>
       <p:sp>
         <p:nvSpPr>
-          <p:cNvPr id="20" name="authz"/>
+          <p:cNvPr id="4" name="Text Placeholder 3"/>
+          <p:cNvSpPr>
+            <a:spLocks noGrp="1"/>
+          </p:cNvSpPr>
+          <p:nvPr>
+            <p:ph type="body" sz="quarter" idx="12"/>
+          </p:nvPr>
+        </p:nvSpPr>
+        <p:spPr/>
+        <p:txBody>
+          <a:bodyPr/>
+          <a:lstStyle/>
+          <a:p>
+            <a:endParaRPr lang="en-US"/>
+          </a:p>
+        </p:txBody>
+      </p:sp>
+    </p:spTree>
+    <p:extLst>
+      <p:ext uri="{BB962C8B-B14F-4D97-AF65-F5344CB8AC3E}">
+        <p14:creationId xmlns:p14="http://schemas.microsoft.com/office/powerpoint/2010/main" val="2163783221"/>
+      </p:ext>
+    </p:extLst>
+  </p:cSld>
+  <p:clrMapOvr>
+    <a:masterClrMapping/>
+  </p:clrMapOvr>
+  <mc:AlternateContent xmlns:mc="http://schemas.openxmlformats.org/markup-compatibility/2006" xmlns:p14="http://schemas.microsoft.com/office/powerpoint/2010/main">
+    <mc:Choice Requires="p14">
+      <p:transition spd="slow" p14:dur="3400">
+        <p14:reveal/>
+      </p:transition>
+    </mc:Choice>
+    <mc:Fallback xmlns="">
+      <p:transition spd="slow">
+        <p:fade/>
+      </p:transition>
+    </mc:Fallback>
+  </mc:AlternateContent>
+</p:sld>
+</file>
+
+<file path=ppt/slides/slide18.xml><?xml version="1.0" encoding="utf-8"?>
+<p:sld xmlns:a="http://schemas.openxmlformats.org/drawingml/2006/main" xmlns:r="http://schemas.openxmlformats.org/officeDocument/2006/relationships" xmlns:p="http://schemas.openxmlformats.org/presentationml/2006/main">
+  <p:cSld>
+    <p:spTree>
+      <p:nvGrpSpPr>
+        <p:cNvPr id="1" name=""/>
+        <p:cNvGrpSpPr/>
+        <p:nvPr/>
+      </p:nvGrpSpPr>
+      <p:grpSpPr>
+        <a:xfrm>
+          <a:off x="0" y="0"/>
+          <a:ext cx="0" cy="0"/>
+          <a:chOff x="0" y="0"/>
+          <a:chExt cx="0" cy="0"/>
+        </a:xfrm>
+      </p:grpSpPr>
+      <p:sp>
+        <p:nvSpPr>
+          <p:cNvPr id="42" name="authz"/>
           <p:cNvSpPr/>
           <p:nvPr/>
         </p:nvSpPr>
@@ -20556,7 +22337,7 @@
       </p:sp>
       <p:sp>
         <p:nvSpPr>
-          <p:cNvPr id="22" name="authn"/>
+          <p:cNvPr id="44" name="authn"/>
           <p:cNvSpPr/>
           <p:nvPr/>
         </p:nvSpPr>
@@ -20610,729 +22391,30 @@
           </a:p>
         </p:txBody>
       </p:sp>
-      <p:sp>
-        <p:nvSpPr>
-          <p:cNvPr id="23" name="present"/>
-          <p:cNvSpPr/>
-          <p:nvPr/>
-        </p:nvSpPr>
-        <p:spPr bwMode="auto">
-          <a:xfrm>
-            <a:off x="451724" y="3845379"/>
-            <a:ext cx="1695642" cy="1710580"/>
-          </a:xfrm>
-          <a:prstGeom prst="rect">
-            <a:avLst/>
-          </a:prstGeom>
-          <a:ln>
-            <a:headEnd type="none" w="med" len="med"/>
-            <a:tailEnd type="none" w="med" len="med"/>
-          </a:ln>
-        </p:spPr>
-        <p:style>
-          <a:lnRef idx="2">
-            <a:schemeClr val="accent1">
-              <a:shade val="50000"/>
-            </a:schemeClr>
-          </a:lnRef>
-          <a:fillRef idx="1">
-            <a:schemeClr val="accent1"/>
-          </a:fillRef>
-          <a:effectRef idx="0">
-            <a:schemeClr val="accent1"/>
-          </a:effectRef>
-          <a:fontRef idx="minor">
-            <a:schemeClr val="lt1"/>
-          </a:fontRef>
-        </p:style>
-        <p:txBody>
-          <a:bodyPr vert="horz" wrap="square" lIns="0" tIns="47565" rIns="0" bIns="47565" numCol="1" rtlCol="0" anchor="ctr" anchorCtr="0" compatLnSpc="1">
-            <a:prstTxWarp prst="textNoShape">
-              <a:avLst/>
-            </a:prstTxWarp>
-          </a:bodyPr>
-          <a:lstStyle/>
-          <a:p>
-            <a:pPr algn="ctr" defTabSz="950953" fontAlgn="base">
-              <a:spcBef>
-                <a:spcPct val="0"/>
-              </a:spcBef>
-              <a:spcAft>
-                <a:spcPct val="0"/>
-              </a:spcAft>
-            </a:pPr>
-            <a:r>
-              <a:rPr lang="en-US" sz="1632" dirty="0"/>
-              <a:t>Browsers,</a:t>
-            </a:r>
-          </a:p>
-          <a:p>
-            <a:pPr algn="ctr" defTabSz="950953" fontAlgn="base">
-              <a:spcBef>
-                <a:spcPct val="0"/>
-              </a:spcBef>
-              <a:spcAft>
-                <a:spcPct val="0"/>
-              </a:spcAft>
-            </a:pPr>
-            <a:r>
-              <a:rPr lang="en-US" sz="1632" dirty="0"/>
-              <a:t>Clients,</a:t>
-            </a:r>
-          </a:p>
-          <a:p>
-            <a:pPr algn="ctr" defTabSz="950953" fontAlgn="base">
-              <a:spcBef>
-                <a:spcPct val="0"/>
-              </a:spcBef>
-              <a:spcAft>
-                <a:spcPct val="0"/>
-              </a:spcAft>
-            </a:pPr>
-            <a:r>
-              <a:rPr lang="en-US" sz="1632" dirty="0"/>
-              <a:t>Cookies</a:t>
-            </a:r>
-          </a:p>
-        </p:txBody>
-      </p:sp>
-      <p:sp>
-        <p:nvSpPr>
-          <p:cNvPr id="24" name="present"/>
-          <p:cNvSpPr/>
-          <p:nvPr/>
-        </p:nvSpPr>
-        <p:spPr bwMode="auto">
-          <a:xfrm>
-            <a:off x="2499903" y="4746113"/>
-            <a:ext cx="1695642" cy="809846"/>
-          </a:xfrm>
-          <a:prstGeom prst="rect">
-            <a:avLst/>
-          </a:prstGeom>
-          <a:ln>
-            <a:headEnd type="none" w="med" len="med"/>
-            <a:tailEnd type="none" w="med" len="med"/>
-          </a:ln>
-        </p:spPr>
-        <p:style>
-          <a:lnRef idx="2">
-            <a:schemeClr val="dk1">
-              <a:shade val="50000"/>
-            </a:schemeClr>
-          </a:lnRef>
-          <a:fillRef idx="1">
-            <a:schemeClr val="dk1"/>
-          </a:fillRef>
-          <a:effectRef idx="0">
-            <a:schemeClr val="dk1"/>
-          </a:effectRef>
-          <a:fontRef idx="minor">
-            <a:schemeClr val="lt1"/>
-          </a:fontRef>
-        </p:style>
-        <p:txBody>
-          <a:bodyPr vert="horz" wrap="square" lIns="0" tIns="47565" rIns="0" bIns="47565" numCol="1" rtlCol="0" anchor="ctr" anchorCtr="0" compatLnSpc="1">
-            <a:prstTxWarp prst="textNoShape">
-              <a:avLst/>
-            </a:prstTxWarp>
-          </a:bodyPr>
-          <a:lstStyle/>
-          <a:p>
-            <a:pPr algn="ctr" defTabSz="950953" fontAlgn="base">
-              <a:spcBef>
-                <a:spcPct val="0"/>
-              </a:spcBef>
-              <a:spcAft>
-                <a:spcPct val="0"/>
-              </a:spcAft>
-            </a:pPr>
-            <a:r>
-              <a:rPr lang="en-US" sz="1632" dirty="0"/>
-              <a:t>On </a:t>
-            </a:r>
-            <a:r>
-              <a:rPr lang="en-US" sz="1632" dirty="0" err="1"/>
-              <a:t>Prem</a:t>
-            </a:r>
-            <a:r>
-              <a:rPr lang="en-US" sz="1632" dirty="0"/>
-              <a:t> UID + Password</a:t>
-            </a:r>
-          </a:p>
-        </p:txBody>
-      </p:sp>
-      <p:sp>
-        <p:nvSpPr>
-          <p:cNvPr id="25" name="present"/>
-          <p:cNvSpPr/>
-          <p:nvPr/>
-        </p:nvSpPr>
-        <p:spPr bwMode="auto">
-          <a:xfrm>
-            <a:off x="4526316" y="4746113"/>
-            <a:ext cx="1695642" cy="809846"/>
-          </a:xfrm>
-          <a:prstGeom prst="rect">
-            <a:avLst/>
-          </a:prstGeom>
-          <a:ln>
-            <a:headEnd type="none" w="med" len="med"/>
-            <a:tailEnd type="none" w="med" len="med"/>
-          </a:ln>
-        </p:spPr>
-        <p:style>
-          <a:lnRef idx="3">
-            <a:schemeClr val="lt1"/>
-          </a:lnRef>
-          <a:fillRef idx="1">
-            <a:schemeClr val="accent5"/>
-          </a:fillRef>
-          <a:effectRef idx="1">
-            <a:schemeClr val="accent5"/>
-          </a:effectRef>
-          <a:fontRef idx="minor">
-            <a:schemeClr val="lt1"/>
-          </a:fontRef>
-        </p:style>
-        <p:txBody>
-          <a:bodyPr vert="horz" wrap="square" lIns="0" tIns="47565" rIns="0" bIns="47565" numCol="1" rtlCol="0" anchor="ctr" anchorCtr="0" compatLnSpc="1">
-            <a:prstTxWarp prst="textNoShape">
-              <a:avLst/>
-            </a:prstTxWarp>
-          </a:bodyPr>
-          <a:lstStyle/>
-          <a:p>
-            <a:pPr algn="ctr" defTabSz="950953" fontAlgn="base">
-              <a:spcBef>
-                <a:spcPct val="0"/>
-              </a:spcBef>
-              <a:spcAft>
-                <a:spcPct val="0"/>
-              </a:spcAft>
-            </a:pPr>
-            <a:r>
-              <a:rPr lang="en-US" sz="1632" dirty="0"/>
-              <a:t>NTLM, Kerberos, Claims, MFA</a:t>
-            </a:r>
-          </a:p>
-        </p:txBody>
-      </p:sp>
-      <p:sp>
-        <p:nvSpPr>
-          <p:cNvPr id="26" name="present"/>
-          <p:cNvSpPr/>
-          <p:nvPr/>
-        </p:nvSpPr>
-        <p:spPr bwMode="auto">
-          <a:xfrm>
-            <a:off x="8283504" y="4746113"/>
-            <a:ext cx="1699766" cy="809846"/>
-          </a:xfrm>
-          <a:prstGeom prst="rect">
-            <a:avLst/>
-          </a:prstGeom>
-          <a:ln>
-            <a:headEnd type="none" w="med" len="med"/>
-            <a:tailEnd type="none" w="med" len="med"/>
-          </a:ln>
-        </p:spPr>
-        <p:style>
-          <a:lnRef idx="2">
-            <a:schemeClr val="accent3">
-              <a:shade val="50000"/>
-            </a:schemeClr>
-          </a:lnRef>
-          <a:fillRef idx="1">
-            <a:schemeClr val="accent3"/>
-          </a:fillRef>
-          <a:effectRef idx="0">
-            <a:schemeClr val="accent3"/>
-          </a:effectRef>
-          <a:fontRef idx="minor">
-            <a:schemeClr val="lt1"/>
-          </a:fontRef>
-        </p:style>
-        <p:txBody>
-          <a:bodyPr vert="horz" wrap="square" lIns="0" tIns="47565" rIns="0" bIns="47565" numCol="1" rtlCol="0" anchor="ctr" anchorCtr="0" compatLnSpc="1">
-            <a:prstTxWarp prst="textNoShape">
-              <a:avLst/>
-            </a:prstTxWarp>
-          </a:bodyPr>
-          <a:lstStyle/>
-          <a:p>
-            <a:pPr algn="ctr" defTabSz="950953" fontAlgn="base">
-              <a:spcBef>
-                <a:spcPct val="0"/>
-              </a:spcBef>
-              <a:spcAft>
-                <a:spcPct val="0"/>
-              </a:spcAft>
-            </a:pPr>
-            <a:r>
-              <a:rPr lang="en-US" sz="1632" dirty="0"/>
-              <a:t>UID + Password = valid user</a:t>
-            </a:r>
-          </a:p>
-        </p:txBody>
-      </p:sp>
-      <p:sp>
-        <p:nvSpPr>
-          <p:cNvPr id="27" name="present"/>
-          <p:cNvSpPr/>
-          <p:nvPr/>
-        </p:nvSpPr>
-        <p:spPr bwMode="auto">
-          <a:xfrm>
-            <a:off x="10215241" y="4746113"/>
-            <a:ext cx="1695642" cy="809846"/>
-          </a:xfrm>
-          <a:prstGeom prst="rect">
-            <a:avLst/>
-          </a:prstGeom>
-          <a:ln>
-            <a:headEnd type="none" w="med" len="med"/>
-            <a:tailEnd type="none" w="med" len="med"/>
-          </a:ln>
-        </p:spPr>
-        <p:style>
-          <a:lnRef idx="2">
-            <a:schemeClr val="accent4">
-              <a:shade val="50000"/>
-            </a:schemeClr>
-          </a:lnRef>
-          <a:fillRef idx="1">
-            <a:schemeClr val="accent4"/>
-          </a:fillRef>
-          <a:effectRef idx="0">
-            <a:schemeClr val="accent4"/>
-          </a:effectRef>
-          <a:fontRef idx="minor">
-            <a:schemeClr val="lt1"/>
-          </a:fontRef>
-        </p:style>
-        <p:txBody>
-          <a:bodyPr vert="horz" wrap="square" lIns="0" tIns="47565" rIns="0" bIns="47565" numCol="1" rtlCol="0" anchor="ctr" anchorCtr="0" compatLnSpc="1">
-            <a:prstTxWarp prst="textNoShape">
-              <a:avLst/>
-            </a:prstTxWarp>
-          </a:bodyPr>
-          <a:lstStyle/>
-          <a:p>
-            <a:pPr algn="ctr" defTabSz="950953" fontAlgn="base">
-              <a:spcBef>
-                <a:spcPct val="0"/>
-              </a:spcBef>
-              <a:spcAft>
-                <a:spcPct val="0"/>
-              </a:spcAft>
-            </a:pPr>
-            <a:r>
-              <a:rPr lang="en-US" sz="1632" dirty="0"/>
-              <a:t>Pass claims</a:t>
-            </a:r>
-          </a:p>
-        </p:txBody>
-      </p:sp>
-      <p:sp>
-        <p:nvSpPr>
-          <p:cNvPr id="42" name="present"/>
-          <p:cNvSpPr/>
-          <p:nvPr/>
-        </p:nvSpPr>
-        <p:spPr bwMode="auto">
-          <a:xfrm>
-            <a:off x="8283504" y="3866835"/>
-            <a:ext cx="1699766" cy="809846"/>
-          </a:xfrm>
-          <a:prstGeom prst="rect">
-            <a:avLst/>
-          </a:prstGeom>
-          <a:ln>
-            <a:headEnd type="none" w="med" len="med"/>
-            <a:tailEnd type="none" w="med" len="med"/>
-          </a:ln>
-        </p:spPr>
-        <p:style>
-          <a:lnRef idx="2">
-            <a:schemeClr val="accent3">
-              <a:shade val="50000"/>
-            </a:schemeClr>
-          </a:lnRef>
-          <a:fillRef idx="1">
-            <a:schemeClr val="accent3"/>
-          </a:fillRef>
-          <a:effectRef idx="0">
-            <a:schemeClr val="accent3"/>
-          </a:effectRef>
-          <a:fontRef idx="minor">
-            <a:schemeClr val="lt1"/>
-          </a:fontRef>
-        </p:style>
-        <p:txBody>
-          <a:bodyPr vert="horz" wrap="square" lIns="0" tIns="47565" rIns="0" bIns="47565" numCol="1" rtlCol="0" anchor="ctr" anchorCtr="0" compatLnSpc="1">
-            <a:prstTxWarp prst="textNoShape">
-              <a:avLst/>
-            </a:prstTxWarp>
-          </a:bodyPr>
-          <a:lstStyle/>
-          <a:p>
-            <a:pPr algn="ctr" defTabSz="950953" fontAlgn="base">
-              <a:spcBef>
-                <a:spcPct val="0"/>
-              </a:spcBef>
-              <a:spcAft>
-                <a:spcPct val="0"/>
-              </a:spcAft>
-            </a:pPr>
-            <a:r>
-              <a:rPr lang="en-US" sz="1632" dirty="0"/>
-              <a:t>User in Azure Ad</a:t>
-            </a:r>
-          </a:p>
-        </p:txBody>
-      </p:sp>
-      <p:sp>
-        <p:nvSpPr>
-          <p:cNvPr id="43" name="present"/>
-          <p:cNvSpPr/>
-          <p:nvPr/>
-        </p:nvSpPr>
-        <p:spPr bwMode="auto">
-          <a:xfrm>
-            <a:off x="10215241" y="3866835"/>
-            <a:ext cx="1695642" cy="809846"/>
-          </a:xfrm>
-          <a:prstGeom prst="rect">
-            <a:avLst/>
-          </a:prstGeom>
-          <a:ln>
-            <a:headEnd type="none" w="med" len="med"/>
-            <a:tailEnd type="none" w="med" len="med"/>
-          </a:ln>
-        </p:spPr>
-        <p:style>
-          <a:lnRef idx="2">
-            <a:schemeClr val="accent4">
-              <a:shade val="50000"/>
-            </a:schemeClr>
-          </a:lnRef>
-          <a:fillRef idx="1">
-            <a:schemeClr val="accent4"/>
-          </a:fillRef>
-          <a:effectRef idx="0">
-            <a:schemeClr val="accent4"/>
-          </a:effectRef>
-          <a:fontRef idx="minor">
-            <a:schemeClr val="lt1"/>
-          </a:fontRef>
-        </p:style>
-        <p:txBody>
-          <a:bodyPr vert="horz" wrap="square" lIns="0" tIns="47565" rIns="0" bIns="47565" numCol="1" rtlCol="0" anchor="ctr" anchorCtr="0" compatLnSpc="1">
-            <a:prstTxWarp prst="textNoShape">
-              <a:avLst/>
-            </a:prstTxWarp>
-          </a:bodyPr>
-          <a:lstStyle/>
-          <a:p>
-            <a:pPr algn="ctr" defTabSz="950953" fontAlgn="base">
-              <a:spcBef>
-                <a:spcPct val="0"/>
-              </a:spcBef>
-              <a:spcAft>
-                <a:spcPct val="0"/>
-              </a:spcAft>
-            </a:pPr>
-            <a:r>
-              <a:rPr lang="en-US" sz="1632" dirty="0"/>
-              <a:t>Services +</a:t>
-            </a:r>
-          </a:p>
-          <a:p>
-            <a:pPr algn="ctr" defTabSz="950953" fontAlgn="base">
-              <a:spcBef>
-                <a:spcPct val="0"/>
-              </a:spcBef>
-              <a:spcAft>
-                <a:spcPct val="0"/>
-              </a:spcAft>
-            </a:pPr>
-            <a:r>
-              <a:rPr lang="en-US" sz="1632" dirty="0"/>
-              <a:t>License info</a:t>
-            </a:r>
-          </a:p>
-        </p:txBody>
-      </p:sp>
       <p:grpSp>
         <p:nvGrpSpPr>
-          <p:cNvPr id="6" name="Group 5"/>
+          <p:cNvPr id="8" name="present"/>
           <p:cNvGrpSpPr/>
           <p:nvPr/>
         </p:nvGrpSpPr>
         <p:grpSpPr>
           <a:xfrm>
-            <a:off x="276670" y="853900"/>
-            <a:ext cx="11498964" cy="2725840"/>
-            <a:chOff x="270405" y="837233"/>
-            <a:chExt cx="11274518" cy="2672635"/>
+            <a:off x="354829" y="2582862"/>
+            <a:ext cx="1865207" cy="3578261"/>
+            <a:chOff x="347039" y="4350572"/>
+            <a:chExt cx="1828800" cy="1690293"/>
           </a:xfrm>
         </p:grpSpPr>
         <p:sp>
           <p:nvSpPr>
-            <p:cNvPr id="30" name="Isosceles Triangle 29"/>
+            <p:cNvPr id="45" name="present"/>
             <p:cNvSpPr/>
             <p:nvPr/>
           </p:nvSpPr>
           <p:spPr bwMode="auto">
             <a:xfrm>
-              <a:off x="1628084" y="963414"/>
-              <a:ext cx="1828800" cy="1463040"/>
-            </a:xfrm>
-            <a:prstGeom prst="triangle">
-              <a:avLst/>
-            </a:prstGeom>
-            <a:ln>
-              <a:noFill/>
-              <a:headEnd type="none" w="med" len="med"/>
-              <a:tailEnd type="none" w="med" len="med"/>
-            </a:ln>
-          </p:spPr>
-          <p:style>
-            <a:lnRef idx="2">
-              <a:schemeClr val="accent1">
-                <a:shade val="50000"/>
-              </a:schemeClr>
-            </a:lnRef>
-            <a:fillRef idx="1">
-              <a:schemeClr val="accent1"/>
-            </a:fillRef>
-            <a:effectRef idx="0">
-              <a:schemeClr val="accent1"/>
-            </a:effectRef>
-            <a:fontRef idx="minor">
-              <a:schemeClr val="lt1"/>
-            </a:fontRef>
-          </p:style>
-          <p:txBody>
-            <a:bodyPr vert="horz" wrap="square" lIns="0" tIns="47565" rIns="0" bIns="47565" numCol="1" rtlCol="0" anchor="ctr" anchorCtr="0" compatLnSpc="1">
-              <a:prstTxWarp prst="textNoShape">
-                <a:avLst/>
-              </a:prstTxWarp>
-            </a:bodyPr>
-            <a:lstStyle/>
-            <a:p>
-              <a:pPr algn="ctr" defTabSz="950953" fontAlgn="base">
-                <a:spcBef>
-                  <a:spcPct val="0"/>
-                </a:spcBef>
-                <a:spcAft>
-                  <a:spcPct val="0"/>
-                </a:spcAft>
-              </a:pPr>
-              <a:r>
-                <a:rPr lang="en-US" sz="1836" dirty="0">
-                  <a:gradFill>
-                    <a:gsLst>
-                      <a:gs pos="16814">
-                        <a:srgbClr val="FFFFFF"/>
-                      </a:gs>
-                      <a:gs pos="46000">
-                        <a:srgbClr val="FFFFFF"/>
-                      </a:gs>
-                    </a:gsLst>
-                    <a:lin ang="5400000" scaled="0"/>
-                  </a:gradFill>
-                </a:rPr>
-                <a:t>Azure AD</a:t>
-              </a:r>
-            </a:p>
-          </p:txBody>
-        </p:sp>
-        <p:sp>
-          <p:nvSpPr>
-            <p:cNvPr id="31" name="Isosceles Triangle 30"/>
-            <p:cNvSpPr/>
-            <p:nvPr/>
-          </p:nvSpPr>
-          <p:spPr bwMode="auto">
-            <a:xfrm>
-              <a:off x="8357279" y="837233"/>
-              <a:ext cx="1828800" cy="1463040"/>
-            </a:xfrm>
-            <a:prstGeom prst="triangle">
-              <a:avLst/>
-            </a:prstGeom>
-            <a:ln>
-              <a:noFill/>
-              <a:headEnd type="none" w="med" len="med"/>
-              <a:tailEnd type="none" w="med" len="med"/>
-            </a:ln>
-          </p:spPr>
-          <p:style>
-            <a:lnRef idx="2">
-              <a:schemeClr val="accent1">
-                <a:shade val="50000"/>
-              </a:schemeClr>
-            </a:lnRef>
-            <a:fillRef idx="1">
-              <a:schemeClr val="accent1"/>
-            </a:fillRef>
-            <a:effectRef idx="0">
-              <a:schemeClr val="accent1"/>
-            </a:effectRef>
-            <a:fontRef idx="minor">
-              <a:schemeClr val="lt1"/>
-            </a:fontRef>
-          </p:style>
-          <p:txBody>
-            <a:bodyPr vert="horz" wrap="square" lIns="0" tIns="47565" rIns="0" bIns="47565" numCol="1" rtlCol="0" anchor="ctr" anchorCtr="0" compatLnSpc="1">
-              <a:prstTxWarp prst="textNoShape">
-                <a:avLst/>
-              </a:prstTxWarp>
-            </a:bodyPr>
-            <a:lstStyle/>
-            <a:p>
-              <a:pPr algn="ctr" defTabSz="950953" fontAlgn="base">
-                <a:spcBef>
-                  <a:spcPct val="0"/>
-                </a:spcBef>
-                <a:spcAft>
-                  <a:spcPct val="0"/>
-                </a:spcAft>
-              </a:pPr>
-              <a:r>
-                <a:rPr lang="en-US" sz="1836" dirty="0">
-                  <a:gradFill>
-                    <a:gsLst>
-                      <a:gs pos="16814">
-                        <a:srgbClr val="FFFFFF"/>
-                      </a:gs>
-                      <a:gs pos="46000">
-                        <a:srgbClr val="FFFFFF"/>
-                      </a:gs>
-                    </a:gsLst>
-                    <a:lin ang="5400000" scaled="0"/>
-                  </a:gradFill>
-                </a:rPr>
-                <a:t>On </a:t>
-              </a:r>
-              <a:r>
-                <a:rPr lang="en-US" sz="1836" dirty="0" err="1">
-                  <a:gradFill>
-                    <a:gsLst>
-                      <a:gs pos="16814">
-                        <a:srgbClr val="FFFFFF"/>
-                      </a:gs>
-                      <a:gs pos="46000">
-                        <a:srgbClr val="FFFFFF"/>
-                      </a:gs>
-                    </a:gsLst>
-                    <a:lin ang="5400000" scaled="0"/>
-                  </a:gradFill>
-                </a:rPr>
-                <a:t>Prem</a:t>
-              </a:r>
-              <a:r>
-                <a:rPr lang="en-US" sz="1836" dirty="0">
-                  <a:gradFill>
-                    <a:gsLst>
-                      <a:gs pos="16814">
-                        <a:srgbClr val="FFFFFF"/>
-                      </a:gs>
-                      <a:gs pos="46000">
-                        <a:srgbClr val="FFFFFF"/>
-                      </a:gs>
-                    </a:gsLst>
-                    <a:lin ang="5400000" scaled="0"/>
-                  </a:gradFill>
-                </a:rPr>
-                <a:t> AD</a:t>
-              </a:r>
-            </a:p>
-          </p:txBody>
-        </p:sp>
-        <p:sp>
-          <p:nvSpPr>
-            <p:cNvPr id="34" name="Flowchart: Punched Tape 33"/>
-            <p:cNvSpPr/>
-            <p:nvPr/>
-          </p:nvSpPr>
-          <p:spPr bwMode="auto">
-            <a:xfrm>
-              <a:off x="5063553" y="2686908"/>
-              <a:ext cx="1554725" cy="822960"/>
-            </a:xfrm>
-            <a:prstGeom prst="flowChartPunchedTape">
-              <a:avLst/>
-            </a:prstGeom>
-            <a:ln>
-              <a:noFill/>
-              <a:headEnd type="none" w="med" len="med"/>
-              <a:tailEnd type="none" w="med" len="med"/>
-            </a:ln>
-          </p:spPr>
-          <p:style>
-            <a:lnRef idx="2">
-              <a:schemeClr val="accent1">
-                <a:shade val="50000"/>
-              </a:schemeClr>
-            </a:lnRef>
-            <a:fillRef idx="1">
-              <a:schemeClr val="accent1"/>
-            </a:fillRef>
-            <a:effectRef idx="0">
-              <a:schemeClr val="accent1"/>
-            </a:effectRef>
-            <a:fontRef idx="minor">
-              <a:schemeClr val="lt1"/>
-            </a:fontRef>
-          </p:style>
-          <p:txBody>
-            <a:bodyPr vert="horz" wrap="square" lIns="0" tIns="47565" rIns="0" bIns="47565" numCol="1" rtlCol="0" anchor="ctr" anchorCtr="0" compatLnSpc="1">
-              <a:prstTxWarp prst="textNoShape">
-                <a:avLst/>
-              </a:prstTxWarp>
-            </a:bodyPr>
-            <a:lstStyle/>
-            <a:p>
-              <a:pPr algn="ctr" defTabSz="950953" fontAlgn="base">
-                <a:spcBef>
-                  <a:spcPct val="0"/>
-                </a:spcBef>
-                <a:spcAft>
-                  <a:spcPct val="0"/>
-                </a:spcAft>
-              </a:pPr>
-              <a:r>
-                <a:rPr lang="en-US" sz="2040" dirty="0">
-                  <a:gradFill>
-                    <a:gsLst>
-                      <a:gs pos="16814">
-                        <a:srgbClr val="FFFFFF"/>
-                      </a:gs>
-                      <a:gs pos="46000">
-                        <a:srgbClr val="FFFFFF"/>
-                      </a:gs>
-                    </a:gsLst>
-                    <a:lin ang="5400000" scaled="0"/>
-                  </a:gradFill>
-                </a:rPr>
-                <a:t>Claims</a:t>
-              </a:r>
-            </a:p>
-          </p:txBody>
-        </p:sp>
-        <p:sp>
-          <p:nvSpPr>
-            <p:cNvPr id="41" name="present"/>
-            <p:cNvSpPr/>
-            <p:nvPr/>
-          </p:nvSpPr>
-          <p:spPr bwMode="auto">
-            <a:xfrm>
-              <a:off x="8357280" y="2686908"/>
-              <a:ext cx="1828800" cy="822960"/>
+              <a:off x="430167" y="4653474"/>
+              <a:ext cx="1662545" cy="794039"/>
             </a:xfrm>
             <a:prstGeom prst="rect">
               <a:avLst/>
@@ -21375,43 +22457,120 @@
                 </a:spcAft>
               </a:pPr>
               <a:r>
-                <a:rPr lang="en-US" sz="1632" dirty="0"/>
-                <a:t>ADFS</a:t>
+                <a:rPr lang="en-US" dirty="0"/>
+                <a:t>Varies</a:t>
               </a:r>
             </a:p>
           </p:txBody>
         </p:sp>
         <p:sp>
           <p:nvSpPr>
-            <p:cNvPr id="51" name="Right Arrow 50"/>
+            <p:cNvPr id="50" name="present"/>
             <p:cNvSpPr/>
             <p:nvPr/>
           </p:nvSpPr>
           <p:spPr bwMode="auto">
-            <a:xfrm flipH="1">
-              <a:off x="2929620" y="1028242"/>
-              <a:ext cx="5866410" cy="534389"/>
+            <a:xfrm>
+              <a:off x="347039" y="4350572"/>
+              <a:ext cx="1828800" cy="1690293"/>
             </a:xfrm>
-            <a:prstGeom prst="rightArrow">
+            <a:prstGeom prst="rect">
               <a:avLst/>
             </a:prstGeom>
+            <a:noFill/>
             <a:ln>
-              <a:noFill/>
               <a:headEnd type="none" w="med" len="med"/>
               <a:tailEnd type="none" w="med" len="med"/>
             </a:ln>
           </p:spPr>
           <p:style>
             <a:lnRef idx="2">
-              <a:schemeClr val="accent1">
+              <a:schemeClr val="accent6">
                 <a:shade val="50000"/>
               </a:schemeClr>
             </a:lnRef>
             <a:fillRef idx="1">
-              <a:schemeClr val="accent1"/>
+              <a:schemeClr val="accent6"/>
             </a:fillRef>
             <a:effectRef idx="0">
-              <a:schemeClr val="accent1"/>
+              <a:schemeClr val="accent6"/>
+            </a:effectRef>
+            <a:fontRef idx="minor">
+              <a:schemeClr val="lt1"/>
+            </a:fontRef>
+          </p:style>
+          <p:txBody>
+            <a:bodyPr vert="horz" wrap="square" lIns="0" tIns="47565" rIns="0" bIns="47565" numCol="1" rtlCol="0" anchor="b" anchorCtr="0" compatLnSpc="1">
+              <a:prstTxWarp prst="textNoShape">
+                <a:avLst/>
+              </a:prstTxWarp>
+            </a:bodyPr>
+            <a:lstStyle/>
+            <a:p>
+              <a:pPr algn="ctr" defTabSz="950953" fontAlgn="base">
+                <a:spcBef>
+                  <a:spcPct val="0"/>
+                </a:spcBef>
+                <a:spcAft>
+                  <a:spcPct val="0"/>
+                </a:spcAft>
+              </a:pPr>
+              <a:r>
+                <a:rPr lang="en-US" dirty="0">
+                  <a:solidFill>
+                    <a:schemeClr val="tx2"/>
+                  </a:solidFill>
+                </a:rPr>
+                <a:t>Presentation</a:t>
+              </a:r>
+            </a:p>
+          </p:txBody>
+        </p:sp>
+      </p:grpSp>
+      <p:grpSp>
+        <p:nvGrpSpPr>
+          <p:cNvPr id="9" name="creds"/>
+          <p:cNvGrpSpPr/>
+          <p:nvPr/>
+        </p:nvGrpSpPr>
+        <p:grpSpPr>
+          <a:xfrm>
+            <a:off x="2392125" y="2582862"/>
+            <a:ext cx="1865207" cy="3578261"/>
+            <a:chOff x="2344569" y="4350572"/>
+            <a:chExt cx="1828800" cy="1690293"/>
+          </a:xfrm>
+        </p:grpSpPr>
+        <p:sp>
+          <p:nvSpPr>
+            <p:cNvPr id="46" name="present"/>
+            <p:cNvSpPr/>
+            <p:nvPr/>
+          </p:nvSpPr>
+          <p:spPr bwMode="auto">
+            <a:xfrm>
+              <a:off x="2438368" y="4653474"/>
+              <a:ext cx="1662545" cy="794039"/>
+            </a:xfrm>
+            <a:prstGeom prst="rect">
+              <a:avLst/>
+            </a:prstGeom>
+            <a:ln>
+              <a:headEnd type="none" w="med" len="med"/>
+              <a:tailEnd type="none" w="med" len="med"/>
+            </a:ln>
+          </p:spPr>
+          <p:style>
+            <a:lnRef idx="2">
+              <a:schemeClr val="dk1">
+                <a:shade val="50000"/>
+              </a:schemeClr>
+            </a:lnRef>
+            <a:fillRef idx="1">
+              <a:schemeClr val="dk1"/>
+            </a:fillRef>
+            <a:effectRef idx="0">
+              <a:schemeClr val="dk1"/>
             </a:effectRef>
             <a:fontRef idx="minor">
               <a:schemeClr val="lt1"/>
@@ -21434,55 +22593,120 @@
                 </a:spcAft>
               </a:pPr>
               <a:r>
-                <a:rPr lang="en-US" sz="2040" dirty="0">
-                  <a:gradFill>
-                    <a:gsLst>
-                      <a:gs pos="16814">
-                        <a:srgbClr val="FFFFFF"/>
-                      </a:gs>
-                      <a:gs pos="46000">
-                        <a:srgbClr val="FFFFFF"/>
-                      </a:gs>
-                    </a:gsLst>
-                    <a:lin ang="5400000" scaled="0"/>
-                  </a:gradFill>
-                </a:rPr>
-                <a:t>Dir Sync</a:t>
+                <a:rPr lang="en-US" dirty="0"/>
+                <a:t>Varies</a:t>
               </a:r>
             </a:p>
           </p:txBody>
         </p:sp>
         <p:sp>
           <p:nvSpPr>
-            <p:cNvPr id="53" name="Oval 52"/>
+            <p:cNvPr id="51" name="creds"/>
             <p:cNvSpPr/>
             <p:nvPr/>
           </p:nvSpPr>
           <p:spPr bwMode="auto">
             <a:xfrm>
-              <a:off x="270405" y="999716"/>
-              <a:ext cx="1558322" cy="999975"/>
+              <a:off x="2344569" y="4350572"/>
+              <a:ext cx="1828800" cy="1690293"/>
             </a:xfrm>
-            <a:prstGeom prst="ellipse">
+            <a:prstGeom prst="rect">
               <a:avLst/>
             </a:prstGeom>
+            <a:noFill/>
             <a:ln>
-              <a:noFill/>
               <a:headEnd type="none" w="med" len="med"/>
               <a:tailEnd type="none" w="med" len="med"/>
             </a:ln>
           </p:spPr>
           <p:style>
             <a:lnRef idx="2">
-              <a:schemeClr val="accent1">
+              <a:schemeClr val="dk1">
                 <a:shade val="50000"/>
               </a:schemeClr>
             </a:lnRef>
             <a:fillRef idx="1">
-              <a:schemeClr val="accent1"/>
+              <a:schemeClr val="dk1"/>
             </a:fillRef>
             <a:effectRef idx="0">
-              <a:schemeClr val="accent1"/>
+              <a:schemeClr val="dk1"/>
+            </a:effectRef>
+            <a:fontRef idx="minor">
+              <a:schemeClr val="lt1"/>
+            </a:fontRef>
+          </p:style>
+          <p:txBody>
+            <a:bodyPr vert="horz" wrap="square" lIns="0" tIns="47565" rIns="0" bIns="47565" numCol="1" rtlCol="0" anchor="b" anchorCtr="0" compatLnSpc="1">
+              <a:prstTxWarp prst="textNoShape">
+                <a:avLst/>
+              </a:prstTxWarp>
+            </a:bodyPr>
+            <a:lstStyle/>
+            <a:p>
+              <a:pPr algn="ctr" defTabSz="950953" fontAlgn="base">
+                <a:spcBef>
+                  <a:spcPct val="0"/>
+                </a:spcBef>
+                <a:spcAft>
+                  <a:spcPct val="0"/>
+                </a:spcAft>
+              </a:pPr>
+              <a:r>
+                <a:rPr lang="en-US" dirty="0">
+                  <a:solidFill>
+                    <a:schemeClr val="tx2"/>
+                  </a:solidFill>
+                </a:rPr>
+                <a:t>Credentials</a:t>
+              </a:r>
+            </a:p>
+          </p:txBody>
+        </p:sp>
+      </p:grpSp>
+      <p:grpSp>
+        <p:nvGrpSpPr>
+          <p:cNvPr id="10" name="validate"/>
+          <p:cNvGrpSpPr/>
+          <p:nvPr/>
+        </p:nvGrpSpPr>
+        <p:grpSpPr>
+          <a:xfrm>
+            <a:off x="4429421" y="2582862"/>
+            <a:ext cx="1865207" cy="3578261"/>
+            <a:chOff x="4342100" y="4350572"/>
+            <a:chExt cx="1828800" cy="1690293"/>
+          </a:xfrm>
+        </p:grpSpPr>
+        <p:sp>
+          <p:nvSpPr>
+            <p:cNvPr id="47" name="present"/>
+            <p:cNvSpPr/>
+            <p:nvPr/>
+          </p:nvSpPr>
+          <p:spPr bwMode="auto">
+            <a:xfrm>
+              <a:off x="4425228" y="4653474"/>
+              <a:ext cx="1662545" cy="794039"/>
+            </a:xfrm>
+            <a:prstGeom prst="rect">
+              <a:avLst/>
+            </a:prstGeom>
+            <a:ln>
+              <a:headEnd type="none" w="med" len="med"/>
+              <a:tailEnd type="none" w="med" len="med"/>
+            </a:ln>
+          </p:spPr>
+          <p:style>
+            <a:lnRef idx="2">
+              <a:schemeClr val="accent5">
+                <a:shade val="50000"/>
+              </a:schemeClr>
+            </a:lnRef>
+            <a:fillRef idx="1">
+              <a:schemeClr val="accent5"/>
+            </a:fillRef>
+            <a:effectRef idx="0">
+              <a:schemeClr val="accent5"/>
             </a:effectRef>
             <a:fontRef idx="minor">
               <a:schemeClr val="lt1"/>
@@ -21505,55 +22729,118 @@
                 </a:spcAft>
               </a:pPr>
               <a:r>
-                <a:rPr lang="en-US" sz="2040" dirty="0">
-                  <a:gradFill>
-                    <a:gsLst>
-                      <a:gs pos="16814">
-                        <a:srgbClr val="FFFFFF"/>
-                      </a:gs>
-                      <a:gs pos="46000">
-                        <a:srgbClr val="FFFFFF"/>
-                      </a:gs>
-                    </a:gsLst>
-                    <a:lin ang="5400000" scaled="0"/>
-                  </a:gradFill>
-                </a:rPr>
-                <a:t>Shadow account</a:t>
+                <a:rPr lang="en-US" dirty="0"/>
+                <a:t>Varies</a:t>
               </a:r>
             </a:p>
           </p:txBody>
         </p:sp>
         <p:sp>
           <p:nvSpPr>
-            <p:cNvPr id="54" name="Oval 53"/>
+            <p:cNvPr id="52" name="validation"/>
             <p:cNvSpPr/>
             <p:nvPr/>
           </p:nvSpPr>
           <p:spPr bwMode="auto">
             <a:xfrm>
-              <a:off x="9986601" y="886311"/>
-              <a:ext cx="1558322" cy="999975"/>
+              <a:off x="4342100" y="4350572"/>
+              <a:ext cx="1828800" cy="1690293"/>
             </a:xfrm>
-            <a:prstGeom prst="ellipse">
+            <a:prstGeom prst="rect">
+              <a:avLst/>
+            </a:prstGeom>
+            <a:noFill/>
+            <a:ln>
+              <a:headEnd type="none" w="med" len="med"/>
+              <a:tailEnd type="none" w="med" len="med"/>
+            </a:ln>
+          </p:spPr>
+          <p:style>
+            <a:lnRef idx="1">
+              <a:schemeClr val="accent5"/>
+            </a:lnRef>
+            <a:fillRef idx="2">
+              <a:schemeClr val="accent5"/>
+            </a:fillRef>
+            <a:effectRef idx="1">
+              <a:schemeClr val="accent5"/>
+            </a:effectRef>
+            <a:fontRef idx="minor">
+              <a:schemeClr val="dk1"/>
+            </a:fontRef>
+          </p:style>
+          <p:txBody>
+            <a:bodyPr vert="horz" wrap="square" lIns="0" tIns="47565" rIns="0" bIns="47565" numCol="1" rtlCol="0" anchor="b" anchorCtr="0" compatLnSpc="1">
+              <a:prstTxWarp prst="textNoShape">
+                <a:avLst/>
+              </a:prstTxWarp>
+            </a:bodyPr>
+            <a:lstStyle/>
+            <a:p>
+              <a:pPr algn="ctr" defTabSz="950953" fontAlgn="base">
+                <a:spcBef>
+                  <a:spcPct val="0"/>
+                </a:spcBef>
+                <a:spcAft>
+                  <a:spcPct val="0"/>
+                </a:spcAft>
+              </a:pPr>
+              <a:r>
+                <a:rPr lang="en-US" sz="1836" dirty="0">
+                  <a:solidFill>
+                    <a:schemeClr val="tx2"/>
+                  </a:solidFill>
+                </a:rPr>
+                <a:t>Validation</a:t>
+              </a:r>
+            </a:p>
+          </p:txBody>
+        </p:sp>
+      </p:grpSp>
+      <p:grpSp>
+        <p:nvGrpSpPr>
+          <p:cNvPr id="11" name="assume"/>
+          <p:cNvGrpSpPr/>
+          <p:nvPr/>
+        </p:nvGrpSpPr>
+        <p:grpSpPr>
+          <a:xfrm>
+            <a:off x="8186403" y="2582862"/>
+            <a:ext cx="1865207" cy="3578261"/>
+            <a:chOff x="8025750" y="4350572"/>
+            <a:chExt cx="1828800" cy="1690293"/>
+          </a:xfrm>
+        </p:grpSpPr>
+        <p:sp>
+          <p:nvSpPr>
+            <p:cNvPr id="48" name="present"/>
+            <p:cNvSpPr/>
+            <p:nvPr/>
+          </p:nvSpPr>
+          <p:spPr bwMode="auto">
+            <a:xfrm>
+              <a:off x="8109080" y="4653474"/>
+              <a:ext cx="1666589" cy="794039"/>
+            </a:xfrm>
+            <a:prstGeom prst="rect">
               <a:avLst/>
             </a:prstGeom>
             <a:ln>
-              <a:noFill/>
               <a:headEnd type="none" w="med" len="med"/>
               <a:tailEnd type="none" w="med" len="med"/>
             </a:ln>
           </p:spPr>
           <p:style>
             <a:lnRef idx="2">
-              <a:schemeClr val="accent1">
+              <a:schemeClr val="accent3">
                 <a:shade val="50000"/>
               </a:schemeClr>
             </a:lnRef>
             <a:fillRef idx="1">
-              <a:schemeClr val="accent1"/>
+              <a:schemeClr val="accent3"/>
             </a:fillRef>
             <a:effectRef idx="0">
-              <a:schemeClr val="accent1"/>
+              <a:schemeClr val="accent3"/>
             </a:effectRef>
             <a:fontRef idx="minor">
               <a:schemeClr val="lt1"/>
@@ -21576,34 +22863,100 @@
                 </a:spcAft>
               </a:pPr>
               <a:r>
-                <a:rPr lang="en-US" sz="2040" dirty="0">
-                  <a:gradFill>
-                    <a:gsLst>
-                      <a:gs pos="16814">
-                        <a:srgbClr val="FFFFFF"/>
-                      </a:gs>
-                      <a:gs pos="46000">
-                        <a:srgbClr val="FFFFFF"/>
-                      </a:gs>
-                    </a:gsLst>
-                    <a:lin ang="5400000" scaled="0"/>
-                  </a:gradFill>
-                </a:rPr>
-                <a:t>AD account</a:t>
+                <a:rPr lang="en-US" dirty="0"/>
+                <a:t>Varies</a:t>
               </a:r>
             </a:p>
           </p:txBody>
         </p:sp>
         <p:sp>
           <p:nvSpPr>
-            <p:cNvPr id="55" name="present"/>
+            <p:cNvPr id="53" name="assume"/>
             <p:cNvSpPr/>
             <p:nvPr/>
           </p:nvSpPr>
           <p:spPr bwMode="auto">
             <a:xfrm>
-              <a:off x="1628084" y="2686908"/>
-              <a:ext cx="1828800" cy="822960"/>
+              <a:off x="8025750" y="4350572"/>
+              <a:ext cx="1828800" cy="1690293"/>
+            </a:xfrm>
+            <a:prstGeom prst="rect">
+              <a:avLst/>
+            </a:prstGeom>
+            <a:noFill/>
+            <a:ln>
+              <a:headEnd type="none" w="med" len="med"/>
+              <a:tailEnd type="none" w="med" len="med"/>
+            </a:ln>
+          </p:spPr>
+          <p:style>
+            <a:lnRef idx="2">
+              <a:schemeClr val="accent3">
+                <a:shade val="50000"/>
+              </a:schemeClr>
+            </a:lnRef>
+            <a:fillRef idx="1">
+              <a:schemeClr val="accent3"/>
+            </a:fillRef>
+            <a:effectRef idx="0">
+              <a:schemeClr val="accent3"/>
+            </a:effectRef>
+            <a:fontRef idx="minor">
+              <a:schemeClr val="lt1"/>
+            </a:fontRef>
+          </p:style>
+          <p:txBody>
+            <a:bodyPr vert="horz" wrap="square" lIns="0" tIns="47565" rIns="0" bIns="47565" numCol="1" rtlCol="0" anchor="b" anchorCtr="0" compatLnSpc="1">
+              <a:prstTxWarp prst="textNoShape">
+                <a:avLst/>
+              </a:prstTxWarp>
+            </a:bodyPr>
+            <a:lstStyle/>
+            <a:p>
+              <a:pPr algn="ctr" defTabSz="950953" fontAlgn="base">
+                <a:spcBef>
+                  <a:spcPct val="0"/>
+                </a:spcBef>
+                <a:spcAft>
+                  <a:spcPct val="0"/>
+                </a:spcAft>
+              </a:pPr>
+              <a:r>
+                <a:rPr lang="en-US" dirty="0">
+                  <a:solidFill>
+                    <a:schemeClr val="tx2"/>
+                  </a:solidFill>
+                </a:rPr>
+                <a:t>Assumptions</a:t>
+              </a:r>
+            </a:p>
+          </p:txBody>
+        </p:sp>
+      </p:grpSp>
+      <p:grpSp>
+        <p:nvGrpSpPr>
+          <p:cNvPr id="12" name="access"/>
+          <p:cNvGrpSpPr/>
+          <p:nvPr/>
+        </p:nvGrpSpPr>
+        <p:grpSpPr>
+          <a:xfrm>
+            <a:off x="10118346" y="2582862"/>
+            <a:ext cx="1865207" cy="3578261"/>
+            <a:chOff x="9919984" y="4350572"/>
+            <a:chExt cx="1828800" cy="1690293"/>
+          </a:xfrm>
+        </p:grpSpPr>
+        <p:sp>
+          <p:nvSpPr>
+            <p:cNvPr id="49" name="present"/>
+            <p:cNvSpPr/>
+            <p:nvPr/>
+          </p:nvSpPr>
+          <p:spPr bwMode="auto">
+            <a:xfrm>
+              <a:off x="10003112" y="4653474"/>
+              <a:ext cx="1662545" cy="794039"/>
             </a:xfrm>
             <a:prstGeom prst="rect">
               <a:avLst/>
@@ -21615,15 +22968,15 @@
           </p:spPr>
           <p:style>
             <a:lnRef idx="2">
-              <a:schemeClr val="accent1">
+              <a:schemeClr val="accent4">
                 <a:shade val="50000"/>
               </a:schemeClr>
             </a:lnRef>
             <a:fillRef idx="1">
-              <a:schemeClr val="accent1"/>
+              <a:schemeClr val="accent4"/>
             </a:fillRef>
             <a:effectRef idx="0">
-              <a:schemeClr val="accent1"/>
+              <a:schemeClr val="accent4"/>
             </a:effectRef>
             <a:fontRef idx="minor">
               <a:schemeClr val="lt1"/>
@@ -21646,105 +22999,126 @@
                 </a:spcAft>
               </a:pPr>
               <a:r>
-                <a:rPr lang="en-US" sz="1632" dirty="0"/>
-                <a:t>Office 365</a:t>
+                <a:rPr lang="en-US" dirty="0"/>
+                <a:t>Get data </a:t>
+              </a:r>
+            </a:p>
+            <a:p>
+              <a:pPr algn="ctr" defTabSz="950953" fontAlgn="base">
+                <a:spcBef>
+                  <a:spcPct val="0"/>
+                </a:spcBef>
+                <a:spcAft>
+                  <a:spcPct val="0"/>
+                </a:spcAft>
+              </a:pPr>
+              <a:r>
+                <a:rPr lang="en-US" dirty="0"/>
+                <a:t>“on behalf of”</a:t>
               </a:r>
             </a:p>
           </p:txBody>
         </p:sp>
-        <p:cxnSp>
-          <p:nvCxnSpPr>
-            <p:cNvPr id="57" name="Straight Arrow Connector 56"/>
-            <p:cNvCxnSpPr>
-              <a:stCxn id="55" idx="3"/>
-              <a:endCxn id="34" idx="1"/>
-            </p:cNvCxnSpPr>
+        <p:sp>
+          <p:nvSpPr>
+            <p:cNvPr id="54" name="access"/>
+            <p:cNvSpPr/>
             <p:nvPr/>
-          </p:nvCxnSpPr>
-          <p:spPr>
+          </p:nvSpPr>
+          <p:spPr bwMode="auto">
             <a:xfrm>
-              <a:off x="3456884" y="3098388"/>
-              <a:ext cx="1606669" cy="0"/>
+              <a:off x="9919984" y="4350572"/>
+              <a:ext cx="1828800" cy="1690293"/>
             </a:xfrm>
-            <a:prstGeom prst="straightConnector1">
+            <a:prstGeom prst="rect">
               <a:avLst/>
             </a:prstGeom>
-            <a:ln w="57150">
-              <a:solidFill>
-                <a:schemeClr val="tx1"/>
-              </a:solidFill>
-              <a:headEnd type="arrow" w="med" len="med"/>
-              <a:tailEnd type="arrow" w="med" len="med"/>
+            <a:noFill/>
+            <a:ln>
+              <a:headEnd type="none" w="med" len="med"/>
+              <a:tailEnd type="none" w="med" len="med"/>
             </a:ln>
           </p:spPr>
           <p:style>
-            <a:lnRef idx="1">
-              <a:schemeClr val="accent1"/>
+            <a:lnRef idx="2">
+              <a:schemeClr val="accent4">
+                <a:shade val="50000"/>
+              </a:schemeClr>
             </a:lnRef>
-            <a:fillRef idx="0">
-              <a:schemeClr val="accent1"/>
+            <a:fillRef idx="1">
+              <a:schemeClr val="accent4"/>
             </a:fillRef>
             <a:effectRef idx="0">
-              <a:schemeClr val="accent1"/>
+              <a:schemeClr val="accent4"/>
             </a:effectRef>
             <a:fontRef idx="minor">
-              <a:schemeClr val="tx1"/>
+              <a:schemeClr val="lt1"/>
             </a:fontRef>
           </p:style>
-        </p:cxnSp>
-        <p:cxnSp>
-          <p:nvCxnSpPr>
-            <p:cNvPr id="58" name="Straight Arrow Connector 57"/>
-            <p:cNvCxnSpPr>
-              <a:cxnSpLocks/>
-              <a:endCxn id="41" idx="1"/>
-            </p:cNvCxnSpPr>
-            <p:nvPr/>
-          </p:nvCxnSpPr>
-          <p:spPr>
-            <a:xfrm>
-              <a:off x="6618278" y="3098388"/>
-              <a:ext cx="1739002" cy="0"/>
-            </a:xfrm>
-            <a:prstGeom prst="straightConnector1">
-              <a:avLst/>
-            </a:prstGeom>
-            <a:ln w="57150">
-              <a:solidFill>
-                <a:schemeClr val="tx1"/>
-              </a:solidFill>
-              <a:headEnd type="arrow" w="med" len="med"/>
-              <a:tailEnd type="arrow" w="med" len="med"/>
-            </a:ln>
-          </p:spPr>
-          <p:style>
-            <a:lnRef idx="1">
-              <a:schemeClr val="accent1"/>
-            </a:lnRef>
-            <a:fillRef idx="0">
-              <a:schemeClr val="accent1"/>
-            </a:fillRef>
-            <a:effectRef idx="0">
-              <a:schemeClr val="accent1"/>
-            </a:effectRef>
-            <a:fontRef idx="minor">
-              <a:schemeClr val="tx1"/>
-            </a:fontRef>
-          </p:style>
-        </p:cxnSp>
+          <p:txBody>
+            <a:bodyPr vert="horz" wrap="square" lIns="0" tIns="47565" rIns="0" bIns="47565" numCol="1" rtlCol="0" anchor="b" anchorCtr="0" compatLnSpc="1">
+              <a:prstTxWarp prst="textNoShape">
+                <a:avLst/>
+              </a:prstTxWarp>
+            </a:bodyPr>
+            <a:lstStyle/>
+            <a:p>
+              <a:pPr algn="ctr" defTabSz="950953" fontAlgn="base">
+                <a:spcBef>
+                  <a:spcPct val="0"/>
+                </a:spcBef>
+                <a:spcAft>
+                  <a:spcPct val="0"/>
+                </a:spcAft>
+              </a:pPr>
+              <a:r>
+                <a:rPr lang="en-US" dirty="0">
+                  <a:solidFill>
+                    <a:schemeClr val="tx2"/>
+                  </a:solidFill>
+                </a:rPr>
+                <a:t>Access control</a:t>
+              </a:r>
+            </a:p>
+          </p:txBody>
+        </p:sp>
       </p:grpSp>
       <p:sp>
         <p:nvSpPr>
-          <p:cNvPr id="60" name="present"/>
+          <p:cNvPr id="4" name="Title 3"/>
+          <p:cNvSpPr>
+            <a:spLocks noGrp="1"/>
+          </p:cNvSpPr>
+          <p:nvPr>
+            <p:ph type="title"/>
+          </p:nvPr>
+        </p:nvSpPr>
+        <p:spPr/>
+        <p:txBody>
+          <a:bodyPr>
+            <a:normAutofit fontScale="90000"/>
+          </a:bodyPr>
+          <a:lstStyle/>
+          <a:p>
+            <a:r>
+              <a:rPr lang="en-US" dirty="0"/>
+              <a:t>Specific Sign In + Impersonation/Trusted Subsystem</a:t>
+            </a:r>
+          </a:p>
+        </p:txBody>
+      </p:sp>
+      <p:sp>
+        <p:nvSpPr>
+          <p:cNvPr id="38" name="authninfo"/>
           <p:cNvSpPr/>
           <p:nvPr/>
         </p:nvSpPr>
         <p:spPr bwMode="auto">
           <a:xfrm>
-            <a:off x="2499903" y="3827434"/>
-            <a:ext cx="1695642" cy="809846"/>
+            <a:off x="6368941" y="2524227"/>
+            <a:ext cx="1732682" cy="4180866"/>
           </a:xfrm>
-          <a:prstGeom prst="rect">
+          <a:prstGeom prst="homePlate">
             <a:avLst/>
           </a:prstGeom>
           <a:ln>
@@ -21753,23 +23127,21 @@
           </a:ln>
         </p:spPr>
         <p:style>
-          <a:lnRef idx="2">
-            <a:schemeClr val="dk1">
-              <a:shade val="50000"/>
-            </a:schemeClr>
+          <a:lnRef idx="0">
+            <a:schemeClr val="accent6"/>
           </a:lnRef>
-          <a:fillRef idx="1">
-            <a:schemeClr val="dk1"/>
+          <a:fillRef idx="3">
+            <a:schemeClr val="accent6"/>
           </a:fillRef>
-          <a:effectRef idx="0">
-            <a:schemeClr val="dk1"/>
+          <a:effectRef idx="3">
+            <a:schemeClr val="accent6"/>
           </a:effectRef>
           <a:fontRef idx="minor">
             <a:schemeClr val="lt1"/>
           </a:fontRef>
         </p:style>
         <p:txBody>
-          <a:bodyPr vert="horz" wrap="square" lIns="0" tIns="47565" rIns="0" bIns="47565" numCol="1" rtlCol="0" anchor="ctr" anchorCtr="0" compatLnSpc="1">
+          <a:bodyPr vert="horz" wrap="square" lIns="93260" tIns="47565" rIns="93260" bIns="47565" numCol="1" rtlCol="0" anchor="ctr" anchorCtr="0" compatLnSpc="1">
             <a:prstTxWarp prst="textNoShape">
               <a:avLst/>
             </a:prstTxWarp>
@@ -21785,294 +23157,23 @@
               </a:spcAft>
             </a:pPr>
             <a:r>
-              <a:rPr lang="en-US" sz="1632" dirty="0"/>
-              <a:t>“Good enough”</a:t>
+              <a:rPr lang="en-US" sz="2040" dirty="0"/>
+              <a:t>Auth context passed via HTTP post, </a:t>
+            </a:r>
+            <a:r>
+              <a:rPr lang="en-US" sz="2040" dirty="0" err="1"/>
+              <a:t>url</a:t>
+            </a:r>
+            <a:r>
+              <a:rPr lang="en-US" sz="2040" dirty="0"/>
+              <a:t>, cookies</a:t>
             </a:r>
           </a:p>
         </p:txBody>
       </p:sp>
       <p:sp>
         <p:nvSpPr>
-          <p:cNvPr id="61" name="present"/>
-          <p:cNvSpPr/>
-          <p:nvPr/>
-        </p:nvSpPr>
-        <p:spPr bwMode="auto">
-          <a:xfrm>
-            <a:off x="4548082" y="3827433"/>
-            <a:ext cx="1695642" cy="809846"/>
-          </a:xfrm>
-          <a:prstGeom prst="rect">
-            <a:avLst/>
-          </a:prstGeom>
-          <a:ln>
-            <a:headEnd type="none" w="med" len="med"/>
-            <a:tailEnd type="none" w="med" len="med"/>
-          </a:ln>
-        </p:spPr>
-        <p:style>
-          <a:lnRef idx="3">
-            <a:schemeClr val="lt1"/>
-          </a:lnRef>
-          <a:fillRef idx="1">
-            <a:schemeClr val="accent5"/>
-          </a:fillRef>
-          <a:effectRef idx="1">
-            <a:schemeClr val="accent5"/>
-          </a:effectRef>
-          <a:fontRef idx="minor">
-            <a:schemeClr val="lt1"/>
-          </a:fontRef>
-        </p:style>
-        <p:txBody>
-          <a:bodyPr vert="horz" wrap="square" lIns="0" tIns="47565" rIns="0" bIns="47565" numCol="1" rtlCol="0" anchor="ctr" anchorCtr="0" compatLnSpc="1">
-            <a:prstTxWarp prst="textNoShape">
-              <a:avLst/>
-            </a:prstTxWarp>
-          </a:bodyPr>
-          <a:lstStyle/>
-          <a:p>
-            <a:pPr algn="ctr" defTabSz="950953" fontAlgn="base">
-              <a:spcBef>
-                <a:spcPct val="0"/>
-              </a:spcBef>
-              <a:spcAft>
-                <a:spcPct val="0"/>
-              </a:spcAft>
-            </a:pPr>
-            <a:r>
-              <a:rPr lang="en-US" sz="1632" dirty="0"/>
-              <a:t>Claims, MFA</a:t>
-            </a:r>
-          </a:p>
-        </p:txBody>
-      </p:sp>
-      <p:sp>
-        <p:nvSpPr>
-          <p:cNvPr id="62" name="Right Arrow Callout 61"/>
-          <p:cNvSpPr/>
-          <p:nvPr/>
-        </p:nvSpPr>
-        <p:spPr>
-          <a:xfrm>
-            <a:off x="6418743" y="3827433"/>
-            <a:ext cx="1643545" cy="809846"/>
-          </a:xfrm>
-          <a:prstGeom prst="rightArrowCallout">
-            <a:avLst/>
-          </a:prstGeom>
-          <a:ln>
-            <a:solidFill>
-              <a:schemeClr val="tx1"/>
-            </a:solidFill>
-            <a:headEnd type="none"/>
-            <a:tailEnd type="none"/>
-          </a:ln>
-        </p:spPr>
-        <p:style>
-          <a:lnRef idx="1">
-            <a:schemeClr val="accent1"/>
-          </a:lnRef>
-          <a:fillRef idx="0">
-            <a:schemeClr val="accent1"/>
-          </a:fillRef>
-          <a:effectRef idx="0">
-            <a:schemeClr val="accent1"/>
-          </a:effectRef>
-          <a:fontRef idx="minor">
-            <a:schemeClr val="tx1"/>
-          </a:fontRef>
-        </p:style>
-        <p:txBody>
-          <a:bodyPr rtlCol="0" anchor="ctr"/>
-          <a:lstStyle/>
-          <a:p>
-            <a:pPr algn="ctr"/>
-            <a:r>
-              <a:rPr lang="en-US" sz="1836" dirty="0"/>
-              <a:t>Office 365</a:t>
-            </a:r>
-          </a:p>
-        </p:txBody>
-      </p:sp>
-      <p:sp>
-        <p:nvSpPr>
-          <p:cNvPr id="63" name="Right Arrow Callout 62"/>
-          <p:cNvSpPr/>
-          <p:nvPr/>
-        </p:nvSpPr>
-        <p:spPr>
-          <a:xfrm>
-            <a:off x="6418743" y="4785335"/>
-            <a:ext cx="1643545" cy="809846"/>
-          </a:xfrm>
-          <a:prstGeom prst="rightArrowCallout">
-            <a:avLst/>
-          </a:prstGeom>
-          <a:ln>
-            <a:solidFill>
-              <a:schemeClr val="tx1"/>
-            </a:solidFill>
-            <a:headEnd type="none"/>
-            <a:tailEnd type="none"/>
-          </a:ln>
-        </p:spPr>
-        <p:style>
-          <a:lnRef idx="1">
-            <a:schemeClr val="accent1"/>
-          </a:lnRef>
-          <a:fillRef idx="0">
-            <a:schemeClr val="accent1"/>
-          </a:fillRef>
-          <a:effectRef idx="0">
-            <a:schemeClr val="accent1"/>
-          </a:effectRef>
-          <a:fontRef idx="minor">
-            <a:schemeClr val="tx1"/>
-          </a:fontRef>
-        </p:style>
-        <p:txBody>
-          <a:bodyPr rtlCol="0" anchor="ctr"/>
-          <a:lstStyle/>
-          <a:p>
-            <a:pPr algn="ctr"/>
-            <a:r>
-              <a:rPr lang="en-US" sz="1836" dirty="0"/>
-              <a:t>ADFS</a:t>
-            </a:r>
-          </a:p>
-        </p:txBody>
-      </p:sp>
-      <p:grpSp>
-        <p:nvGrpSpPr>
-          <p:cNvPr id="4" name="Group 3"/>
-          <p:cNvGrpSpPr/>
-          <p:nvPr/>
-        </p:nvGrpSpPr>
-        <p:grpSpPr>
-          <a:xfrm>
-            <a:off x="4634808" y="1632522"/>
-            <a:ext cx="6764500" cy="1079628"/>
-            <a:chOff x="4543477" y="1600657"/>
-            <a:chExt cx="6632465" cy="1058555"/>
-          </a:xfrm>
-        </p:grpSpPr>
-        <p:sp>
-          <p:nvSpPr>
-            <p:cNvPr id="3" name="Right Arrow 2"/>
-            <p:cNvSpPr/>
-            <p:nvPr/>
-          </p:nvSpPr>
-          <p:spPr bwMode="auto">
-            <a:xfrm>
-              <a:off x="7090281" y="2100146"/>
-              <a:ext cx="4085661" cy="514179"/>
-            </a:xfrm>
-            <a:prstGeom prst="rightArrow">
-              <a:avLst/>
-            </a:prstGeom>
-            <a:ln>
-              <a:headEnd type="none" w="med" len="med"/>
-              <a:tailEnd type="none" w="med" len="med"/>
-            </a:ln>
-          </p:spPr>
-          <p:style>
-            <a:lnRef idx="2">
-              <a:schemeClr val="accent1"/>
-            </a:lnRef>
-            <a:fillRef idx="1">
-              <a:schemeClr val="lt1"/>
-            </a:fillRef>
-            <a:effectRef idx="0">
-              <a:schemeClr val="accent1"/>
-            </a:effectRef>
-            <a:fontRef idx="minor">
-              <a:schemeClr val="dk1"/>
-            </a:fontRef>
-          </p:style>
-          <p:txBody>
-            <a:bodyPr vert="horz" wrap="square" lIns="0" tIns="47565" rIns="0" bIns="47565" numCol="1" rtlCol="0" anchor="ctr" anchorCtr="0" compatLnSpc="1">
-              <a:prstTxWarp prst="textNoShape">
-                <a:avLst/>
-              </a:prstTxWarp>
-            </a:bodyPr>
-            <a:lstStyle/>
-            <a:p>
-              <a:pPr algn="ctr" defTabSz="950953" fontAlgn="base">
-                <a:spcBef>
-                  <a:spcPct val="0"/>
-                </a:spcBef>
-                <a:spcAft>
-                  <a:spcPct val="0"/>
-                </a:spcAft>
-              </a:pPr>
-              <a:r>
-                <a:rPr lang="en-US" sz="1836" dirty="0"/>
-                <a:t>Kerberos on premises</a:t>
-              </a:r>
-            </a:p>
-          </p:txBody>
-        </p:sp>
-        <p:sp>
-          <p:nvSpPr>
-            <p:cNvPr id="2" name="Cloud Callout 1"/>
-            <p:cNvSpPr/>
-            <p:nvPr/>
-          </p:nvSpPr>
-          <p:spPr bwMode="auto">
-            <a:xfrm>
-              <a:off x="4543477" y="1600657"/>
-              <a:ext cx="3089223" cy="1058555"/>
-            </a:xfrm>
-            <a:prstGeom prst="cloudCallout">
-              <a:avLst/>
-            </a:prstGeom>
-            <a:ln>
-              <a:headEnd type="none" w="med" len="med"/>
-              <a:tailEnd type="none" w="med" len="med"/>
-            </a:ln>
-          </p:spPr>
-          <p:style>
-            <a:lnRef idx="2">
-              <a:schemeClr val="accent1"/>
-            </a:lnRef>
-            <a:fillRef idx="1">
-              <a:schemeClr val="lt1"/>
-            </a:fillRef>
-            <a:effectRef idx="0">
-              <a:schemeClr val="accent1"/>
-            </a:effectRef>
-            <a:fontRef idx="minor">
-              <a:schemeClr val="dk1"/>
-            </a:fontRef>
-          </p:style>
-          <p:txBody>
-            <a:bodyPr vert="horz" wrap="square" lIns="0" tIns="47565" rIns="0" bIns="47565" numCol="1" rtlCol="0" anchor="ctr" anchorCtr="0" compatLnSpc="1">
-              <a:prstTxWarp prst="textNoShape">
-                <a:avLst/>
-              </a:prstTxWarp>
-            </a:bodyPr>
-            <a:lstStyle/>
-            <a:p>
-              <a:pPr algn="ctr" defTabSz="950953" fontAlgn="base">
-                <a:spcBef>
-                  <a:spcPct val="0"/>
-                </a:spcBef>
-                <a:spcAft>
-                  <a:spcPct val="0"/>
-                </a:spcAft>
-              </a:pPr>
-              <a:r>
-                <a:rPr lang="en-US" sz="1836" dirty="0"/>
-                <a:t>UPN@domain.com</a:t>
-              </a:r>
-            </a:p>
-          </p:txBody>
-        </p:sp>
-      </p:grpSp>
-      <p:sp>
-        <p:nvSpPr>
-          <p:cNvPr id="35" name="present"/>
+          <p:cNvPr id="39" name="present"/>
           <p:cNvSpPr/>
           <p:nvPr/>
         </p:nvSpPr>
@@ -22130,7 +23231,7 @@
       </p:sp>
       <p:sp>
         <p:nvSpPr>
-          <p:cNvPr id="36" name="creds"/>
+          <p:cNvPr id="40" name="creds"/>
           <p:cNvSpPr/>
           <p:nvPr/>
         </p:nvSpPr>
@@ -22188,7 +23289,7 @@
       </p:sp>
       <p:sp>
         <p:nvSpPr>
-          <p:cNvPr id="37" name="validation"/>
+          <p:cNvPr id="41" name="validation"/>
           <p:cNvSpPr/>
           <p:nvPr/>
         </p:nvSpPr>
@@ -22246,7 +23347,7 @@
       </p:sp>
       <p:sp>
         <p:nvSpPr>
-          <p:cNvPr id="38" name="assume"/>
+          <p:cNvPr id="43" name="assume"/>
           <p:cNvSpPr/>
           <p:nvPr/>
         </p:nvSpPr>
@@ -22304,7 +23405,7 @@
       </p:sp>
       <p:sp>
         <p:nvSpPr>
-          <p:cNvPr id="39" name="access"/>
+          <p:cNvPr id="55" name="access"/>
           <p:cNvSpPr/>
           <p:nvPr/>
         </p:nvSpPr>
@@ -22360,10 +23461,244 @@
           </a:p>
         </p:txBody>
       </p:sp>
+      <p:sp>
+        <p:nvSpPr>
+          <p:cNvPr id="56" name="Right Brace 55"/>
+          <p:cNvSpPr/>
+          <p:nvPr/>
+        </p:nvSpPr>
+        <p:spPr bwMode="auto">
+          <a:xfrm rot="16200000">
+            <a:off x="9776833" y="311246"/>
+            <a:ext cx="668194" cy="3797151"/>
+          </a:xfrm>
+          <a:prstGeom prst="rightBrace">
+            <a:avLst/>
+          </a:prstGeom>
+          <a:noFill/>
+          <a:ln w="38100">
+            <a:headEnd type="none" w="med" len="med"/>
+            <a:tailEnd type="none" w="med" len="med"/>
+          </a:ln>
+        </p:spPr>
+        <p:style>
+          <a:lnRef idx="2">
+            <a:schemeClr val="dk1"/>
+          </a:lnRef>
+          <a:fillRef idx="1">
+            <a:schemeClr val="lt1"/>
+          </a:fillRef>
+          <a:effectRef idx="0">
+            <a:schemeClr val="dk1"/>
+          </a:effectRef>
+          <a:fontRef idx="minor">
+            <a:schemeClr val="dk1"/>
+          </a:fontRef>
+        </p:style>
+        <p:txBody>
+          <a:bodyPr vert="horz" wrap="square" lIns="0" tIns="47565" rIns="0" bIns="47565" numCol="1" rtlCol="0" anchor="ctr" anchorCtr="0" compatLnSpc="1">
+            <a:prstTxWarp prst="textNoShape">
+              <a:avLst/>
+            </a:prstTxWarp>
+          </a:bodyPr>
+          <a:lstStyle/>
+          <a:p>
+            <a:pPr algn="ctr" defTabSz="950953" fontAlgn="base">
+              <a:spcBef>
+                <a:spcPct val="0"/>
+              </a:spcBef>
+              <a:spcAft>
+                <a:spcPct val="0"/>
+              </a:spcAft>
+            </a:pPr>
+            <a:endParaRPr lang="en-US" sz="2040" dirty="0">
+              <a:gradFill>
+                <a:gsLst>
+                  <a:gs pos="16814">
+                    <a:srgbClr val="FFFFFF"/>
+                  </a:gs>
+                  <a:gs pos="46000">
+                    <a:srgbClr val="FFFFFF"/>
+                  </a:gs>
+                </a:gsLst>
+                <a:lin ang="5400000" scaled="0"/>
+              </a:gradFill>
+            </a:endParaRPr>
+          </a:p>
+        </p:txBody>
+      </p:sp>
+      <p:sp>
+        <p:nvSpPr>
+          <p:cNvPr id="57" name="Rectangle 56"/>
+          <p:cNvSpPr/>
+          <p:nvPr/>
+        </p:nvSpPr>
+        <p:spPr>
+          <a:xfrm>
+            <a:off x="8724077" y="1516062"/>
+            <a:ext cx="2730755" cy="343492"/>
+          </a:xfrm>
+          <a:prstGeom prst="rect">
+            <a:avLst/>
+          </a:prstGeom>
+          <a:ln w="38100"/>
+        </p:spPr>
+        <p:style>
+          <a:lnRef idx="1">
+            <a:schemeClr val="dk1"/>
+          </a:lnRef>
+          <a:fillRef idx="2">
+            <a:schemeClr val="dk1"/>
+          </a:fillRef>
+          <a:effectRef idx="1">
+            <a:schemeClr val="dk1"/>
+          </a:effectRef>
+          <a:fontRef idx="minor">
+            <a:schemeClr val="dk1"/>
+          </a:fontRef>
+        </p:style>
+        <p:txBody>
+          <a:bodyPr wrap="square">
+            <a:spAutoFit/>
+          </a:bodyPr>
+          <a:lstStyle/>
+          <a:p>
+            <a:pPr algn="ctr" defTabSz="950953" fontAlgn="base">
+              <a:spcBef>
+                <a:spcPct val="0"/>
+              </a:spcBef>
+              <a:spcAft>
+                <a:spcPct val="0"/>
+              </a:spcAft>
+            </a:pPr>
+            <a:r>
+              <a:rPr lang="en-US" sz="1632" dirty="0"/>
+              <a:t>Application identity </a:t>
+            </a:r>
+          </a:p>
+        </p:txBody>
+      </p:sp>
+      <p:sp>
+        <p:nvSpPr>
+          <p:cNvPr id="58" name="Right Brace 57"/>
+          <p:cNvSpPr/>
+          <p:nvPr/>
+        </p:nvSpPr>
+        <p:spPr bwMode="auto">
+          <a:xfrm rot="16200000">
+            <a:off x="2991277" y="-736771"/>
+            <a:ext cx="668194" cy="5938512"/>
+          </a:xfrm>
+          <a:prstGeom prst="rightBrace">
+            <a:avLst/>
+          </a:prstGeom>
+          <a:noFill/>
+          <a:ln w="38100">
+            <a:headEnd type="none" w="med" len="med"/>
+            <a:tailEnd type="none" w="med" len="med"/>
+          </a:ln>
+        </p:spPr>
+        <p:style>
+          <a:lnRef idx="2">
+            <a:schemeClr val="dk1"/>
+          </a:lnRef>
+          <a:fillRef idx="1">
+            <a:schemeClr val="lt1"/>
+          </a:fillRef>
+          <a:effectRef idx="0">
+            <a:schemeClr val="dk1"/>
+          </a:effectRef>
+          <a:fontRef idx="minor">
+            <a:schemeClr val="dk1"/>
+          </a:fontRef>
+        </p:style>
+        <p:txBody>
+          <a:bodyPr vert="horz" wrap="square" lIns="0" tIns="47565" rIns="0" bIns="47565" numCol="1" rtlCol="0" anchor="ctr" anchorCtr="0" compatLnSpc="1">
+            <a:prstTxWarp prst="textNoShape">
+              <a:avLst/>
+            </a:prstTxWarp>
+          </a:bodyPr>
+          <a:lstStyle/>
+          <a:p>
+            <a:pPr algn="ctr" defTabSz="950953" fontAlgn="base">
+              <a:spcBef>
+                <a:spcPct val="0"/>
+              </a:spcBef>
+              <a:spcAft>
+                <a:spcPct val="0"/>
+              </a:spcAft>
+            </a:pPr>
+            <a:endParaRPr lang="en-US" sz="2040" dirty="0">
+              <a:gradFill>
+                <a:gsLst>
+                  <a:gs pos="16814">
+                    <a:srgbClr val="FFFFFF"/>
+                  </a:gs>
+                  <a:gs pos="46000">
+                    <a:srgbClr val="FFFFFF"/>
+                  </a:gs>
+                </a:gsLst>
+                <a:lin ang="5400000" scaled="0"/>
+              </a:gradFill>
+            </a:endParaRPr>
+          </a:p>
+        </p:txBody>
+      </p:sp>
+      <p:sp>
+        <p:nvSpPr>
+          <p:cNvPr id="59" name="Rectangle 58"/>
+          <p:cNvSpPr/>
+          <p:nvPr/>
+        </p:nvSpPr>
+        <p:spPr>
+          <a:xfrm>
+            <a:off x="1959350" y="1516062"/>
+            <a:ext cx="2730755" cy="343492"/>
+          </a:xfrm>
+          <a:prstGeom prst="rect">
+            <a:avLst/>
+          </a:prstGeom>
+          <a:ln w="38100"/>
+        </p:spPr>
+        <p:style>
+          <a:lnRef idx="1">
+            <a:schemeClr val="dk1"/>
+          </a:lnRef>
+          <a:fillRef idx="2">
+            <a:schemeClr val="dk1"/>
+          </a:fillRef>
+          <a:effectRef idx="1">
+            <a:schemeClr val="dk1"/>
+          </a:effectRef>
+          <a:fontRef idx="minor">
+            <a:schemeClr val="dk1"/>
+          </a:fontRef>
+        </p:style>
+        <p:txBody>
+          <a:bodyPr wrap="square">
+            <a:spAutoFit/>
+          </a:bodyPr>
+          <a:lstStyle/>
+          <a:p>
+            <a:pPr algn="ctr" defTabSz="950953" fontAlgn="base">
+              <a:spcBef>
+                <a:spcPct val="0"/>
+              </a:spcBef>
+              <a:spcAft>
+                <a:spcPct val="0"/>
+              </a:spcAft>
+            </a:pPr>
+            <a:r>
+              <a:rPr lang="en-US" sz="1632" dirty="0"/>
+              <a:t>Actual user identity</a:t>
+            </a:r>
+          </a:p>
+        </p:txBody>
+      </p:sp>
     </p:spTree>
     <p:extLst>
       <p:ext uri="{BB962C8B-B14F-4D97-AF65-F5344CB8AC3E}">
-        <p14:creationId xmlns:p14="http://schemas.microsoft.com/office/powerpoint/2010/main" val="1078974265"/>
+        <p14:creationId xmlns:p14="http://schemas.microsoft.com/office/powerpoint/2010/main" val="3608000967"/>
       </p:ext>
     </p:extLst>
   </p:cSld>
@@ -22373,10 +23708,220 @@
   <p:transition>
     <p:fade/>
   </p:transition>
+  <p:timing>
+    <p:tnLst>
+      <p:par>
+        <p:cTn id="1" dur="indefinite" restart="never" nodeType="tmRoot">
+          <p:childTnLst>
+            <p:seq concurrent="1" nextAc="seek">
+              <p:cTn id="2" dur="indefinite" nodeType="mainSeq">
+                <p:childTnLst>
+                  <p:par>
+                    <p:cTn id="3" fill="hold">
+                      <p:stCondLst>
+                        <p:cond delay="indefinite"/>
+                      </p:stCondLst>
+                      <p:childTnLst>
+                        <p:par>
+                          <p:cTn id="4" fill="hold">
+                            <p:stCondLst>
+                              <p:cond delay="0"/>
+                            </p:stCondLst>
+                            <p:childTnLst>
+                              <p:par>
+                                <p:cTn id="5" presetID="1" presetClass="entr" presetSubtype="0" fill="hold" nodeType="clickEffect">
+                                  <p:stCondLst>
+                                    <p:cond delay="0"/>
+                                  </p:stCondLst>
+                                  <p:childTnLst>
+                                    <p:set>
+                                      <p:cBhvr>
+                                        <p:cTn id="6" dur="1" fill="hold">
+                                          <p:stCondLst>
+                                            <p:cond delay="0"/>
+                                          </p:stCondLst>
+                                        </p:cTn>
+                                        <p:tgtEl>
+                                          <p:spTgt spid="8"/>
+                                        </p:tgtEl>
+                                        <p:attrNameLst>
+                                          <p:attrName>style.visibility</p:attrName>
+                                        </p:attrNameLst>
+                                      </p:cBhvr>
+                                      <p:to>
+                                        <p:strVal val="visible"/>
+                                      </p:to>
+                                    </p:set>
+                                  </p:childTnLst>
+                                </p:cTn>
+                              </p:par>
+                            </p:childTnLst>
+                          </p:cTn>
+                        </p:par>
+                      </p:childTnLst>
+                    </p:cTn>
+                  </p:par>
+                  <p:par>
+                    <p:cTn id="7" fill="hold">
+                      <p:stCondLst>
+                        <p:cond delay="indefinite"/>
+                      </p:stCondLst>
+                      <p:childTnLst>
+                        <p:par>
+                          <p:cTn id="8" fill="hold">
+                            <p:stCondLst>
+                              <p:cond delay="0"/>
+                            </p:stCondLst>
+                            <p:childTnLst>
+                              <p:par>
+                                <p:cTn id="9" presetID="1" presetClass="entr" presetSubtype="0" fill="hold" nodeType="clickEffect">
+                                  <p:stCondLst>
+                                    <p:cond delay="0"/>
+                                  </p:stCondLst>
+                                  <p:childTnLst>
+                                    <p:set>
+                                      <p:cBhvr>
+                                        <p:cTn id="10" dur="1" fill="hold">
+                                          <p:stCondLst>
+                                            <p:cond delay="0"/>
+                                          </p:stCondLst>
+                                        </p:cTn>
+                                        <p:tgtEl>
+                                          <p:spTgt spid="9"/>
+                                        </p:tgtEl>
+                                        <p:attrNameLst>
+                                          <p:attrName>style.visibility</p:attrName>
+                                        </p:attrNameLst>
+                                      </p:cBhvr>
+                                      <p:to>
+                                        <p:strVal val="visible"/>
+                                      </p:to>
+                                    </p:set>
+                                  </p:childTnLst>
+                                </p:cTn>
+                              </p:par>
+                              <p:par>
+                                <p:cTn id="11" presetID="1" presetClass="entr" presetSubtype="0" fill="hold" nodeType="withEffect">
+                                  <p:stCondLst>
+                                    <p:cond delay="0"/>
+                                  </p:stCondLst>
+                                  <p:childTnLst>
+                                    <p:set>
+                                      <p:cBhvr>
+                                        <p:cTn id="12" dur="1" fill="hold">
+                                          <p:stCondLst>
+                                            <p:cond delay="0"/>
+                                          </p:stCondLst>
+                                        </p:cTn>
+                                        <p:tgtEl>
+                                          <p:spTgt spid="10"/>
+                                        </p:tgtEl>
+                                        <p:attrNameLst>
+                                          <p:attrName>style.visibility</p:attrName>
+                                        </p:attrNameLst>
+                                      </p:cBhvr>
+                                      <p:to>
+                                        <p:strVal val="visible"/>
+                                      </p:to>
+                                    </p:set>
+                                  </p:childTnLst>
+                                </p:cTn>
+                              </p:par>
+                            </p:childTnLst>
+                          </p:cTn>
+                        </p:par>
+                        <p:par>
+                          <p:cTn id="13" fill="hold">
+                            <p:stCondLst>
+                              <p:cond delay="0"/>
+                            </p:stCondLst>
+                            <p:childTnLst>
+                              <p:par>
+                                <p:cTn id="14" presetID="1" presetClass="entr" presetSubtype="0" fill="hold" nodeType="afterEffect">
+                                  <p:stCondLst>
+                                    <p:cond delay="0"/>
+                                  </p:stCondLst>
+                                  <p:childTnLst>
+                                    <p:set>
+                                      <p:cBhvr>
+                                        <p:cTn id="15" dur="1" fill="hold">
+                                          <p:stCondLst>
+                                            <p:cond delay="0"/>
+                                          </p:stCondLst>
+                                        </p:cTn>
+                                        <p:tgtEl>
+                                          <p:spTgt spid="11"/>
+                                        </p:tgtEl>
+                                        <p:attrNameLst>
+                                          <p:attrName>style.visibility</p:attrName>
+                                        </p:attrNameLst>
+                                      </p:cBhvr>
+                                      <p:to>
+                                        <p:strVal val="visible"/>
+                                      </p:to>
+                                    </p:set>
+                                  </p:childTnLst>
+                                </p:cTn>
+                              </p:par>
+                              <p:par>
+                                <p:cTn id="16" presetID="1" presetClass="entr" presetSubtype="0" fill="hold" nodeType="withEffect">
+                                  <p:stCondLst>
+                                    <p:cond delay="0"/>
+                                  </p:stCondLst>
+                                  <p:childTnLst>
+                                    <p:set>
+                                      <p:cBhvr>
+                                        <p:cTn id="17" dur="1" fill="hold">
+                                          <p:stCondLst>
+                                            <p:cond delay="0"/>
+                                          </p:stCondLst>
+                                        </p:cTn>
+                                        <p:tgtEl>
+                                          <p:spTgt spid="12"/>
+                                        </p:tgtEl>
+                                        <p:attrNameLst>
+                                          <p:attrName>style.visibility</p:attrName>
+                                        </p:attrNameLst>
+                                      </p:cBhvr>
+                                      <p:to>
+                                        <p:strVal val="visible"/>
+                                      </p:to>
+                                    </p:set>
+                                  </p:childTnLst>
+                                </p:cTn>
+                              </p:par>
+                            </p:childTnLst>
+                          </p:cTn>
+                        </p:par>
+                      </p:childTnLst>
+                    </p:cTn>
+                  </p:par>
+                </p:childTnLst>
+              </p:cTn>
+              <p:prevCondLst>
+                <p:cond evt="onPrev" delay="0">
+                  <p:tgtEl>
+                    <p:sldTgt/>
+                  </p:tgtEl>
+                </p:cond>
+              </p:prevCondLst>
+              <p:nextCondLst>
+                <p:cond evt="onNext" delay="0">
+                  <p:tgtEl>
+                    <p:sldTgt/>
+                  </p:tgtEl>
+                </p:cond>
+              </p:nextCondLst>
+            </p:seq>
+          </p:childTnLst>
+        </p:cTn>
+      </p:par>
+    </p:tnLst>
+  </p:timing>
 </p:sld>
 </file>
 
-<file path=ppt/slides/slide16.xml><?xml version="1.0" encoding="utf-8"?>
+<file path=ppt/slides/slide19.xml><?xml version="1.0" encoding="utf-8"?>
 <p:sld xmlns:a="http://schemas.openxmlformats.org/drawingml/2006/main" xmlns:r="http://schemas.openxmlformats.org/officeDocument/2006/relationships" xmlns:p="http://schemas.openxmlformats.org/presentationml/2006/main">
   <p:cSld>
     <p:spTree>
@@ -22410,7 +23955,7 @@
           <a:p>
             <a:r>
               <a:rPr lang="en-US" dirty="0"/>
-              <a:t>Demo: Federated Sign In</a:t>
+              <a:t>Demo: Impersonate User</a:t>
             </a:r>
           </a:p>
         </p:txBody>
@@ -22437,7 +23982,7 @@
     </p:spTree>
     <p:extLst>
       <p:ext uri="{BB962C8B-B14F-4D97-AF65-F5344CB8AC3E}">
-        <p14:creationId xmlns:p14="http://schemas.microsoft.com/office/powerpoint/2010/main" val="3527654080"/>
+        <p14:creationId xmlns:p14="http://schemas.microsoft.com/office/powerpoint/2010/main" val="2411111031"/>
       </p:ext>
     </p:extLst>
   </p:cSld>
@@ -22456,323 +24001,6 @@
       </p:transition>
     </mc:Fallback>
   </mc:AlternateContent>
-</p:sld>
-</file>
-
-<file path=ppt/slides/slide17.xml><?xml version="1.0" encoding="utf-8"?>
-<p:sld xmlns:a="http://schemas.openxmlformats.org/drawingml/2006/main" xmlns:r="http://schemas.openxmlformats.org/officeDocument/2006/relationships" xmlns:p="http://schemas.openxmlformats.org/presentationml/2006/main">
-  <p:cSld>
-    <p:spTree>
-      <p:nvGrpSpPr>
-        <p:cNvPr id="1" name=""/>
-        <p:cNvGrpSpPr/>
-        <p:nvPr/>
-      </p:nvGrpSpPr>
-      <p:grpSpPr>
-        <a:xfrm>
-          <a:off x="0" y="0"/>
-          <a:ext cx="0" cy="0"/>
-          <a:chOff x="0" y="0"/>
-          <a:chExt cx="0" cy="0"/>
-        </a:xfrm>
-      </p:grpSpPr>
-      <p:sp>
-        <p:nvSpPr>
-          <p:cNvPr id="4" name="Title 3"/>
-          <p:cNvSpPr>
-            <a:spLocks noGrp="1"/>
-          </p:cNvSpPr>
-          <p:nvPr>
-            <p:ph type="title"/>
-          </p:nvPr>
-        </p:nvSpPr>
-        <p:spPr/>
-        <p:txBody>
-          <a:bodyPr/>
-          <a:lstStyle/>
-          <a:p>
-            <a:r>
-              <a:rPr lang="en-US" dirty="0"/>
-              <a:t>Mapping Claims to AAD Extensions</a:t>
-            </a:r>
-          </a:p>
-        </p:txBody>
-      </p:sp>
-      <p:sp>
-        <p:nvSpPr>
-          <p:cNvPr id="5" name="Text Placeholder 4"/>
-          <p:cNvSpPr>
-            <a:spLocks noGrp="1"/>
-          </p:cNvSpPr>
-          <p:nvPr>
-            <p:ph type="body" sz="quarter" idx="10"/>
-          </p:nvPr>
-        </p:nvSpPr>
-        <p:spPr>
-          <a:xfrm>
-            <a:off x="274638" y="1212850"/>
-            <a:ext cx="11887200" cy="738664"/>
-          </a:xfrm>
-        </p:spPr>
-        <p:txBody>
-          <a:bodyPr/>
-          <a:lstStyle/>
-          <a:p>
-            <a:r>
-              <a:rPr lang="en-US" dirty="0"/>
-              <a:t>Separate call to get data</a:t>
-            </a:r>
-          </a:p>
-        </p:txBody>
-      </p:sp>
-      <p:sp>
-        <p:nvSpPr>
-          <p:cNvPr id="6" name="Rectangle 5"/>
-          <p:cNvSpPr/>
-          <p:nvPr/>
-        </p:nvSpPr>
-        <p:spPr bwMode="auto">
-          <a:xfrm rot="19306584">
-            <a:off x="1825858" y="2278555"/>
-            <a:ext cx="6553200" cy="3124200"/>
-          </a:xfrm>
-          <a:prstGeom prst="rect">
-            <a:avLst/>
-          </a:prstGeom>
-          <a:solidFill>
-            <a:schemeClr val="accent1"/>
-          </a:solidFill>
-          <a:ln>
-            <a:noFill/>
-            <a:headEnd type="none" w="med" len="med"/>
-            <a:tailEnd type="none" w="med" len="med"/>
-          </a:ln>
-          <a:effectLst/>
-        </p:spPr>
-        <p:style>
-          <a:lnRef idx="1">
-            <a:schemeClr val="accent2"/>
-          </a:lnRef>
-          <a:fillRef idx="3">
-            <a:schemeClr val="accent2"/>
-          </a:fillRef>
-          <a:effectRef idx="2">
-            <a:schemeClr val="accent2"/>
-          </a:effectRef>
-          <a:fontRef idx="minor">
-            <a:schemeClr val="lt1"/>
-          </a:fontRef>
-        </p:style>
-        <p:txBody>
-          <a:bodyPr rot="0" spcFirstLastPara="0" vertOverflow="overflow" horzOverflow="overflow" vert="horz" wrap="square" lIns="182880" tIns="146304" rIns="182880" bIns="146304" numCol="1" spcCol="0" rtlCol="0" fromWordArt="0" anchor="t" anchorCtr="0" forceAA="0" compatLnSpc="1">
-            <a:prstTxWarp prst="textNoShape">
-              <a:avLst/>
-            </a:prstTxWarp>
-            <a:noAutofit/>
-          </a:bodyPr>
-          <a:lstStyle/>
-          <a:p>
-            <a:pPr algn="ctr" defTabSz="932472" fontAlgn="base">
-              <a:lnSpc>
-                <a:spcPct val="90000"/>
-              </a:lnSpc>
-              <a:spcBef>
-                <a:spcPct val="0"/>
-              </a:spcBef>
-              <a:spcAft>
-                <a:spcPct val="0"/>
-              </a:spcAft>
-            </a:pPr>
-            <a:r>
-              <a:rPr lang="en-US" sz="2400" dirty="0">
-                <a:gradFill>
-                  <a:gsLst>
-                    <a:gs pos="0">
-                      <a:srgbClr val="FFFFFF"/>
-                    </a:gs>
-                    <a:gs pos="100000">
-                      <a:srgbClr val="FFFFFF"/>
-                    </a:gs>
-                  </a:gsLst>
-                  <a:lin ang="5400000" scaled="0"/>
-                </a:gradFill>
-                <a:ea typeface="Segoe UI" pitchFamily="34" charset="0"/>
-                <a:cs typeface="Segoe UI" pitchFamily="34" charset="0"/>
-              </a:rPr>
-              <a:t>FIX THIS SLIDE</a:t>
-            </a:r>
-          </a:p>
-        </p:txBody>
-      </p:sp>
-    </p:spTree>
-    <p:extLst>
-      <p:ext uri="{BB962C8B-B14F-4D97-AF65-F5344CB8AC3E}">
-        <p14:creationId xmlns:p14="http://schemas.microsoft.com/office/powerpoint/2010/main" val="2193508341"/>
-      </p:ext>
-    </p:extLst>
-  </p:cSld>
-  <p:clrMapOvr>
-    <a:masterClrMapping/>
-  </p:clrMapOvr>
-  <p:transition>
-    <p:fade/>
-  </p:transition>
-</p:sld>
-</file>
-
-<file path=ppt/slides/slide18.xml><?xml version="1.0" encoding="utf-8"?>
-<p:sld xmlns:a="http://schemas.openxmlformats.org/drawingml/2006/main" xmlns:r="http://schemas.openxmlformats.org/officeDocument/2006/relationships" xmlns:p="http://schemas.openxmlformats.org/presentationml/2006/main">
-  <p:cSld>
-    <p:spTree>
-      <p:nvGrpSpPr>
-        <p:cNvPr id="1" name=""/>
-        <p:cNvGrpSpPr/>
-        <p:nvPr/>
-      </p:nvGrpSpPr>
-      <p:grpSpPr>
-        <a:xfrm>
-          <a:off x="0" y="0"/>
-          <a:ext cx="0" cy="0"/>
-          <a:chOff x="0" y="0"/>
-          <a:chExt cx="0" cy="0"/>
-        </a:xfrm>
-      </p:grpSpPr>
-      <p:sp>
-        <p:nvSpPr>
-          <p:cNvPr id="2" name="Title 1"/>
-          <p:cNvSpPr>
-            <a:spLocks noGrp="1"/>
-          </p:cNvSpPr>
-          <p:nvPr>
-            <p:ph type="title"/>
-          </p:nvPr>
-        </p:nvSpPr>
-        <p:spPr/>
-        <p:txBody>
-          <a:bodyPr/>
-          <a:lstStyle/>
-          <a:p>
-            <a:r>
-              <a:rPr lang="en-US" dirty="0"/>
-              <a:t>Permission Scopes</a:t>
-            </a:r>
-          </a:p>
-        </p:txBody>
-      </p:sp>
-      <p:sp>
-        <p:nvSpPr>
-          <p:cNvPr id="3" name="Text Placeholder 2"/>
-          <p:cNvSpPr>
-            <a:spLocks noGrp="1"/>
-          </p:cNvSpPr>
-          <p:nvPr>
-            <p:ph type="body" sz="quarter" idx="10"/>
-          </p:nvPr>
-        </p:nvSpPr>
-        <p:spPr/>
-        <p:txBody>
-          <a:bodyPr/>
-          <a:lstStyle/>
-          <a:p>
-            <a:endParaRPr lang="en-US"/>
-          </a:p>
-        </p:txBody>
-      </p:sp>
-    </p:spTree>
-    <p:extLst>
-      <p:ext uri="{BB962C8B-B14F-4D97-AF65-F5344CB8AC3E}">
-        <p14:creationId xmlns:p14="http://schemas.microsoft.com/office/powerpoint/2010/main" val="258556677"/>
-      </p:ext>
-    </p:extLst>
-  </p:cSld>
-  <p:clrMapOvr>
-    <a:masterClrMapping/>
-  </p:clrMapOvr>
-  <p:transition>
-    <p:fade/>
-  </p:transition>
-</p:sld>
-</file>
-
-<file path=ppt/slides/slide19.xml><?xml version="1.0" encoding="utf-8"?>
-<p:sld xmlns:a="http://schemas.openxmlformats.org/drawingml/2006/main" xmlns:r="http://schemas.openxmlformats.org/officeDocument/2006/relationships" xmlns:p="http://schemas.openxmlformats.org/presentationml/2006/main">
-  <p:cSld>
-    <p:spTree>
-      <p:nvGrpSpPr>
-        <p:cNvPr id="1" name=""/>
-        <p:cNvGrpSpPr/>
-        <p:nvPr/>
-      </p:nvGrpSpPr>
-      <p:grpSpPr>
-        <a:xfrm>
-          <a:off x="0" y="0"/>
-          <a:ext cx="0" cy="0"/>
-          <a:chOff x="0" y="0"/>
-          <a:chExt cx="0" cy="0"/>
-        </a:xfrm>
-      </p:grpSpPr>
-      <p:sp>
-        <p:nvSpPr>
-          <p:cNvPr id="2" name="Title 1"/>
-          <p:cNvSpPr>
-            <a:spLocks noGrp="1"/>
-          </p:cNvSpPr>
-          <p:nvPr>
-            <p:ph type="title"/>
-          </p:nvPr>
-        </p:nvSpPr>
-        <p:spPr/>
-        <p:txBody>
-          <a:bodyPr/>
-          <a:lstStyle/>
-          <a:p>
-            <a:r>
-              <a:rPr lang="en-US" dirty="0"/>
-              <a:t>Consent Flow</a:t>
-            </a:r>
-          </a:p>
-        </p:txBody>
-      </p:sp>
-      <p:sp>
-        <p:nvSpPr>
-          <p:cNvPr id="3" name="Text Placeholder 2"/>
-          <p:cNvSpPr>
-            <a:spLocks noGrp="1"/>
-          </p:cNvSpPr>
-          <p:nvPr>
-            <p:ph type="body" sz="quarter" idx="10"/>
-          </p:nvPr>
-        </p:nvSpPr>
-        <p:spPr>
-          <a:xfrm>
-            <a:off x="274638" y="1212850"/>
-            <a:ext cx="11887200" cy="1292662"/>
-          </a:xfrm>
-        </p:spPr>
-        <p:txBody>
-          <a:bodyPr/>
-          <a:lstStyle/>
-          <a:p>
-            <a:r>
-              <a:rPr lang="en-US" dirty="0"/>
-              <a:t>https://developer.microsoft.com/en-us/graph/docs/concepts/permissions_reference</a:t>
-            </a:r>
-          </a:p>
-        </p:txBody>
-      </p:sp>
-    </p:spTree>
-    <p:extLst>
-      <p:ext uri="{BB962C8B-B14F-4D97-AF65-F5344CB8AC3E}">
-        <p14:creationId xmlns:p14="http://schemas.microsoft.com/office/powerpoint/2010/main" val="3416831974"/>
-      </p:ext>
-    </p:extLst>
-  </p:cSld>
-  <p:clrMapOvr>
-    <a:masterClrMapping/>
-  </p:clrMapOvr>
-  <p:transition>
-    <p:fade/>
-  </p:transition>
 </p:sld>
 </file>
 
@@ -22865,6 +24093,394 @@
 </file>
 
 <file path=ppt/slides/slide20.xml><?xml version="1.0" encoding="utf-8"?>
+<p:sld xmlns:a="http://schemas.openxmlformats.org/drawingml/2006/main" xmlns:r="http://schemas.openxmlformats.org/officeDocument/2006/relationships" xmlns:p="http://schemas.openxmlformats.org/presentationml/2006/main">
+  <p:cSld>
+    <p:spTree>
+      <p:nvGrpSpPr>
+        <p:cNvPr id="1" name=""/>
+        <p:cNvGrpSpPr/>
+        <p:nvPr/>
+      </p:nvGrpSpPr>
+      <p:grpSpPr>
+        <a:xfrm>
+          <a:off x="0" y="0"/>
+          <a:ext cx="0" cy="0"/>
+          <a:chOff x="0" y="0"/>
+          <a:chExt cx="0" cy="0"/>
+        </a:xfrm>
+      </p:grpSpPr>
+      <p:sp>
+        <p:nvSpPr>
+          <p:cNvPr id="4" name="Title 3"/>
+          <p:cNvSpPr>
+            <a:spLocks noGrp="1"/>
+          </p:cNvSpPr>
+          <p:nvPr>
+            <p:ph type="title"/>
+          </p:nvPr>
+        </p:nvSpPr>
+        <p:spPr/>
+        <p:txBody>
+          <a:bodyPr/>
+          <a:lstStyle/>
+          <a:p>
+            <a:r>
+              <a:rPr lang="en-US" dirty="0"/>
+              <a:t>Guidance on Scenarios</a:t>
+            </a:r>
+          </a:p>
+        </p:txBody>
+      </p:sp>
+    </p:spTree>
+    <p:extLst>
+      <p:ext uri="{BB962C8B-B14F-4D97-AF65-F5344CB8AC3E}">
+        <p14:creationId xmlns:p14="http://schemas.microsoft.com/office/powerpoint/2010/main" val="1679624332"/>
+      </p:ext>
+    </p:extLst>
+  </p:cSld>
+  <p:clrMapOvr>
+    <a:masterClrMapping/>
+  </p:clrMapOvr>
+  <p:transition>
+    <p:fade/>
+  </p:transition>
+</p:sld>
+</file>
+
+<file path=ppt/slides/slide21.xml><?xml version="1.0" encoding="utf-8"?>
+<p:sld xmlns:a="http://schemas.openxmlformats.org/drawingml/2006/main" xmlns:r="http://schemas.openxmlformats.org/officeDocument/2006/relationships" xmlns:p="http://schemas.openxmlformats.org/presentationml/2006/main">
+  <p:cSld>
+    <p:spTree>
+      <p:nvGrpSpPr>
+        <p:cNvPr id="1" name=""/>
+        <p:cNvGrpSpPr/>
+        <p:nvPr/>
+      </p:nvGrpSpPr>
+      <p:grpSpPr>
+        <a:xfrm>
+          <a:off x="0" y="0"/>
+          <a:ext cx="0" cy="0"/>
+          <a:chOff x="0" y="0"/>
+          <a:chExt cx="0" cy="0"/>
+        </a:xfrm>
+      </p:grpSpPr>
+      <p:sp>
+        <p:nvSpPr>
+          <p:cNvPr id="4" name="Title 3"/>
+          <p:cNvSpPr>
+            <a:spLocks noGrp="1"/>
+          </p:cNvSpPr>
+          <p:nvPr>
+            <p:ph type="title"/>
+          </p:nvPr>
+        </p:nvSpPr>
+        <p:spPr/>
+        <p:txBody>
+          <a:bodyPr/>
+          <a:lstStyle/>
+          <a:p>
+            <a:r>
+              <a:rPr lang="en-US" dirty="0"/>
+              <a:t>Using Graph Data for </a:t>
+            </a:r>
+            <a:r>
+              <a:rPr lang="en-US" dirty="0" err="1"/>
+              <a:t>AuthZ</a:t>
+            </a:r>
+            <a:endParaRPr lang="en-US" dirty="0"/>
+          </a:p>
+        </p:txBody>
+      </p:sp>
+      <p:sp>
+        <p:nvSpPr>
+          <p:cNvPr id="5" name="Text Placeholder 4"/>
+          <p:cNvSpPr>
+            <a:spLocks noGrp="1"/>
+          </p:cNvSpPr>
+          <p:nvPr>
+            <p:ph type="body" sz="quarter" idx="10"/>
+          </p:nvPr>
+        </p:nvSpPr>
+        <p:spPr>
+          <a:xfrm>
+            <a:off x="274638" y="1212850"/>
+            <a:ext cx="11887200" cy="4462760"/>
+          </a:xfrm>
+        </p:spPr>
+        <p:txBody>
+          <a:bodyPr/>
+          <a:lstStyle/>
+          <a:p>
+            <a:r>
+              <a:rPr lang="en-US" dirty="0"/>
+              <a:t>Not all claims are passed on initial </a:t>
+            </a:r>
+            <a:r>
+              <a:rPr lang="en-US" dirty="0" err="1"/>
+              <a:t>AuthN</a:t>
+            </a:r>
+            <a:r>
+              <a:rPr lang="en-US" dirty="0"/>
+              <a:t> request</a:t>
+            </a:r>
+          </a:p>
+          <a:p>
+            <a:r>
+              <a:rPr lang="en-US" dirty="0"/>
+              <a:t>May need separate call(s) to get additional data</a:t>
+            </a:r>
+          </a:p>
+          <a:p>
+            <a:r>
+              <a:rPr lang="en-US" dirty="0"/>
+              <a:t>Examples:</a:t>
+            </a:r>
+          </a:p>
+          <a:p>
+            <a:pPr lvl="1"/>
+            <a:r>
+              <a:rPr lang="en-US" dirty="0"/>
+              <a:t>Get all classes for student where </a:t>
+            </a:r>
+            <a:r>
+              <a:rPr lang="en-US" b="1" dirty="0"/>
+              <a:t>class</a:t>
+            </a:r>
+            <a:r>
+              <a:rPr lang="en-US" dirty="0"/>
+              <a:t> is used as a security boundary</a:t>
+            </a:r>
+          </a:p>
+          <a:p>
+            <a:pPr lvl="1"/>
+            <a:r>
+              <a:rPr lang="en-US" dirty="0"/>
+              <a:t>Get all students for teacher where </a:t>
+            </a:r>
+            <a:r>
+              <a:rPr lang="en-US" b="1" dirty="0"/>
+              <a:t>student</a:t>
+            </a:r>
+            <a:r>
+              <a:rPr lang="en-US" dirty="0"/>
+              <a:t> is used as a security boundary</a:t>
+            </a:r>
+          </a:p>
+          <a:p>
+            <a:pPr lvl="1"/>
+            <a:r>
+              <a:rPr lang="en-US" dirty="0"/>
+              <a:t>Check Teacher or Student where </a:t>
+            </a:r>
+            <a:r>
+              <a:rPr lang="en-US" b="1" dirty="0"/>
+              <a:t>entity type</a:t>
+            </a:r>
+            <a:r>
+              <a:rPr lang="en-US" dirty="0"/>
+              <a:t> is used as a security boundary</a:t>
+            </a:r>
+          </a:p>
+          <a:p>
+            <a:endParaRPr lang="en-US" dirty="0"/>
+          </a:p>
+          <a:p>
+            <a:r>
+              <a:rPr lang="en-US" dirty="0"/>
+              <a:t>Can be called “on the fly” or at login time</a:t>
+            </a:r>
+          </a:p>
+        </p:txBody>
+      </p:sp>
+    </p:spTree>
+    <p:extLst>
+      <p:ext uri="{BB962C8B-B14F-4D97-AF65-F5344CB8AC3E}">
+        <p14:creationId xmlns:p14="http://schemas.microsoft.com/office/powerpoint/2010/main" val="2193508341"/>
+      </p:ext>
+    </p:extLst>
+  </p:cSld>
+  <p:clrMapOvr>
+    <a:masterClrMapping/>
+  </p:clrMapOvr>
+  <p:transition>
+    <p:fade/>
+  </p:transition>
+</p:sld>
+</file>
+
+<file path=ppt/slides/slide22.xml><?xml version="1.0" encoding="utf-8"?>
+<p:sld xmlns:a="http://schemas.openxmlformats.org/drawingml/2006/main" xmlns:r="http://schemas.openxmlformats.org/officeDocument/2006/relationships" xmlns:p="http://schemas.openxmlformats.org/presentationml/2006/main">
+  <p:cSld>
+    <p:spTree>
+      <p:nvGrpSpPr>
+        <p:cNvPr id="1" name=""/>
+        <p:cNvGrpSpPr/>
+        <p:nvPr/>
+      </p:nvGrpSpPr>
+      <p:grpSpPr>
+        <a:xfrm>
+          <a:off x="0" y="0"/>
+          <a:ext cx="0" cy="0"/>
+          <a:chOff x="0" y="0"/>
+          <a:chExt cx="0" cy="0"/>
+        </a:xfrm>
+      </p:grpSpPr>
+      <p:sp>
+        <p:nvSpPr>
+          <p:cNvPr id="2" name="Title 1"/>
+          <p:cNvSpPr>
+            <a:spLocks noGrp="1"/>
+          </p:cNvSpPr>
+          <p:nvPr>
+            <p:ph type="title"/>
+          </p:nvPr>
+        </p:nvSpPr>
+        <p:spPr/>
+        <p:txBody>
+          <a:bodyPr/>
+          <a:lstStyle/>
+          <a:p>
+            <a:r>
+              <a:rPr lang="en-US" dirty="0"/>
+              <a:t>Permission Scopes</a:t>
+            </a:r>
+          </a:p>
+        </p:txBody>
+      </p:sp>
+      <p:sp>
+        <p:nvSpPr>
+          <p:cNvPr id="4" name="Text Placeholder 3"/>
+          <p:cNvSpPr>
+            <a:spLocks noGrp="1"/>
+          </p:cNvSpPr>
+          <p:nvPr>
+            <p:ph type="body" sz="quarter" idx="10"/>
+          </p:nvPr>
+        </p:nvSpPr>
+        <p:spPr>
+          <a:xfrm>
+            <a:off x="274638" y="1212850"/>
+            <a:ext cx="11887200" cy="1754326"/>
+          </a:xfrm>
+        </p:spPr>
+        <p:txBody>
+          <a:bodyPr/>
+          <a:lstStyle/>
+          <a:p>
+            <a:r>
+              <a:rPr lang="en-US" dirty="0"/>
+              <a:t>Know what data you are looking for</a:t>
+            </a:r>
+          </a:p>
+          <a:p>
+            <a:r>
+              <a:rPr lang="en-US" dirty="0"/>
+              <a:t>Additional scopes can be added later</a:t>
+            </a:r>
+          </a:p>
+          <a:p>
+            <a:pPr lvl="1"/>
+            <a:r>
+              <a:rPr lang="en-US" dirty="0"/>
+              <a:t>May require additional handling with cached tokens</a:t>
+            </a:r>
+          </a:p>
+        </p:txBody>
+      </p:sp>
+    </p:spTree>
+    <p:extLst>
+      <p:ext uri="{BB962C8B-B14F-4D97-AF65-F5344CB8AC3E}">
+        <p14:creationId xmlns:p14="http://schemas.microsoft.com/office/powerpoint/2010/main" val="258556677"/>
+      </p:ext>
+    </p:extLst>
+  </p:cSld>
+  <p:clrMapOvr>
+    <a:masterClrMapping/>
+  </p:clrMapOvr>
+  <p:transition>
+    <p:fade/>
+  </p:transition>
+</p:sld>
+</file>
+
+<file path=ppt/slides/slide23.xml><?xml version="1.0" encoding="utf-8"?>
+<p:sld xmlns:a="http://schemas.openxmlformats.org/drawingml/2006/main" xmlns:r="http://schemas.openxmlformats.org/officeDocument/2006/relationships" xmlns:p="http://schemas.openxmlformats.org/presentationml/2006/main">
+  <p:cSld>
+    <p:spTree>
+      <p:nvGrpSpPr>
+        <p:cNvPr id="1" name=""/>
+        <p:cNvGrpSpPr/>
+        <p:nvPr/>
+      </p:nvGrpSpPr>
+      <p:grpSpPr>
+        <a:xfrm>
+          <a:off x="0" y="0"/>
+          <a:ext cx="0" cy="0"/>
+          <a:chOff x="0" y="0"/>
+          <a:chExt cx="0" cy="0"/>
+        </a:xfrm>
+      </p:grpSpPr>
+      <p:sp>
+        <p:nvSpPr>
+          <p:cNvPr id="2" name="Title 1"/>
+          <p:cNvSpPr>
+            <a:spLocks noGrp="1"/>
+          </p:cNvSpPr>
+          <p:nvPr>
+            <p:ph type="title"/>
+          </p:nvPr>
+        </p:nvSpPr>
+        <p:spPr/>
+        <p:txBody>
+          <a:bodyPr/>
+          <a:lstStyle/>
+          <a:p>
+            <a:r>
+              <a:rPr lang="en-US" dirty="0"/>
+              <a:t>Consent Flow</a:t>
+            </a:r>
+          </a:p>
+        </p:txBody>
+      </p:sp>
+      <p:sp>
+        <p:nvSpPr>
+          <p:cNvPr id="3" name="Text Placeholder 2"/>
+          <p:cNvSpPr>
+            <a:spLocks noGrp="1"/>
+          </p:cNvSpPr>
+          <p:nvPr>
+            <p:ph type="body" sz="quarter" idx="10"/>
+          </p:nvPr>
+        </p:nvSpPr>
+        <p:spPr/>
+        <p:txBody>
+          <a:bodyPr/>
+          <a:lstStyle/>
+          <a:p>
+            <a:r>
+              <a:rPr lang="en-US" dirty="0"/>
+              <a:t>https://developer.microsoft.com/en-us/graph/docs/concepts/permissions_reference</a:t>
+            </a:r>
+          </a:p>
+        </p:txBody>
+      </p:sp>
+    </p:spTree>
+    <p:extLst>
+      <p:ext uri="{BB962C8B-B14F-4D97-AF65-F5344CB8AC3E}">
+        <p14:creationId xmlns:p14="http://schemas.microsoft.com/office/powerpoint/2010/main" val="3416831974"/>
+      </p:ext>
+    </p:extLst>
+  </p:cSld>
+  <p:clrMapOvr>
+    <a:masterClrMapping/>
+  </p:clrMapOvr>
+  <p:transition>
+    <p:fade/>
+  </p:transition>
+</p:sld>
+</file>
+
+<file path=ppt/slides/slide24.xml><?xml version="1.0" encoding="utf-8"?>
 <p:sld xmlns:a="http://schemas.openxmlformats.org/drawingml/2006/main" xmlns:r="http://schemas.openxmlformats.org/officeDocument/2006/relationships" xmlns:p="http://schemas.openxmlformats.org/presentationml/2006/main">
   <p:cSld>
     <p:spTree>
@@ -23024,7 +24640,7 @@
 </p:sld>
 </file>
 
-<file path=ppt/slides/slide21.xml><?xml version="1.0" encoding="utf-8"?>
+<file path=ppt/slides/slide25.xml><?xml version="1.0" encoding="utf-8"?>
 <p:sld xmlns:a="http://schemas.openxmlformats.org/drawingml/2006/main" xmlns:r="http://schemas.openxmlformats.org/officeDocument/2006/relationships" xmlns:p="http://schemas.openxmlformats.org/presentationml/2006/main">
   <p:cSld>
     <p:spTree>
@@ -23156,7 +24772,7 @@
 </p:sld>
 </file>
 
-<file path=ppt/slides/slide22.xml><?xml version="1.0" encoding="utf-8"?>
+<file path=ppt/slides/slide26.xml><?xml version="1.0" encoding="utf-8"?>
 <p:sld xmlns:a="http://schemas.openxmlformats.org/drawingml/2006/main" xmlns:r="http://schemas.openxmlformats.org/officeDocument/2006/relationships" xmlns:p="http://schemas.openxmlformats.org/presentationml/2006/main" show="0">
   <p:cSld>
     <p:spTree>
@@ -28840,7 +30456,7 @@
 </p:sld>
 </file>
 
-<file path=ppt/slides/slide23.xml><?xml version="1.0" encoding="utf-8"?>
+<file path=ppt/slides/slide27.xml><?xml version="1.0" encoding="utf-8"?>
 <p:sld xmlns:a="http://schemas.openxmlformats.org/drawingml/2006/main" xmlns:r="http://schemas.openxmlformats.org/officeDocument/2006/relationships" xmlns:p="http://schemas.openxmlformats.org/presentationml/2006/main">
   <p:cSld>
     <p:spTree>
@@ -28919,7 +30535,7 @@
 </p:sld>
 </file>
 
-<file path=ppt/slides/slide24.xml><?xml version="1.0" encoding="utf-8"?>
+<file path=ppt/slides/slide28.xml><?xml version="1.0" encoding="utf-8"?>
 <p:sld xmlns:a="http://schemas.openxmlformats.org/drawingml/2006/main" xmlns:r="http://schemas.openxmlformats.org/officeDocument/2006/relationships" xmlns:p="http://schemas.openxmlformats.org/presentationml/2006/main">
   <p:cSld>
     <p:spTree>
@@ -39154,7 +40770,7 @@
         <p:spPr>
           <a:xfrm>
             <a:off x="274638" y="1212850"/>
-            <a:ext cx="11887200" cy="4124206"/>
+            <a:ext cx="11887200" cy="3447098"/>
           </a:xfrm>
         </p:spPr>
         <p:txBody>
@@ -39170,6 +40786,12 @@
             <a:r>
               <a:rPr lang="en-US" dirty="0"/>
               <a:t>Specific sign in</a:t>
+            </a:r>
+          </a:p>
+          <a:p>
+            <a:r>
+              <a:rPr lang="en-US" dirty="0"/>
+              <a:t>Trusted subsystem</a:t>
             </a:r>
           </a:p>
           <a:p>
@@ -39191,15 +40813,6 @@
               <a:rPr lang="en-US" dirty="0"/>
               <a:t>With local/linked account/profile (shadow/mapped account)</a:t>
             </a:r>
-          </a:p>
-          <a:p>
-            <a:r>
-              <a:rPr lang="en-US" dirty="0"/>
-              <a:t>Trusted subsystem</a:t>
-            </a:r>
-          </a:p>
-          <a:p>
-            <a:endParaRPr lang="en-US" dirty="0"/>
           </a:p>
         </p:txBody>
       </p:sp>
@@ -42192,6 +43805,15 @@
 </file>
 
 <file path=customXml/item1.xml><?xml version="1.0" encoding="utf-8"?>
+<?mso-contentType ?>
+<FormTemplates xmlns="http://schemas.microsoft.com/sharepoint/v3/contenttype/forms">
+  <Display>DocumentLibraryForm</Display>
+  <Edit>DocumentLibraryForm</Edit>
+  <New>DocumentLibraryForm</New>
+</FormTemplates>
+</file>
+
+<file path=customXml/item2.xml><?xml version="1.0" encoding="utf-8"?>
 <ct:contentTypeSchema xmlns:ct="http://schemas.microsoft.com/office/2006/metadata/contentType" xmlns:ma="http://schemas.microsoft.com/office/2006/metadata/properties/metaAttributes" ct:_="" ma:_="" ma:contentTypeName="Document" ma:contentTypeID="0x010100A2B0BB5962AB3C45A9A1CE1EC4C4F647" ma:contentTypeVersion="3" ma:contentTypeDescription="Create a new document." ma:contentTypeScope="" ma:versionID="f0876370c90de824ab54c09b0bd2a056">
   <xsd:schema xmlns:xsd="http://www.w3.org/2001/XMLSchema" xmlns:xs="http://www.w3.org/2001/XMLSchema" xmlns:p="http://schemas.microsoft.com/office/2006/metadata/properties" xmlns:ns3="630a2e83-186a-4a0f-ab27-bee8a8096abc" targetNamespace="http://schemas.microsoft.com/office/2006/metadata/properties" ma:root="true" ma:fieldsID="a2a3b5ed8b4accd7c8a398d0cb075271" ns3:_="">
     <xsd:import namespace="630a2e83-186a-4a0f-ab27-bee8a8096abc"/>
@@ -42345,15 +43967,6 @@
 </ct:contentTypeSchema>
 </file>
 
-<file path=customXml/item2.xml><?xml version="1.0" encoding="utf-8"?>
-<?mso-contentType ?>
-<FormTemplates xmlns="http://schemas.microsoft.com/sharepoint/v3/contenttype/forms">
-  <Display>DocumentLibraryForm</Display>
-  <Edit>DocumentLibraryForm</Edit>
-  <New>DocumentLibraryForm</New>
-</FormTemplates>
-</file>
-
 <file path=customXml/item3.xml><?xml version="1.0" encoding="utf-8"?>
 <p:properties xmlns:p="http://schemas.microsoft.com/office/2006/metadata/properties" xmlns:xsi="http://www.w3.org/2001/XMLSchema-instance" xmlns:pc="http://schemas.microsoft.com/office/infopath/2007/PartnerControls">
   <documentManagement/>
@@ -42361,6 +43974,14 @@
 </file>
 
 <file path=customXml/itemProps1.xml><?xml version="1.0" encoding="utf-8"?>
+<ds:datastoreItem xmlns:ds="http://schemas.openxmlformats.org/officeDocument/2006/customXml" ds:itemID="{758FDAC0-319D-4A54-8D8E-1D42CB1F8004}">
+  <ds:schemaRefs>
+    <ds:schemaRef ds:uri="http://schemas.microsoft.com/sharepoint/v3/contenttype/forms"/>
+  </ds:schemaRefs>
+</ds:datastoreItem>
+</file>
+
+<file path=customXml/itemProps2.xml><?xml version="1.0" encoding="utf-8"?>
 <ds:datastoreItem xmlns:ds="http://schemas.openxmlformats.org/officeDocument/2006/customXml" ds:itemID="{F4553072-E538-48C4-90FC-3653F32D67C5}">
   <ds:schemaRefs>
     <ds:schemaRef ds:uri="http://schemas.microsoft.com/office/2006/metadata/contentType"/>
@@ -42374,14 +43995,6 @@
     <ds:schemaRef ds:uri="http://purl.org/dc/elements/1.1/"/>
     <ds:schemaRef ds:uri="http://purl.org/dc/terms/"/>
     <ds:schemaRef ds:uri="http://schemas.microsoft.com/internal/obd"/>
-  </ds:schemaRefs>
-</ds:datastoreItem>
-</file>
-
-<file path=customXml/itemProps2.xml><?xml version="1.0" encoding="utf-8"?>
-<ds:datastoreItem xmlns:ds="http://schemas.openxmlformats.org/officeDocument/2006/customXml" ds:itemID="{758FDAC0-319D-4A54-8D8E-1D42CB1F8004}">
-  <ds:schemaRefs>
-    <ds:schemaRef ds:uri="http://schemas.microsoft.com/sharepoint/v3/contenttype/forms"/>
   </ds:schemaRefs>
 </ds:datastoreItem>
 </file>
